--- a/CapstonePresentation.pptx
+++ b/CapstonePresentation.pptx
@@ -6,24 +6,26 @@
   </p:sldMasterIdLst>
   <p:sldIdLst>
     <p:sldId id="256" r:id="rId2"/>
-    <p:sldId id="258" r:id="rId3"/>
-    <p:sldId id="259" r:id="rId4"/>
-    <p:sldId id="260" r:id="rId5"/>
-    <p:sldId id="274" r:id="rId6"/>
+    <p:sldId id="259" r:id="rId3"/>
+    <p:sldId id="260" r:id="rId4"/>
+    <p:sldId id="274" r:id="rId5"/>
+    <p:sldId id="258" r:id="rId6"/>
     <p:sldId id="257" r:id="rId7"/>
     <p:sldId id="262" r:id="rId8"/>
     <p:sldId id="273" r:id="rId9"/>
-    <p:sldId id="263" r:id="rId10"/>
-    <p:sldId id="272" r:id="rId11"/>
+    <p:sldId id="277" r:id="rId10"/>
+    <p:sldId id="263" r:id="rId11"/>
     <p:sldId id="264" r:id="rId12"/>
-    <p:sldId id="265" r:id="rId13"/>
-    <p:sldId id="266" r:id="rId14"/>
-    <p:sldId id="267" r:id="rId15"/>
-    <p:sldId id="268" r:id="rId16"/>
-    <p:sldId id="269" r:id="rId17"/>
-    <p:sldId id="270" r:id="rId18"/>
-    <p:sldId id="275" r:id="rId19"/>
-    <p:sldId id="271" r:id="rId20"/>
+    <p:sldId id="278" r:id="rId13"/>
+    <p:sldId id="265" r:id="rId14"/>
+    <p:sldId id="279" r:id="rId15"/>
+    <p:sldId id="276" r:id="rId16"/>
+    <p:sldId id="280" r:id="rId17"/>
+    <p:sldId id="268" r:id="rId18"/>
+    <p:sldId id="270" r:id="rId19"/>
+    <p:sldId id="269" r:id="rId20"/>
+    <p:sldId id="275" r:id="rId21"/>
+    <p:sldId id="271" r:id="rId22"/>
   </p:sldIdLst>
   <p:sldSz cx="12192000" cy="6858000"/>
   <p:notesSz cx="6858000" cy="9144000"/>
@@ -130,10 +132,6 @@
 </p:presentation>
 </file>
 
-<file path=ppt/revisionInfo.xml><?xml version="1.0" encoding="utf-8"?>
-<p1510:revInfo xmlns:a="http://schemas.openxmlformats.org/drawingml/2006/main" xmlns:r="http://schemas.openxmlformats.org/officeDocument/2006/relationships" xmlns:p1510="http://schemas.microsoft.com/office/powerpoint/2015/10/main"/>
-</file>
-
 <file path=ppt/slideLayouts/slideLayout1.xml><?xml version="1.0" encoding="utf-8"?>
 <p:sldLayout xmlns:a="http://schemas.openxmlformats.org/drawingml/2006/main" xmlns:r="http://schemas.openxmlformats.org/officeDocument/2006/relationships" xmlns:p="http://schemas.openxmlformats.org/presentationml/2006/main" type="title" preserve="1">
   <p:cSld name="Title Slide">
@@ -281,7 +279,7 @@
           <a:p>
             <a:fld id="{0B0C1269-E893-4563-BABE-113FB4684A93}" type="datetimeFigureOut">
               <a:rPr lang="en-US" smtClean="0"/>
-              <a:t>3/17/2020</a:t>
+              <a:t>4/1/2020</a:t>
             </a:fld>
             <a:endParaRPr lang="en-US"/>
           </a:p>
@@ -479,7 +477,7 @@
           <a:p>
             <a:fld id="{0B0C1269-E893-4563-BABE-113FB4684A93}" type="datetimeFigureOut">
               <a:rPr lang="en-US" smtClean="0"/>
-              <a:t>3/17/2020</a:t>
+              <a:t>4/1/2020</a:t>
             </a:fld>
             <a:endParaRPr lang="en-US"/>
           </a:p>
@@ -687,7 +685,7 @@
           <a:p>
             <a:fld id="{0B0C1269-E893-4563-BABE-113FB4684A93}" type="datetimeFigureOut">
               <a:rPr lang="en-US" smtClean="0"/>
-              <a:t>3/17/2020</a:t>
+              <a:t>4/1/2020</a:t>
             </a:fld>
             <a:endParaRPr lang="en-US"/>
           </a:p>
@@ -885,7 +883,7 @@
           <a:p>
             <a:fld id="{0B0C1269-E893-4563-BABE-113FB4684A93}" type="datetimeFigureOut">
               <a:rPr lang="en-US" smtClean="0"/>
-              <a:t>3/17/2020</a:t>
+              <a:t>4/1/2020</a:t>
             </a:fld>
             <a:endParaRPr lang="en-US"/>
           </a:p>
@@ -1160,7 +1158,7 @@
           <a:p>
             <a:fld id="{0B0C1269-E893-4563-BABE-113FB4684A93}" type="datetimeFigureOut">
               <a:rPr lang="en-US" smtClean="0"/>
-              <a:t>3/17/2020</a:t>
+              <a:t>4/1/2020</a:t>
             </a:fld>
             <a:endParaRPr lang="en-US"/>
           </a:p>
@@ -1425,7 +1423,7 @@
           <a:p>
             <a:fld id="{0B0C1269-E893-4563-BABE-113FB4684A93}" type="datetimeFigureOut">
               <a:rPr lang="en-US" smtClean="0"/>
-              <a:t>3/17/2020</a:t>
+              <a:t>4/1/2020</a:t>
             </a:fld>
             <a:endParaRPr lang="en-US"/>
           </a:p>
@@ -1837,7 +1835,7 @@
           <a:p>
             <a:fld id="{0B0C1269-E893-4563-BABE-113FB4684A93}" type="datetimeFigureOut">
               <a:rPr lang="en-US" smtClean="0"/>
-              <a:t>3/17/2020</a:t>
+              <a:t>4/1/2020</a:t>
             </a:fld>
             <a:endParaRPr lang="en-US"/>
           </a:p>
@@ -1978,7 +1976,7 @@
           <a:p>
             <a:fld id="{0B0C1269-E893-4563-BABE-113FB4684A93}" type="datetimeFigureOut">
               <a:rPr lang="en-US" smtClean="0"/>
-              <a:t>3/17/2020</a:t>
+              <a:t>4/1/2020</a:t>
             </a:fld>
             <a:endParaRPr lang="en-US"/>
           </a:p>
@@ -2091,7 +2089,7 @@
           <a:p>
             <a:fld id="{0B0C1269-E893-4563-BABE-113FB4684A93}" type="datetimeFigureOut">
               <a:rPr lang="en-US" smtClean="0"/>
-              <a:t>3/17/2020</a:t>
+              <a:t>4/1/2020</a:t>
             </a:fld>
             <a:endParaRPr lang="en-US"/>
           </a:p>
@@ -2402,7 +2400,7 @@
           <a:p>
             <a:fld id="{0B0C1269-E893-4563-BABE-113FB4684A93}" type="datetimeFigureOut">
               <a:rPr lang="en-US" smtClean="0"/>
-              <a:t>3/17/2020</a:t>
+              <a:t>4/1/2020</a:t>
             </a:fld>
             <a:endParaRPr lang="en-US"/>
           </a:p>
@@ -2690,7 +2688,7 @@
           <a:p>
             <a:fld id="{0B0C1269-E893-4563-BABE-113FB4684A93}" type="datetimeFigureOut">
               <a:rPr lang="en-US" smtClean="0"/>
-              <a:t>3/17/2020</a:t>
+              <a:t>4/1/2020</a:t>
             </a:fld>
             <a:endParaRPr lang="en-US"/>
           </a:p>
@@ -2931,7 +2929,7 @@
           <a:p>
             <a:fld id="{0B0C1269-E893-4563-BABE-113FB4684A93}" type="datetimeFigureOut">
               <a:rPr lang="en-US" smtClean="0"/>
-              <a:t>3/17/2020</a:t>
+              <a:t>4/1/2020</a:t>
             </a:fld>
             <a:endParaRPr lang="en-US"/>
           </a:p>
@@ -3364,14 +3362,21 @@
             <p:ph type="ctrTitle"/>
           </p:nvPr>
         </p:nvSpPr>
-        <p:spPr/>
-        <p:txBody>
-          <a:bodyPr/>
+        <p:spPr>
+          <a:xfrm>
+            <a:off x="1524000" y="1122363"/>
+            <a:ext cx="9144000" cy="2387600"/>
+          </a:xfrm>
+        </p:spPr>
+        <p:txBody>
+          <a:bodyPr>
+            <a:normAutofit fontScale="90000"/>
+          </a:bodyPr>
           <a:lstStyle/>
           <a:p>
             <a:r>
               <a:rPr lang="en-US" dirty="0"/>
-              <a:t>Data Analysis of the Arbitration Process</a:t>
+              <a:t>Data Analysis of the Arbitration Process in the MLB</a:t>
             </a:r>
           </a:p>
         </p:txBody>
@@ -3401,7 +3406,7 @@
           <a:p>
             <a:r>
               <a:rPr lang="en-US" dirty="0"/>
-              <a:t>By,</a:t>
+              <a:t>By</a:t>
             </a:r>
           </a:p>
           <a:p>
@@ -3413,7 +3418,7 @@
           <a:p>
             <a:r>
               <a:rPr lang="en-US" dirty="0"/>
-              <a:t>Advised by,</a:t>
+              <a:t>Advised By</a:t>
             </a:r>
           </a:p>
           <a:p>
@@ -3424,6 +3429,36 @@
           </a:p>
         </p:txBody>
       </p:sp>
+      <p:pic>
+        <p:nvPicPr>
+          <p:cNvPr id="4" name="Picture 3">
+            <a:extLst>
+              <a:ext uri="{FF2B5EF4-FFF2-40B4-BE49-F238E27FC236}">
+                <a16:creationId xmlns:a16="http://schemas.microsoft.com/office/drawing/2014/main" id="{09F4A87E-B68C-4196-8F0B-41F49E46FCE4}"/>
+              </a:ext>
+            </a:extLst>
+          </p:cNvPr>
+          <p:cNvPicPr>
+            <a:picLocks noChangeAspect="1"/>
+          </p:cNvPicPr>
+          <p:nvPr/>
+        </p:nvPicPr>
+        <p:blipFill>
+          <a:blip r:embed="rId2"/>
+          <a:stretch>
+            <a:fillRect/>
+          </a:stretch>
+        </p:blipFill>
+        <p:spPr>
+          <a:xfrm>
+            <a:off x="8214355" y="4014060"/>
+            <a:ext cx="3572429" cy="2000560"/>
+          </a:xfrm>
+          <a:prstGeom prst="rect">
+            <a:avLst/>
+          </a:prstGeom>
+        </p:spPr>
+      </p:pic>
     </p:spTree>
     <p:extLst>
       <p:ext uri="{BB962C8B-B14F-4D97-AF65-F5344CB8AC3E}">
@@ -3459,7 +3494,7 @@
           <p:cNvPr id="2" name="Title 1">
             <a:extLst>
               <a:ext uri="{FF2B5EF4-FFF2-40B4-BE49-F238E27FC236}">
-                <a16:creationId xmlns:a16="http://schemas.microsoft.com/office/drawing/2014/main" id="{FFAEAB53-0F91-49FC-9B97-E06B8FD12BA6}"/>
+                <a16:creationId xmlns:a16="http://schemas.microsoft.com/office/drawing/2014/main" id="{FBC7A92A-B76B-4B8C-AD0D-9DE976111F38}"/>
               </a:ext>
             </a:extLst>
           </p:cNvPr>
@@ -3478,7 +3513,23 @@
             <a:pPr algn="ctr"/>
             <a:r>
               <a:rPr lang="en-US" sz="6600" dirty="0"/>
-              <a:t>Transformations</a:t>
+              <a:t>Packages</a:t>
+            </a:r>
+            <a:r>
+              <a:rPr lang="en-US" dirty="0"/>
+              <a:t> </a:t>
+            </a:r>
+            <a:r>
+              <a:rPr lang="en-US" sz="6600" dirty="0"/>
+              <a:t>and</a:t>
+            </a:r>
+            <a:r>
+              <a:rPr lang="en-US" dirty="0"/>
+              <a:t> </a:t>
+            </a:r>
+            <a:r>
+              <a:rPr lang="en-US" sz="6600" dirty="0"/>
+              <a:t>Functions</a:t>
             </a:r>
             <a:endParaRPr lang="en-US" dirty="0"/>
           </a:p>
@@ -3486,40 +3537,128 @@
       </p:sp>
       <p:sp>
         <p:nvSpPr>
-          <p:cNvPr id="8" name="Text Placeholder 7">
-            <a:extLst>
-              <a:ext uri="{FF2B5EF4-FFF2-40B4-BE49-F238E27FC236}">
-                <a16:creationId xmlns:a16="http://schemas.microsoft.com/office/drawing/2014/main" id="{53837202-260E-4335-8109-6FB1B4F98DD3}"/>
-              </a:ext>
-            </a:extLst>
-          </p:cNvPr>
-          <p:cNvSpPr>
-            <a:spLocks noGrp="1"/>
-          </p:cNvSpPr>
-          <p:nvPr>
-            <p:ph type="body" idx="1"/>
+          <p:cNvPr id="3" name="Content Placeholder 2">
+            <a:extLst>
+              <a:ext uri="{FF2B5EF4-FFF2-40B4-BE49-F238E27FC236}">
+                <a16:creationId xmlns:a16="http://schemas.microsoft.com/office/drawing/2014/main" id="{8777420B-E199-441F-BFB6-BAA96246E271}"/>
+              </a:ext>
+            </a:extLst>
+          </p:cNvPr>
+          <p:cNvSpPr>
+            <a:spLocks noGrp="1"/>
+          </p:cNvSpPr>
+          <p:nvPr>
+            <p:ph sz="half" idx="1"/>
           </p:nvPr>
         </p:nvSpPr>
         <p:spPr/>
         <p:txBody>
           <a:bodyPr>
-            <a:normAutofit/>
+            <a:normAutofit lnSpcReduction="10000"/>
           </a:bodyPr>
           <a:lstStyle/>
           <a:p>
             <a:r>
-              <a:rPr lang="en-US" sz="3200" dirty="0"/>
-              <a:t>Used for Neural Network</a:t>
-            </a:r>
-          </a:p>
-        </p:txBody>
-      </p:sp>
-      <p:sp>
-        <p:nvSpPr>
-          <p:cNvPr id="9" name="Content Placeholder 8">
-            <a:extLst>
-              <a:ext uri="{FF2B5EF4-FFF2-40B4-BE49-F238E27FC236}">
-                <a16:creationId xmlns:a16="http://schemas.microsoft.com/office/drawing/2014/main" id="{6AB7F8EA-C865-410A-994A-21E7B56C6A50}"/>
+              <a:rPr lang="en-US" dirty="0"/>
+              <a:t>Packages </a:t>
+            </a:r>
+          </a:p>
+          <a:p>
+            <a:pPr lvl="1"/>
+            <a:r>
+              <a:rPr lang="en-US" dirty="0" err="1"/>
+              <a:t>dplyr</a:t>
+            </a:r>
+            <a:endParaRPr lang="en-US" dirty="0"/>
+          </a:p>
+          <a:p>
+            <a:pPr lvl="2"/>
+            <a:r>
+              <a:rPr lang="en-US" dirty="0"/>
+              <a:t>Join different data tables</a:t>
+            </a:r>
+          </a:p>
+          <a:p>
+            <a:pPr lvl="2"/>
+            <a:r>
+              <a:rPr lang="en-US" dirty="0"/>
+              <a:t>Select and edit data</a:t>
+            </a:r>
+          </a:p>
+          <a:p>
+            <a:pPr lvl="1"/>
+            <a:r>
+              <a:rPr lang="en-US" dirty="0"/>
+              <a:t>Stack</a:t>
+            </a:r>
+          </a:p>
+          <a:p>
+            <a:pPr lvl="2"/>
+            <a:r>
+              <a:rPr lang="en-US" dirty="0"/>
+              <a:t>Stack data sets</a:t>
+            </a:r>
+          </a:p>
+          <a:p>
+            <a:pPr lvl="1"/>
+            <a:r>
+              <a:rPr lang="en-US" dirty="0"/>
+              <a:t>caret</a:t>
+            </a:r>
+          </a:p>
+          <a:p>
+            <a:pPr lvl="2"/>
+            <a:r>
+              <a:rPr lang="en-US" dirty="0"/>
+              <a:t>Found transformation using </a:t>
+            </a:r>
+            <a:r>
+              <a:rPr lang="en-US" dirty="0" err="1"/>
+              <a:t>BoxCox</a:t>
+            </a:r>
+            <a:r>
+              <a:rPr lang="en-US" dirty="0"/>
+              <a:t> </a:t>
+            </a:r>
+          </a:p>
+          <a:p>
+            <a:pPr lvl="1"/>
+            <a:r>
+              <a:rPr lang="en-US" dirty="0" err="1"/>
+              <a:t>nnet</a:t>
+            </a:r>
+            <a:endParaRPr lang="en-US" dirty="0"/>
+          </a:p>
+          <a:p>
+            <a:pPr lvl="2"/>
+            <a:r>
+              <a:rPr lang="en-US" dirty="0"/>
+              <a:t>Run Neural Network</a:t>
+            </a:r>
+          </a:p>
+          <a:p>
+            <a:pPr lvl="1"/>
+            <a:r>
+              <a:rPr lang="en-US" dirty="0" err="1"/>
+              <a:t>randomForest</a:t>
+            </a:r>
+            <a:endParaRPr lang="en-US" dirty="0"/>
+          </a:p>
+          <a:p>
+            <a:pPr lvl="2"/>
+            <a:r>
+              <a:rPr lang="en-US" dirty="0"/>
+              <a:t>Run Random Forest</a:t>
+            </a:r>
+          </a:p>
+        </p:txBody>
+      </p:sp>
+      <p:sp>
+        <p:nvSpPr>
+          <p:cNvPr id="4" name="Content Placeholder 3">
+            <a:extLst>
+              <a:ext uri="{FF2B5EF4-FFF2-40B4-BE49-F238E27FC236}">
+                <a16:creationId xmlns:a16="http://schemas.microsoft.com/office/drawing/2014/main" id="{C7749AFC-1276-400F-9DE9-0F5412EC7A42}"/>
               </a:ext>
             </a:extLst>
           </p:cNvPr>
@@ -3532,168 +3671,79 @@
         </p:nvSpPr>
         <p:spPr/>
         <p:txBody>
-          <a:bodyPr/>
+          <a:bodyPr>
+            <a:normAutofit lnSpcReduction="10000"/>
+          </a:bodyPr>
           <a:lstStyle/>
           <a:p>
             <a:r>
               <a:rPr lang="en-US" dirty="0"/>
-              <a:t>Position Players Data</a:t>
+              <a:t>Functions</a:t>
             </a:r>
           </a:p>
           <a:p>
             <a:pPr lvl="1"/>
             <a:r>
               <a:rPr lang="en-US" dirty="0"/>
-              <a:t>LN (Player Amount)</a:t>
+              <a:t>Clean</a:t>
+            </a:r>
+          </a:p>
+          <a:p>
+            <a:pPr lvl="2"/>
+            <a:r>
+              <a:rPr lang="en-US" dirty="0"/>
+              <a:t>Clean the arbitration data</a:t>
+            </a:r>
+          </a:p>
+          <a:p>
+            <a:pPr lvl="2"/>
+            <a:r>
+              <a:rPr lang="en-US" dirty="0"/>
+              <a:t>Needed to use encoding UTF-8</a:t>
             </a:r>
           </a:p>
           <a:p>
             <a:pPr lvl="1"/>
             <a:r>
               <a:rPr lang="en-US" dirty="0"/>
-              <a:t>Team Amount^(-1/10)</a:t>
+              <a:t>cnnet.cv</a:t>
+            </a:r>
+          </a:p>
+          <a:p>
+            <a:pPr lvl="2"/>
+            <a:r>
+              <a:rPr lang="en-US" dirty="0"/>
+              <a:t>Run cross validation for Neural Network</a:t>
             </a:r>
           </a:p>
           <a:p>
             <a:pPr lvl="1"/>
             <a:r>
-              <a:rPr lang="en-US" dirty="0"/>
-              <a:t>LN (Midpoint)</a:t>
+              <a:rPr lang="en-US" dirty="0" err="1"/>
+              <a:t>rrf.sscv</a:t>
+            </a:r>
+            <a:endParaRPr lang="en-US" dirty="0"/>
+          </a:p>
+          <a:p>
+            <a:pPr lvl="2"/>
+            <a:r>
+              <a:rPr lang="en-US" dirty="0"/>
+              <a:t>Run cross validation for Random Forest</a:t>
             </a:r>
           </a:p>
           <a:p>
             <a:pPr lvl="1"/>
             <a:r>
-              <a:rPr lang="en-US" dirty="0"/>
-              <a:t>AVG ^ (9/10)</a:t>
-            </a:r>
-          </a:p>
-          <a:p>
-            <a:pPr lvl="1"/>
-            <a:r>
-              <a:rPr lang="en-US" dirty="0"/>
-              <a:t>OPS+ ^ (9/10)</a:t>
-            </a:r>
-          </a:p>
-          <a:p>
-            <a:pPr lvl="1"/>
-            <a:r>
-              <a:rPr lang="en-US" dirty="0"/>
-              <a:t>RC ^ (3/10)</a:t>
-            </a:r>
-          </a:p>
-          <a:p>
-            <a:pPr lvl="1"/>
-            <a:r>
-              <a:rPr lang="en-US" dirty="0"/>
-              <a:t>RBI ^ (2/5)</a:t>
-            </a:r>
-          </a:p>
-        </p:txBody>
-      </p:sp>
-      <p:sp>
-        <p:nvSpPr>
-          <p:cNvPr id="10" name="Text Placeholder 9">
-            <a:extLst>
-              <a:ext uri="{FF2B5EF4-FFF2-40B4-BE49-F238E27FC236}">
-                <a16:creationId xmlns:a16="http://schemas.microsoft.com/office/drawing/2014/main" id="{884DA3BE-FA14-44F4-8390-D0AFC20E3B7B}"/>
-              </a:ext>
-            </a:extLst>
-          </p:cNvPr>
-          <p:cNvSpPr>
-            <a:spLocks noGrp="1"/>
-          </p:cNvSpPr>
-          <p:nvPr>
-            <p:ph type="body" sz="quarter" idx="3"/>
-          </p:nvPr>
-        </p:nvSpPr>
-        <p:spPr/>
-        <p:txBody>
-          <a:bodyPr/>
-          <a:lstStyle/>
-          <a:p>
+              <a:rPr lang="en-US" dirty="0" err="1"/>
+              <a:t>rfimp.class</a:t>
+            </a:r>
             <a:endParaRPr lang="en-US" dirty="0"/>
           </a:p>
-        </p:txBody>
-      </p:sp>
-      <p:sp>
-        <p:nvSpPr>
-          <p:cNvPr id="11" name="Content Placeholder 10">
-            <a:extLst>
-              <a:ext uri="{FF2B5EF4-FFF2-40B4-BE49-F238E27FC236}">
-                <a16:creationId xmlns:a16="http://schemas.microsoft.com/office/drawing/2014/main" id="{D8C293D9-BF29-4239-B2AB-412623501802}"/>
-              </a:ext>
-            </a:extLst>
-          </p:cNvPr>
-          <p:cNvSpPr>
-            <a:spLocks noGrp="1"/>
-          </p:cNvSpPr>
-          <p:nvPr>
-            <p:ph sz="quarter" idx="4"/>
-          </p:nvPr>
-        </p:nvSpPr>
-        <p:spPr>
-          <a:xfrm>
-            <a:off x="6172200" y="2521117"/>
-            <a:ext cx="5183188" cy="3684588"/>
-          </a:xfrm>
-        </p:spPr>
-        <p:txBody>
-          <a:bodyPr/>
-          <a:lstStyle/>
-          <a:p>
-            <a:r>
-              <a:rPr lang="en-US" dirty="0"/>
-              <a:t>Pitching Data</a:t>
-            </a:r>
-          </a:p>
-          <a:p>
-            <a:pPr lvl="1"/>
-            <a:r>
-              <a:rPr lang="en-US" dirty="0"/>
-              <a:t>Player Amount ^ (1/10)</a:t>
-            </a:r>
-          </a:p>
-          <a:p>
-            <a:pPr lvl="1"/>
-            <a:r>
-              <a:rPr lang="en-US" dirty="0"/>
-              <a:t>Team Amount ^ (3/10)</a:t>
-            </a:r>
-          </a:p>
-          <a:p>
-            <a:pPr lvl="1"/>
-            <a:r>
-              <a:rPr lang="en-US" dirty="0"/>
-              <a:t>Midpoint ^ (1/5)</a:t>
-            </a:r>
-          </a:p>
-          <a:p>
-            <a:pPr lvl="1"/>
-            <a:r>
-              <a:rPr lang="en-US" dirty="0"/>
-              <a:t>IP ^ (1/10)</a:t>
-            </a:r>
-          </a:p>
-          <a:p>
-            <a:pPr lvl="1"/>
-            <a:r>
-              <a:rPr lang="en-US" dirty="0"/>
-              <a:t>SO ^ (1/5)</a:t>
-            </a:r>
-          </a:p>
-          <a:p>
-            <a:pPr lvl="1"/>
-            <a:r>
-              <a:rPr lang="en-US" dirty="0"/>
-              <a:t>WHIP ^ (3/10)</a:t>
-            </a:r>
-          </a:p>
-          <a:p>
-            <a:pPr lvl="1"/>
-            <a:r>
-              <a:rPr lang="en-US" dirty="0"/>
-              <a:t>FIP ^ (4/5)</a:t>
+          <a:p>
+            <a:pPr lvl="2"/>
+            <a:r>
+              <a:rPr lang="en-US" dirty="0"/>
+              <a:t>Plot the variables of importance for Random Forest</a:t>
             </a:r>
           </a:p>
         </p:txBody>
@@ -3701,13 +3751,371 @@
     </p:spTree>
     <p:extLst>
       <p:ext uri="{BB962C8B-B14F-4D97-AF65-F5344CB8AC3E}">
-        <p14:creationId xmlns:p14="http://schemas.microsoft.com/office/powerpoint/2010/main" val="3634879562"/>
+        <p14:creationId xmlns:p14="http://schemas.microsoft.com/office/powerpoint/2010/main" val="4015746130"/>
       </p:ext>
     </p:extLst>
   </p:cSld>
   <p:clrMapOvr>
     <a:masterClrMapping/>
   </p:clrMapOvr>
+  <p:timing>
+    <p:tnLst>
+      <p:par>
+        <p:cTn id="1" dur="indefinite" restart="never" nodeType="tmRoot">
+          <p:childTnLst>
+            <p:seq concurrent="1" nextAc="seek">
+              <p:cTn id="2" dur="indefinite" nodeType="mainSeq">
+                <p:childTnLst>
+                  <p:par>
+                    <p:cTn id="3" fill="hold">
+                      <p:stCondLst>
+                        <p:cond delay="indefinite"/>
+                      </p:stCondLst>
+                      <p:childTnLst>
+                        <p:par>
+                          <p:cTn id="4" fill="hold">
+                            <p:stCondLst>
+                              <p:cond delay="0"/>
+                            </p:stCondLst>
+                            <p:childTnLst>
+                              <p:par>
+                                <p:cTn id="5" presetID="1" presetClass="entr" presetSubtype="0" fill="hold" nodeType="clickEffect">
+                                  <p:stCondLst>
+                                    <p:cond delay="0"/>
+                                  </p:stCondLst>
+                                  <p:childTnLst>
+                                    <p:set>
+                                      <p:cBhvr>
+                                        <p:cTn id="6" dur="1" fill="hold">
+                                          <p:stCondLst>
+                                            <p:cond delay="0"/>
+                                          </p:stCondLst>
+                                        </p:cTn>
+                                        <p:tgtEl>
+                                          <p:spTgt spid="4">
+                                            <p:txEl>
+                                              <p:pRg st="0" end="0"/>
+                                            </p:txEl>
+                                          </p:spTgt>
+                                        </p:tgtEl>
+                                        <p:attrNameLst>
+                                          <p:attrName>style.visibility</p:attrName>
+                                        </p:attrNameLst>
+                                      </p:cBhvr>
+                                      <p:to>
+                                        <p:strVal val="visible"/>
+                                      </p:to>
+                                    </p:set>
+                                  </p:childTnLst>
+                                </p:cTn>
+                              </p:par>
+                              <p:par>
+                                <p:cTn id="7" presetID="1" presetClass="entr" presetSubtype="0" fill="hold" nodeType="withEffect">
+                                  <p:stCondLst>
+                                    <p:cond delay="0"/>
+                                  </p:stCondLst>
+                                  <p:childTnLst>
+                                    <p:set>
+                                      <p:cBhvr>
+                                        <p:cTn id="8" dur="1" fill="hold">
+                                          <p:stCondLst>
+                                            <p:cond delay="0"/>
+                                          </p:stCondLst>
+                                        </p:cTn>
+                                        <p:tgtEl>
+                                          <p:spTgt spid="4">
+                                            <p:txEl>
+                                              <p:pRg st="1" end="1"/>
+                                            </p:txEl>
+                                          </p:spTgt>
+                                        </p:tgtEl>
+                                        <p:attrNameLst>
+                                          <p:attrName>style.visibility</p:attrName>
+                                        </p:attrNameLst>
+                                      </p:cBhvr>
+                                      <p:to>
+                                        <p:strVal val="visible"/>
+                                      </p:to>
+                                    </p:set>
+                                  </p:childTnLst>
+                                </p:cTn>
+                              </p:par>
+                              <p:par>
+                                <p:cTn id="9" presetID="1" presetClass="entr" presetSubtype="0" fill="hold" nodeType="withEffect">
+                                  <p:stCondLst>
+                                    <p:cond delay="0"/>
+                                  </p:stCondLst>
+                                  <p:childTnLst>
+                                    <p:set>
+                                      <p:cBhvr>
+                                        <p:cTn id="10" dur="1" fill="hold">
+                                          <p:stCondLst>
+                                            <p:cond delay="0"/>
+                                          </p:stCondLst>
+                                        </p:cTn>
+                                        <p:tgtEl>
+                                          <p:spTgt spid="4">
+                                            <p:txEl>
+                                              <p:pRg st="2" end="2"/>
+                                            </p:txEl>
+                                          </p:spTgt>
+                                        </p:tgtEl>
+                                        <p:attrNameLst>
+                                          <p:attrName>style.visibility</p:attrName>
+                                        </p:attrNameLst>
+                                      </p:cBhvr>
+                                      <p:to>
+                                        <p:strVal val="visible"/>
+                                      </p:to>
+                                    </p:set>
+                                  </p:childTnLst>
+                                </p:cTn>
+                              </p:par>
+                              <p:par>
+                                <p:cTn id="11" presetID="1" presetClass="entr" presetSubtype="0" fill="hold" nodeType="withEffect">
+                                  <p:stCondLst>
+                                    <p:cond delay="0"/>
+                                  </p:stCondLst>
+                                  <p:childTnLst>
+                                    <p:set>
+                                      <p:cBhvr>
+                                        <p:cTn id="12" dur="1" fill="hold">
+                                          <p:stCondLst>
+                                            <p:cond delay="0"/>
+                                          </p:stCondLst>
+                                        </p:cTn>
+                                        <p:tgtEl>
+                                          <p:spTgt spid="4">
+                                            <p:txEl>
+                                              <p:pRg st="3" end="3"/>
+                                            </p:txEl>
+                                          </p:spTgt>
+                                        </p:tgtEl>
+                                        <p:attrNameLst>
+                                          <p:attrName>style.visibility</p:attrName>
+                                        </p:attrNameLst>
+                                      </p:cBhvr>
+                                      <p:to>
+                                        <p:strVal val="visible"/>
+                                      </p:to>
+                                    </p:set>
+                                  </p:childTnLst>
+                                </p:cTn>
+                              </p:par>
+                              <p:par>
+                                <p:cTn id="13" presetID="1" presetClass="entr" presetSubtype="0" fill="hold" nodeType="withEffect">
+                                  <p:stCondLst>
+                                    <p:cond delay="0"/>
+                                  </p:stCondLst>
+                                  <p:childTnLst>
+                                    <p:set>
+                                      <p:cBhvr>
+                                        <p:cTn id="14" dur="1" fill="hold">
+                                          <p:stCondLst>
+                                            <p:cond delay="0"/>
+                                          </p:stCondLst>
+                                        </p:cTn>
+                                        <p:tgtEl>
+                                          <p:spTgt spid="4">
+                                            <p:txEl>
+                                              <p:pRg st="4" end="4"/>
+                                            </p:txEl>
+                                          </p:spTgt>
+                                        </p:tgtEl>
+                                        <p:attrNameLst>
+                                          <p:attrName>style.visibility</p:attrName>
+                                        </p:attrNameLst>
+                                      </p:cBhvr>
+                                      <p:to>
+                                        <p:strVal val="visible"/>
+                                      </p:to>
+                                    </p:set>
+                                  </p:childTnLst>
+                                </p:cTn>
+                              </p:par>
+                              <p:par>
+                                <p:cTn id="15" presetID="1" presetClass="entr" presetSubtype="0" fill="hold" nodeType="withEffect">
+                                  <p:stCondLst>
+                                    <p:cond delay="0"/>
+                                  </p:stCondLst>
+                                  <p:childTnLst>
+                                    <p:set>
+                                      <p:cBhvr>
+                                        <p:cTn id="16" dur="1" fill="hold">
+                                          <p:stCondLst>
+                                            <p:cond delay="0"/>
+                                          </p:stCondLst>
+                                        </p:cTn>
+                                        <p:tgtEl>
+                                          <p:spTgt spid="4">
+                                            <p:txEl>
+                                              <p:pRg st="5" end="5"/>
+                                            </p:txEl>
+                                          </p:spTgt>
+                                        </p:tgtEl>
+                                        <p:attrNameLst>
+                                          <p:attrName>style.visibility</p:attrName>
+                                        </p:attrNameLst>
+                                      </p:cBhvr>
+                                      <p:to>
+                                        <p:strVal val="visible"/>
+                                      </p:to>
+                                    </p:set>
+                                  </p:childTnLst>
+                                </p:cTn>
+                              </p:par>
+                              <p:par>
+                                <p:cTn id="17" presetID="1" presetClass="entr" presetSubtype="0" fill="hold" nodeType="withEffect">
+                                  <p:stCondLst>
+                                    <p:cond delay="0"/>
+                                  </p:stCondLst>
+                                  <p:childTnLst>
+                                    <p:set>
+                                      <p:cBhvr>
+                                        <p:cTn id="18" dur="1" fill="hold">
+                                          <p:stCondLst>
+                                            <p:cond delay="0"/>
+                                          </p:stCondLst>
+                                        </p:cTn>
+                                        <p:tgtEl>
+                                          <p:spTgt spid="4">
+                                            <p:txEl>
+                                              <p:pRg st="6" end="6"/>
+                                            </p:txEl>
+                                          </p:spTgt>
+                                        </p:tgtEl>
+                                        <p:attrNameLst>
+                                          <p:attrName>style.visibility</p:attrName>
+                                        </p:attrNameLst>
+                                      </p:cBhvr>
+                                      <p:to>
+                                        <p:strVal val="visible"/>
+                                      </p:to>
+                                    </p:set>
+                                  </p:childTnLst>
+                                </p:cTn>
+                              </p:par>
+                              <p:par>
+                                <p:cTn id="19" presetID="1" presetClass="entr" presetSubtype="0" fill="hold" nodeType="withEffect">
+                                  <p:stCondLst>
+                                    <p:cond delay="0"/>
+                                  </p:stCondLst>
+                                  <p:childTnLst>
+                                    <p:set>
+                                      <p:cBhvr>
+                                        <p:cTn id="20" dur="1" fill="hold">
+                                          <p:stCondLst>
+                                            <p:cond delay="0"/>
+                                          </p:stCondLst>
+                                        </p:cTn>
+                                        <p:tgtEl>
+                                          <p:spTgt spid="4">
+                                            <p:txEl>
+                                              <p:pRg st="7" end="7"/>
+                                            </p:txEl>
+                                          </p:spTgt>
+                                        </p:tgtEl>
+                                        <p:attrNameLst>
+                                          <p:attrName>style.visibility</p:attrName>
+                                        </p:attrNameLst>
+                                      </p:cBhvr>
+                                      <p:to>
+                                        <p:strVal val="visible"/>
+                                      </p:to>
+                                    </p:set>
+                                  </p:childTnLst>
+                                </p:cTn>
+                              </p:par>
+                              <p:par>
+                                <p:cTn id="21" presetID="1" presetClass="entr" presetSubtype="0" fill="hold" nodeType="withEffect">
+                                  <p:stCondLst>
+                                    <p:cond delay="0"/>
+                                  </p:stCondLst>
+                                  <p:childTnLst>
+                                    <p:set>
+                                      <p:cBhvr>
+                                        <p:cTn id="22" dur="1" fill="hold">
+                                          <p:stCondLst>
+                                            <p:cond delay="0"/>
+                                          </p:stCondLst>
+                                        </p:cTn>
+                                        <p:tgtEl>
+                                          <p:spTgt spid="4">
+                                            <p:txEl>
+                                              <p:pRg st="8" end="8"/>
+                                            </p:txEl>
+                                          </p:spTgt>
+                                        </p:tgtEl>
+                                        <p:attrNameLst>
+                                          <p:attrName>style.visibility</p:attrName>
+                                        </p:attrNameLst>
+                                      </p:cBhvr>
+                                      <p:to>
+                                        <p:strVal val="visible"/>
+                                      </p:to>
+                                    </p:set>
+                                  </p:childTnLst>
+                                </p:cTn>
+                              </p:par>
+                              <p:par>
+                                <p:cTn id="23" presetID="1" presetClass="entr" presetSubtype="0" fill="hold" nodeType="withEffect">
+                                  <p:stCondLst>
+                                    <p:cond delay="0"/>
+                                  </p:stCondLst>
+                                  <p:childTnLst>
+                                    <p:set>
+                                      <p:cBhvr>
+                                        <p:cTn id="24" dur="1" fill="hold">
+                                          <p:stCondLst>
+                                            <p:cond delay="0"/>
+                                          </p:stCondLst>
+                                        </p:cTn>
+                                        <p:tgtEl>
+                                          <p:spTgt spid="4">
+                                            <p:txEl>
+                                              <p:pRg st="9" end="9"/>
+                                            </p:txEl>
+                                          </p:spTgt>
+                                        </p:tgtEl>
+                                        <p:attrNameLst>
+                                          <p:attrName>style.visibility</p:attrName>
+                                        </p:attrNameLst>
+                                      </p:cBhvr>
+                                      <p:to>
+                                        <p:strVal val="visible"/>
+                                      </p:to>
+                                    </p:set>
+                                  </p:childTnLst>
+                                </p:cTn>
+                              </p:par>
+                            </p:childTnLst>
+                          </p:cTn>
+                        </p:par>
+                      </p:childTnLst>
+                    </p:cTn>
+                  </p:par>
+                </p:childTnLst>
+              </p:cTn>
+              <p:prevCondLst>
+                <p:cond evt="onPrev" delay="0">
+                  <p:tgtEl>
+                    <p:sldTgt/>
+                  </p:tgtEl>
+                </p:cond>
+              </p:prevCondLst>
+              <p:nextCondLst>
+                <p:cond evt="onNext" delay="0">
+                  <p:tgtEl>
+                    <p:sldTgt/>
+                  </p:tgtEl>
+                </p:cond>
+              </p:nextCondLst>
+            </p:seq>
+          </p:childTnLst>
+        </p:cTn>
+      </p:par>
+    </p:tnLst>
+  </p:timing>
 </p:sld>
 </file>
 
@@ -3772,7 +4180,7 @@
             <a:spLocks noGrp="1"/>
           </p:cNvSpPr>
           <p:nvPr>
-            <p:ph sz="half" idx="1"/>
+            <p:ph idx="1"/>
           </p:nvPr>
         </p:nvSpPr>
         <p:spPr/>
@@ -3780,35 +4188,63 @@
           <a:bodyPr/>
           <a:lstStyle/>
           <a:p>
-            <a:endParaRPr lang="en-US"/>
-          </a:p>
-        </p:txBody>
-      </p:sp>
-      <p:sp>
-        <p:nvSpPr>
-          <p:cNvPr id="5" name="Content Placeholder 4">
-            <a:extLst>
-              <a:ext uri="{FF2B5EF4-FFF2-40B4-BE49-F238E27FC236}">
-                <a16:creationId xmlns:a16="http://schemas.microsoft.com/office/drawing/2014/main" id="{72316427-0EE9-4647-AA5C-58E949389C1C}"/>
-              </a:ext>
-            </a:extLst>
-          </p:cNvPr>
-          <p:cNvSpPr>
-            <a:spLocks noGrp="1"/>
-          </p:cNvSpPr>
-          <p:nvPr>
-            <p:ph sz="half" idx="2"/>
-          </p:nvPr>
-        </p:nvSpPr>
-        <p:spPr/>
-        <p:txBody>
-          <a:bodyPr/>
-          <a:lstStyle/>
-          <a:p>
-            <a:endParaRPr lang="en-US"/>
-          </a:p>
-        </p:txBody>
-      </p:sp>
+            <a:r>
+              <a:rPr lang="en-US" dirty="0"/>
+              <a:t>Position Players</a:t>
+            </a:r>
+          </a:p>
+          <a:p>
+            <a:pPr lvl="1"/>
+            <a:r>
+              <a:rPr lang="en-US" dirty="0"/>
+              <a:t>Size = 7</a:t>
+            </a:r>
+          </a:p>
+          <a:p>
+            <a:pPr lvl="1"/>
+            <a:r>
+              <a:rPr lang="en-US" dirty="0"/>
+              <a:t>Decay = .01</a:t>
+            </a:r>
+          </a:p>
+          <a:p>
+            <a:pPr marL="0" indent="0">
+              <a:buNone/>
+            </a:pPr>
+            <a:endParaRPr lang="en-US" dirty="0"/>
+          </a:p>
+        </p:txBody>
+      </p:sp>
+      <p:pic>
+        <p:nvPicPr>
+          <p:cNvPr id="6" name="Picture 5">
+            <a:extLst>
+              <a:ext uri="{FF2B5EF4-FFF2-40B4-BE49-F238E27FC236}">
+                <a16:creationId xmlns:a16="http://schemas.microsoft.com/office/drawing/2014/main" id="{FE9B3FFE-19DF-42D7-819D-B02A104A35A4}"/>
+              </a:ext>
+            </a:extLst>
+          </p:cNvPr>
+          <p:cNvPicPr>
+            <a:picLocks noChangeAspect="1"/>
+          </p:cNvPicPr>
+          <p:nvPr/>
+        </p:nvPicPr>
+        <p:blipFill>
+          <a:blip r:embed="rId2"/>
+          <a:stretch>
+            <a:fillRect/>
+          </a:stretch>
+        </p:blipFill>
+        <p:spPr>
+          <a:xfrm>
+            <a:off x="7063918" y="1598947"/>
+            <a:ext cx="4565374" cy="5259053"/>
+          </a:xfrm>
+          <a:prstGeom prst="rect">
+            <a:avLst/>
+          </a:prstGeom>
+        </p:spPr>
+      </p:pic>
     </p:spTree>
     <p:extLst>
       <p:ext uri="{BB962C8B-B14F-4D97-AF65-F5344CB8AC3E}">
@@ -3844,7 +4280,7 @@
           <p:cNvPr id="2" name="Title 1">
             <a:extLst>
               <a:ext uri="{FF2B5EF4-FFF2-40B4-BE49-F238E27FC236}">
-                <a16:creationId xmlns:a16="http://schemas.microsoft.com/office/drawing/2014/main" id="{378D435E-3AC9-4B3D-AEFE-B6F1A20A345D}"/>
+                <a16:creationId xmlns:a16="http://schemas.microsoft.com/office/drawing/2014/main" id="{EC786004-FF37-41F4-835D-79E364AB98BF}"/>
               </a:ext>
             </a:extLst>
           </p:cNvPr>
@@ -3865,65 +4301,98 @@
             <a:pPr algn="ctr"/>
             <a:r>
               <a:rPr lang="en-US" sz="6600" dirty="0"/>
-              <a:t>Random Forests</a:t>
-            </a:r>
-          </a:p>
-        </p:txBody>
-      </p:sp>
-      <p:sp>
-        <p:nvSpPr>
-          <p:cNvPr id="4" name="Content Placeholder 3">
-            <a:extLst>
-              <a:ext uri="{FF2B5EF4-FFF2-40B4-BE49-F238E27FC236}">
-                <a16:creationId xmlns:a16="http://schemas.microsoft.com/office/drawing/2014/main" id="{CCD9724C-94FA-45D2-8D47-D3ED3E48D176}"/>
-              </a:ext>
-            </a:extLst>
-          </p:cNvPr>
-          <p:cNvSpPr>
-            <a:spLocks noGrp="1"/>
-          </p:cNvSpPr>
-          <p:nvPr>
-            <p:ph sz="half" idx="1"/>
-          </p:nvPr>
-        </p:nvSpPr>
-        <p:spPr/>
+              <a:t>Neural Network</a:t>
+            </a:r>
+          </a:p>
+        </p:txBody>
+      </p:sp>
+      <p:sp>
+        <p:nvSpPr>
+          <p:cNvPr id="3" name="Content Placeholder 2">
+            <a:extLst>
+              <a:ext uri="{FF2B5EF4-FFF2-40B4-BE49-F238E27FC236}">
+                <a16:creationId xmlns:a16="http://schemas.microsoft.com/office/drawing/2014/main" id="{BC7D30BC-F536-40CA-B253-AA71DA95D60C}"/>
+              </a:ext>
+            </a:extLst>
+          </p:cNvPr>
+          <p:cNvSpPr>
+            <a:spLocks noGrp="1"/>
+          </p:cNvSpPr>
+          <p:nvPr>
+            <p:ph idx="1"/>
+          </p:nvPr>
+        </p:nvSpPr>
+        <p:spPr>
+          <a:xfrm>
+            <a:off x="867508" y="1808040"/>
+            <a:ext cx="10515600" cy="4351338"/>
+          </a:xfrm>
+        </p:spPr>
         <p:txBody>
           <a:bodyPr/>
           <a:lstStyle/>
           <a:p>
-            <a:endParaRPr lang="en-US"/>
-          </a:p>
-        </p:txBody>
-      </p:sp>
-      <p:sp>
-        <p:nvSpPr>
-          <p:cNvPr id="5" name="Content Placeholder 4">
-            <a:extLst>
-              <a:ext uri="{FF2B5EF4-FFF2-40B4-BE49-F238E27FC236}">
-                <a16:creationId xmlns:a16="http://schemas.microsoft.com/office/drawing/2014/main" id="{79D1B0BD-BA59-4D89-8A8B-975EB78EDCDA}"/>
-              </a:ext>
-            </a:extLst>
-          </p:cNvPr>
-          <p:cNvSpPr>
-            <a:spLocks noGrp="1"/>
-          </p:cNvSpPr>
-          <p:nvPr>
-            <p:ph sz="half" idx="2"/>
-          </p:nvPr>
-        </p:nvSpPr>
-        <p:spPr/>
-        <p:txBody>
-          <a:bodyPr/>
-          <a:lstStyle/>
-          <a:p>
-            <a:endParaRPr lang="en-US"/>
-          </a:p>
-        </p:txBody>
-      </p:sp>
+            <a:r>
+              <a:rPr lang="en-US" dirty="0"/>
+              <a:t>Pitchers</a:t>
+            </a:r>
+          </a:p>
+          <a:p>
+            <a:pPr lvl="1"/>
+            <a:r>
+              <a:rPr lang="en-US" dirty="0"/>
+              <a:t>Size = 5</a:t>
+            </a:r>
+          </a:p>
+          <a:p>
+            <a:pPr lvl="1"/>
+            <a:r>
+              <a:rPr lang="en-US" dirty="0"/>
+              <a:t>Decay = .001</a:t>
+            </a:r>
+          </a:p>
+          <a:p>
+            <a:pPr marL="0" indent="0">
+              <a:buNone/>
+            </a:pPr>
+            <a:endParaRPr lang="en-US" dirty="0"/>
+          </a:p>
+        </p:txBody>
+      </p:sp>
+      <p:pic>
+        <p:nvPicPr>
+          <p:cNvPr id="5" name="Picture 4">
+            <a:extLst>
+              <a:ext uri="{FF2B5EF4-FFF2-40B4-BE49-F238E27FC236}">
+                <a16:creationId xmlns:a16="http://schemas.microsoft.com/office/drawing/2014/main" id="{11D4B42E-CBB5-4E79-89BA-75BB40366D0F}"/>
+              </a:ext>
+            </a:extLst>
+          </p:cNvPr>
+          <p:cNvPicPr>
+            <a:picLocks noChangeAspect="1"/>
+          </p:cNvPicPr>
+          <p:nvPr/>
+        </p:nvPicPr>
+        <p:blipFill>
+          <a:blip r:embed="rId2"/>
+          <a:stretch>
+            <a:fillRect/>
+          </a:stretch>
+        </p:blipFill>
+        <p:spPr>
+          <a:xfrm>
+            <a:off x="6791739" y="1482372"/>
+            <a:ext cx="4789196" cy="5375628"/>
+          </a:xfrm>
+          <a:prstGeom prst="rect">
+            <a:avLst/>
+          </a:prstGeom>
+        </p:spPr>
+      </p:pic>
     </p:spTree>
     <p:extLst>
       <p:ext uri="{BB962C8B-B14F-4D97-AF65-F5344CB8AC3E}">
-        <p14:creationId xmlns:p14="http://schemas.microsoft.com/office/powerpoint/2010/main" val="2349551611"/>
+        <p14:creationId xmlns:p14="http://schemas.microsoft.com/office/powerpoint/2010/main" val="556108978"/>
       </p:ext>
     </p:extLst>
   </p:cSld>
@@ -3955,7 +4424,7 @@
           <p:cNvPr id="2" name="Title 1">
             <a:extLst>
               <a:ext uri="{FF2B5EF4-FFF2-40B4-BE49-F238E27FC236}">
-                <a16:creationId xmlns:a16="http://schemas.microsoft.com/office/drawing/2014/main" id="{4D626226-D6D9-447C-B867-81314991C09A}"/>
+                <a16:creationId xmlns:a16="http://schemas.microsoft.com/office/drawing/2014/main" id="{378D435E-3AC9-4B3D-AEFE-B6F1A20A345D}"/>
               </a:ext>
             </a:extLst>
           </p:cNvPr>
@@ -3964,6 +4433,37 @@
           </p:cNvSpPr>
           <p:nvPr>
             <p:ph type="title"/>
+          </p:nvPr>
+        </p:nvSpPr>
+        <p:spPr/>
+        <p:txBody>
+          <a:bodyPr>
+            <a:normAutofit/>
+          </a:bodyPr>
+          <a:lstStyle/>
+          <a:p>
+            <a:pPr algn="ctr"/>
+            <a:r>
+              <a:rPr lang="en-US" sz="6600" dirty="0"/>
+              <a:t>Random Forests</a:t>
+            </a:r>
+          </a:p>
+        </p:txBody>
+      </p:sp>
+      <p:sp>
+        <p:nvSpPr>
+          <p:cNvPr id="4" name="Content Placeholder 3">
+            <a:extLst>
+              <a:ext uri="{FF2B5EF4-FFF2-40B4-BE49-F238E27FC236}">
+                <a16:creationId xmlns:a16="http://schemas.microsoft.com/office/drawing/2014/main" id="{CCD9724C-94FA-45D2-8D47-D3ED3E48D176}"/>
+              </a:ext>
+            </a:extLst>
+          </p:cNvPr>
+          <p:cNvSpPr>
+            <a:spLocks noGrp="1"/>
+          </p:cNvSpPr>
+          <p:nvPr>
+            <p:ph idx="1"/>
           </p:nvPr>
         </p:nvSpPr>
         <p:spPr/>
@@ -3971,44 +4471,69 @@
           <a:bodyPr/>
           <a:lstStyle/>
           <a:p>
-            <a:pPr algn="ctr"/>
-            <a:r>
-              <a:rPr lang="en-US" sz="6600" dirty="0"/>
-              <a:t>Other</a:t>
-            </a:r>
-            <a:endParaRPr lang="en-US" dirty="0"/>
-          </a:p>
-        </p:txBody>
-      </p:sp>
-      <p:sp>
-        <p:nvSpPr>
-          <p:cNvPr id="3" name="Content Placeholder 2">
-            <a:extLst>
-              <a:ext uri="{FF2B5EF4-FFF2-40B4-BE49-F238E27FC236}">
-                <a16:creationId xmlns:a16="http://schemas.microsoft.com/office/drawing/2014/main" id="{6D0773CF-73A5-408B-BD6F-2C4013EBA39E}"/>
-              </a:ext>
-            </a:extLst>
-          </p:cNvPr>
-          <p:cNvSpPr>
-            <a:spLocks noGrp="1"/>
-          </p:cNvSpPr>
-          <p:nvPr>
-            <p:ph idx="1"/>
-          </p:nvPr>
-        </p:nvSpPr>
-        <p:spPr/>
-        <p:txBody>
-          <a:bodyPr/>
-          <a:lstStyle/>
-          <a:p>
-            <a:endParaRPr lang="en-US"/>
-          </a:p>
-        </p:txBody>
-      </p:sp>
+            <a:r>
+              <a:rPr lang="en-US" dirty="0"/>
+              <a:t>Position Players</a:t>
+            </a:r>
+          </a:p>
+          <a:p>
+            <a:pPr lvl="1"/>
+            <a:r>
+              <a:rPr lang="en-US" dirty="0" err="1"/>
+              <a:t>Mtry</a:t>
+            </a:r>
+            <a:r>
+              <a:rPr lang="en-US" dirty="0"/>
+              <a:t> = 5</a:t>
+            </a:r>
+          </a:p>
+          <a:p>
+            <a:pPr lvl="1"/>
+            <a:r>
+              <a:rPr lang="en-US" dirty="0" err="1"/>
+              <a:t>Maxnodes</a:t>
+            </a:r>
+            <a:r>
+              <a:rPr lang="en-US" dirty="0"/>
+              <a:t> = 5</a:t>
+            </a:r>
+          </a:p>
+        </p:txBody>
+      </p:sp>
+      <p:pic>
+        <p:nvPicPr>
+          <p:cNvPr id="7" name="Picture 6">
+            <a:extLst>
+              <a:ext uri="{FF2B5EF4-FFF2-40B4-BE49-F238E27FC236}">
+                <a16:creationId xmlns:a16="http://schemas.microsoft.com/office/drawing/2014/main" id="{E92F831C-2093-4F98-A6E3-6401AE9141C5}"/>
+              </a:ext>
+            </a:extLst>
+          </p:cNvPr>
+          <p:cNvPicPr>
+            <a:picLocks noChangeAspect="1"/>
+          </p:cNvPicPr>
+          <p:nvPr/>
+        </p:nvPicPr>
+        <p:blipFill>
+          <a:blip r:embed="rId2"/>
+          <a:stretch>
+            <a:fillRect/>
+          </a:stretch>
+        </p:blipFill>
+        <p:spPr>
+          <a:xfrm>
+            <a:off x="5890846" y="1359739"/>
+            <a:ext cx="5527430" cy="5498261"/>
+          </a:xfrm>
+          <a:prstGeom prst="rect">
+            <a:avLst/>
+          </a:prstGeom>
+        </p:spPr>
+      </p:pic>
     </p:spTree>
     <p:extLst>
       <p:ext uri="{BB962C8B-B14F-4D97-AF65-F5344CB8AC3E}">
-        <p14:creationId xmlns:p14="http://schemas.microsoft.com/office/powerpoint/2010/main" val="2788047779"/>
+        <p14:creationId xmlns:p14="http://schemas.microsoft.com/office/powerpoint/2010/main" val="2349551611"/>
       </p:ext>
     </p:extLst>
   </p:cSld>
@@ -4037,10 +4562,10 @@
       </p:grpSpPr>
       <p:sp>
         <p:nvSpPr>
-          <p:cNvPr id="2" name="Title 1">
-            <a:extLst>
-              <a:ext uri="{FF2B5EF4-FFF2-40B4-BE49-F238E27FC236}">
-                <a16:creationId xmlns:a16="http://schemas.microsoft.com/office/drawing/2014/main" id="{AD5C170A-63F1-44B1-A574-935CF8E8A6D4}"/>
+          <p:cNvPr id="5" name="Title 4">
+            <a:extLst>
+              <a:ext uri="{FF2B5EF4-FFF2-40B4-BE49-F238E27FC236}">
+                <a16:creationId xmlns:a16="http://schemas.microsoft.com/office/drawing/2014/main" id="{24BDB81F-4E00-4BA0-814C-AE2E6760A413}"/>
               </a:ext>
             </a:extLst>
           </p:cNvPr>
@@ -4061,17 +4586,17 @@
             <a:pPr algn="ctr"/>
             <a:r>
               <a:rPr lang="en-US" sz="6600" dirty="0"/>
-              <a:t>Cross Validation</a:t>
-            </a:r>
-          </a:p>
-        </p:txBody>
-      </p:sp>
-      <p:sp>
-        <p:nvSpPr>
-          <p:cNvPr id="3" name="Content Placeholder 2">
-            <a:extLst>
-              <a:ext uri="{FF2B5EF4-FFF2-40B4-BE49-F238E27FC236}">
-                <a16:creationId xmlns:a16="http://schemas.microsoft.com/office/drawing/2014/main" id="{5CD1ED87-76ED-4D3F-840C-2C69044F6998}"/>
+              <a:t>Random Forests</a:t>
+            </a:r>
+          </a:p>
+        </p:txBody>
+      </p:sp>
+      <p:sp>
+        <p:nvSpPr>
+          <p:cNvPr id="6" name="Content Placeholder 5">
+            <a:extLst>
+              <a:ext uri="{FF2B5EF4-FFF2-40B4-BE49-F238E27FC236}">
+                <a16:creationId xmlns:a16="http://schemas.microsoft.com/office/drawing/2014/main" id="{9D8C53F6-A8A6-4954-BE07-1F8F2E740D14}"/>
               </a:ext>
             </a:extLst>
           </p:cNvPr>
@@ -4089,22 +4614,70 @@
           <a:p>
             <a:r>
               <a:rPr lang="en-US" dirty="0"/>
-              <a:t>Monte Carlo </a:t>
+              <a:t>Pitchers</a:t>
             </a:r>
           </a:p>
           <a:p>
             <a:pPr lvl="1"/>
             <a:r>
-              <a:rPr lang="en-US" dirty="0"/>
-              <a:t>Split-sample</a:t>
-            </a:r>
-          </a:p>
-        </p:txBody>
-      </p:sp>
+              <a:rPr lang="en-US" dirty="0" err="1"/>
+              <a:t>Mtry</a:t>
+            </a:r>
+            <a:r>
+              <a:rPr lang="en-US" dirty="0"/>
+              <a:t> = 3</a:t>
+            </a:r>
+          </a:p>
+          <a:p>
+            <a:pPr lvl="1"/>
+            <a:r>
+              <a:rPr lang="en-US" dirty="0" err="1"/>
+              <a:t>Maxnodes</a:t>
+            </a:r>
+            <a:r>
+              <a:rPr lang="en-US" dirty="0"/>
+              <a:t> = 5</a:t>
+            </a:r>
+          </a:p>
+          <a:p>
+            <a:endParaRPr lang="en-US" dirty="0"/>
+          </a:p>
+        </p:txBody>
+      </p:sp>
+      <p:pic>
+        <p:nvPicPr>
+          <p:cNvPr id="7" name="Picture 6">
+            <a:extLst>
+              <a:ext uri="{FF2B5EF4-FFF2-40B4-BE49-F238E27FC236}">
+                <a16:creationId xmlns:a16="http://schemas.microsoft.com/office/drawing/2014/main" id="{251F8805-01F8-4ADA-B6CE-06D35C246D0F}"/>
+              </a:ext>
+            </a:extLst>
+          </p:cNvPr>
+          <p:cNvPicPr>
+            <a:picLocks noChangeAspect="1"/>
+          </p:cNvPicPr>
+          <p:nvPr/>
+        </p:nvPicPr>
+        <p:blipFill>
+          <a:blip r:embed="rId2"/>
+          <a:stretch>
+            <a:fillRect/>
+          </a:stretch>
+        </p:blipFill>
+        <p:spPr>
+          <a:xfrm>
+            <a:off x="6096000" y="1676700"/>
+            <a:ext cx="5328138" cy="5181300"/>
+          </a:xfrm>
+          <a:prstGeom prst="rect">
+            <a:avLst/>
+          </a:prstGeom>
+        </p:spPr>
+      </p:pic>
     </p:spTree>
     <p:extLst>
       <p:ext uri="{BB962C8B-B14F-4D97-AF65-F5344CB8AC3E}">
-        <p14:creationId xmlns:p14="http://schemas.microsoft.com/office/powerpoint/2010/main" val="2422455457"/>
+        <p14:creationId xmlns:p14="http://schemas.microsoft.com/office/powerpoint/2010/main" val="2976988087"/>
       </p:ext>
     </p:extLst>
   </p:cSld>
@@ -4136,7 +4709,7 @@
           <p:cNvPr id="2" name="Title 1">
             <a:extLst>
               <a:ext uri="{FF2B5EF4-FFF2-40B4-BE49-F238E27FC236}">
-                <a16:creationId xmlns:a16="http://schemas.microsoft.com/office/drawing/2014/main" id="{FEF8CA54-4090-411D-9725-68125041B4A6}"/>
+                <a16:creationId xmlns:a16="http://schemas.microsoft.com/office/drawing/2014/main" id="{81886A63-2769-4DB6-979C-4EABE734DE54}"/>
               </a:ext>
             </a:extLst>
           </p:cNvPr>
@@ -4157,7 +4730,7 @@
             <a:pPr algn="ctr"/>
             <a:r>
               <a:rPr lang="en-US" sz="6600" dirty="0"/>
-              <a:t>Final Model</a:t>
+              <a:t>Cross Validation</a:t>
             </a:r>
           </a:p>
         </p:txBody>
@@ -4167,7 +4740,7 @@
           <p:cNvPr id="3" name="Content Placeholder 2">
             <a:extLst>
               <a:ext uri="{FF2B5EF4-FFF2-40B4-BE49-F238E27FC236}">
-                <a16:creationId xmlns:a16="http://schemas.microsoft.com/office/drawing/2014/main" id="{9EA6B042-4822-4797-B722-A59002221F24}"/>
+                <a16:creationId xmlns:a16="http://schemas.microsoft.com/office/drawing/2014/main" id="{C6ADCD66-16B1-4F6F-871F-452B043D85CE}"/>
               </a:ext>
             </a:extLst>
           </p:cNvPr>
@@ -4180,17 +4753,156 @@
         </p:nvSpPr>
         <p:spPr/>
         <p:txBody>
-          <a:bodyPr/>
+          <a:bodyPr>
+            <a:normAutofit/>
+          </a:bodyPr>
           <a:lstStyle/>
           <a:p>
-            <a:endParaRPr lang="en-US"/>
-          </a:p>
-        </p:txBody>
-      </p:sp>
+            <a:r>
+              <a:rPr lang="en-US" dirty="0"/>
+              <a:t>Position Players</a:t>
+            </a:r>
+          </a:p>
+          <a:p>
+            <a:pPr lvl="1"/>
+            <a:r>
+              <a:rPr lang="en-US" dirty="0"/>
+              <a:t>Neural Network</a:t>
+            </a:r>
+          </a:p>
+          <a:p>
+            <a:pPr lvl="2"/>
+            <a:r>
+              <a:rPr lang="en-US" dirty="0"/>
+              <a:t>Min = .08108</a:t>
+            </a:r>
+          </a:p>
+          <a:p>
+            <a:pPr lvl="2"/>
+            <a:r>
+              <a:rPr lang="en-US" dirty="0"/>
+              <a:t>Mean = .17243</a:t>
+            </a:r>
+          </a:p>
+          <a:p>
+            <a:pPr lvl="2"/>
+            <a:r>
+              <a:rPr lang="en-US" dirty="0"/>
+              <a:t>Max = .27027</a:t>
+            </a:r>
+          </a:p>
+          <a:p>
+            <a:pPr lvl="2"/>
+            <a:r>
+              <a:rPr lang="en-US" dirty="0"/>
+              <a:t>Median = .18919</a:t>
+            </a:r>
+          </a:p>
+          <a:p>
+            <a:pPr lvl="1"/>
+            <a:r>
+              <a:rPr lang="en-US" dirty="0"/>
+              <a:t>Random Forests</a:t>
+            </a:r>
+          </a:p>
+          <a:p>
+            <a:pPr lvl="2"/>
+            <a:r>
+              <a:rPr lang="en-US" dirty="0"/>
+              <a:t>Min = .06849</a:t>
+            </a:r>
+          </a:p>
+          <a:p>
+            <a:pPr lvl="2"/>
+            <a:r>
+              <a:rPr lang="en-US" dirty="0"/>
+              <a:t>Mean = .17589</a:t>
+            </a:r>
+          </a:p>
+          <a:p>
+            <a:pPr lvl="2"/>
+            <a:r>
+              <a:rPr lang="en-US" dirty="0"/>
+              <a:t>Max = .27397</a:t>
+            </a:r>
+          </a:p>
+          <a:p>
+            <a:pPr lvl="2"/>
+            <a:r>
+              <a:rPr lang="en-US" dirty="0"/>
+              <a:t>Median = .17808</a:t>
+            </a:r>
+          </a:p>
+          <a:p>
+            <a:pPr lvl="2"/>
+            <a:endParaRPr lang="en-US" dirty="0"/>
+          </a:p>
+        </p:txBody>
+      </p:sp>
+      <p:pic>
+        <p:nvPicPr>
+          <p:cNvPr id="6" name="Picture 5">
+            <a:extLst>
+              <a:ext uri="{FF2B5EF4-FFF2-40B4-BE49-F238E27FC236}">
+                <a16:creationId xmlns:a16="http://schemas.microsoft.com/office/drawing/2014/main" id="{EAC26E7D-A18C-4D5E-BA0F-1546A4016D87}"/>
+              </a:ext>
+            </a:extLst>
+          </p:cNvPr>
+          <p:cNvPicPr>
+            <a:picLocks noChangeAspect="1"/>
+          </p:cNvPicPr>
+          <p:nvPr/>
+        </p:nvPicPr>
+        <p:blipFill>
+          <a:blip r:embed="rId2"/>
+          <a:stretch>
+            <a:fillRect/>
+          </a:stretch>
+        </p:blipFill>
+        <p:spPr>
+          <a:xfrm>
+            <a:off x="5302778" y="2093806"/>
+            <a:ext cx="3025511" cy="3854481"/>
+          </a:xfrm>
+          <a:prstGeom prst="rect">
+            <a:avLst/>
+          </a:prstGeom>
+        </p:spPr>
+      </p:pic>
+      <p:pic>
+        <p:nvPicPr>
+          <p:cNvPr id="7" name="Picture 6">
+            <a:extLst>
+              <a:ext uri="{FF2B5EF4-FFF2-40B4-BE49-F238E27FC236}">
+                <a16:creationId xmlns:a16="http://schemas.microsoft.com/office/drawing/2014/main" id="{FBBF9E46-A0DB-4F3A-995C-26CFA3757E91}"/>
+              </a:ext>
+            </a:extLst>
+          </p:cNvPr>
+          <p:cNvPicPr>
+            <a:picLocks noChangeAspect="1"/>
+          </p:cNvPicPr>
+          <p:nvPr/>
+        </p:nvPicPr>
+        <p:blipFill>
+          <a:blip r:embed="rId3"/>
+          <a:stretch>
+            <a:fillRect/>
+          </a:stretch>
+        </p:blipFill>
+        <p:spPr>
+          <a:xfrm>
+            <a:off x="8736335" y="2074053"/>
+            <a:ext cx="3025511" cy="3893989"/>
+          </a:xfrm>
+          <a:prstGeom prst="rect">
+            <a:avLst/>
+          </a:prstGeom>
+        </p:spPr>
+      </p:pic>
     </p:spTree>
     <p:extLst>
       <p:ext uri="{BB962C8B-B14F-4D97-AF65-F5344CB8AC3E}">
-        <p14:creationId xmlns:p14="http://schemas.microsoft.com/office/powerpoint/2010/main" val="2893915453"/>
+        <p14:creationId xmlns:p14="http://schemas.microsoft.com/office/powerpoint/2010/main" val="1500861298"/>
       </p:ext>
     </p:extLst>
   </p:cSld>
@@ -4219,10 +4931,10 @@
       </p:grpSpPr>
       <p:sp>
         <p:nvSpPr>
-          <p:cNvPr id="2" name="Title 1">
-            <a:extLst>
-              <a:ext uri="{FF2B5EF4-FFF2-40B4-BE49-F238E27FC236}">
-                <a16:creationId xmlns:a16="http://schemas.microsoft.com/office/drawing/2014/main" id="{084B8FF4-5557-49AD-9B42-53D49AC7BE46}"/>
+          <p:cNvPr id="5" name="Title 4">
+            <a:extLst>
+              <a:ext uri="{FF2B5EF4-FFF2-40B4-BE49-F238E27FC236}">
+                <a16:creationId xmlns:a16="http://schemas.microsoft.com/office/drawing/2014/main" id="{C706A267-89CB-4940-A2CC-24FD07D5D581}"/>
               </a:ext>
             </a:extLst>
           </p:cNvPr>
@@ -4243,7 +4955,7 @@
             <a:pPr algn="ctr"/>
             <a:r>
               <a:rPr lang="en-US" sz="6600" dirty="0"/>
-              <a:t>Future Research</a:t>
+              <a:t>Cross Validation</a:t>
             </a:r>
           </a:p>
         </p:txBody>
@@ -4253,7 +4965,7 @@
           <p:cNvPr id="3" name="Content Placeholder 2">
             <a:extLst>
               <a:ext uri="{FF2B5EF4-FFF2-40B4-BE49-F238E27FC236}">
-                <a16:creationId xmlns:a16="http://schemas.microsoft.com/office/drawing/2014/main" id="{EC19BD7B-68F9-40C6-AA82-DC4D65F2A84B}"/>
+                <a16:creationId xmlns:a16="http://schemas.microsoft.com/office/drawing/2014/main" id="{67A42712-3769-4C47-B921-E173DBFD637A}"/>
               </a:ext>
             </a:extLst>
           </p:cNvPr>
@@ -4269,14 +4981,151 @@
           <a:bodyPr/>
           <a:lstStyle/>
           <a:p>
+            <a:r>
+              <a:rPr lang="en-US" dirty="0"/>
+              <a:t>Pitchers</a:t>
+            </a:r>
+          </a:p>
+          <a:p>
+            <a:pPr lvl="1"/>
+            <a:r>
+              <a:rPr lang="en-US" dirty="0"/>
+              <a:t>Neural Network</a:t>
+            </a:r>
+          </a:p>
+          <a:p>
+            <a:pPr lvl="2"/>
+            <a:r>
+              <a:rPr lang="en-US" dirty="0"/>
+              <a:t>Min = .4130</a:t>
+            </a:r>
+          </a:p>
+          <a:p>
+            <a:pPr lvl="2"/>
+            <a:r>
+              <a:rPr lang="en-US" dirty="0"/>
+              <a:t>Mean = .5496</a:t>
+            </a:r>
+          </a:p>
+          <a:p>
+            <a:pPr lvl="2"/>
+            <a:r>
+              <a:rPr lang="en-US" dirty="0"/>
+              <a:t>Max = .7391</a:t>
+            </a:r>
+          </a:p>
+          <a:p>
+            <a:pPr lvl="2"/>
+            <a:r>
+              <a:rPr lang="en-US" dirty="0"/>
+              <a:t>Median = .5435</a:t>
+            </a:r>
+          </a:p>
+          <a:p>
+            <a:pPr lvl="1"/>
+            <a:r>
+              <a:rPr lang="en-US" dirty="0"/>
+              <a:t>Random Forest</a:t>
+            </a:r>
+          </a:p>
+          <a:p>
+            <a:pPr lvl="2"/>
+            <a:r>
+              <a:rPr lang="en-US" dirty="0"/>
+              <a:t>Min = .3778</a:t>
+            </a:r>
+          </a:p>
+          <a:p>
+            <a:pPr lvl="2"/>
+            <a:r>
+              <a:rPr lang="en-US" dirty="0"/>
+              <a:t>Mean = .4658</a:t>
+            </a:r>
+          </a:p>
+          <a:p>
+            <a:pPr lvl="2"/>
+            <a:r>
+              <a:rPr lang="en-US" dirty="0"/>
+              <a:t>Max = .6222</a:t>
+            </a:r>
+          </a:p>
+          <a:p>
+            <a:pPr lvl="2"/>
+            <a:r>
+              <a:rPr lang="en-US" dirty="0"/>
+              <a:t>Median = .4444</a:t>
+            </a:r>
+          </a:p>
+          <a:p>
+            <a:pPr lvl="2"/>
             <a:endParaRPr lang="en-US" dirty="0"/>
           </a:p>
         </p:txBody>
       </p:sp>
+      <p:pic>
+        <p:nvPicPr>
+          <p:cNvPr id="6" name="Picture 5">
+            <a:extLst>
+              <a:ext uri="{FF2B5EF4-FFF2-40B4-BE49-F238E27FC236}">
+                <a16:creationId xmlns:a16="http://schemas.microsoft.com/office/drawing/2014/main" id="{A9A6D1B2-F9D2-408E-849D-AD39F54F07A9}"/>
+              </a:ext>
+            </a:extLst>
+          </p:cNvPr>
+          <p:cNvPicPr>
+            <a:picLocks noChangeAspect="1"/>
+          </p:cNvPicPr>
+          <p:nvPr/>
+        </p:nvPicPr>
+        <p:blipFill>
+          <a:blip r:embed="rId2"/>
+          <a:stretch>
+            <a:fillRect/>
+          </a:stretch>
+        </p:blipFill>
+        <p:spPr>
+          <a:xfrm>
+            <a:off x="5189347" y="1959786"/>
+            <a:ext cx="3225783" cy="3968747"/>
+          </a:xfrm>
+          <a:prstGeom prst="rect">
+            <a:avLst/>
+          </a:prstGeom>
+        </p:spPr>
+      </p:pic>
+      <p:pic>
+        <p:nvPicPr>
+          <p:cNvPr id="7" name="Picture 6">
+            <a:extLst>
+              <a:ext uri="{FF2B5EF4-FFF2-40B4-BE49-F238E27FC236}">
+                <a16:creationId xmlns:a16="http://schemas.microsoft.com/office/drawing/2014/main" id="{93909BF2-3ACF-47C4-B427-DE6F5AEB6908}"/>
+              </a:ext>
+            </a:extLst>
+          </p:cNvPr>
+          <p:cNvPicPr>
+            <a:picLocks noChangeAspect="1"/>
+          </p:cNvPicPr>
+          <p:nvPr/>
+        </p:nvPicPr>
+        <p:blipFill>
+          <a:blip r:embed="rId3"/>
+          <a:stretch>
+            <a:fillRect/>
+          </a:stretch>
+        </p:blipFill>
+        <p:spPr>
+          <a:xfrm>
+            <a:off x="8759687" y="2074052"/>
+            <a:ext cx="3031544" cy="3859189"/>
+          </a:xfrm>
+          <a:prstGeom prst="rect">
+            <a:avLst/>
+          </a:prstGeom>
+        </p:spPr>
+      </p:pic>
     </p:spTree>
     <p:extLst>
       <p:ext uri="{BB962C8B-B14F-4D97-AF65-F5344CB8AC3E}">
-        <p14:creationId xmlns:p14="http://schemas.microsoft.com/office/powerpoint/2010/main" val="3043201299"/>
+        <p14:creationId xmlns:p14="http://schemas.microsoft.com/office/powerpoint/2010/main" val="1720854296"/>
       </p:ext>
     </p:extLst>
   </p:cSld>
@@ -4308,7 +5157,7 @@
           <p:cNvPr id="2" name="Title 1">
             <a:extLst>
               <a:ext uri="{FF2B5EF4-FFF2-40B4-BE49-F238E27FC236}">
-                <a16:creationId xmlns:a16="http://schemas.microsoft.com/office/drawing/2014/main" id="{892BF008-1E83-4026-A7B8-A780C26351EB}"/>
+                <a16:creationId xmlns:a16="http://schemas.microsoft.com/office/drawing/2014/main" id="{FEF8CA54-4090-411D-9725-68125041B4A6}"/>
               </a:ext>
             </a:extLst>
           </p:cNvPr>
@@ -4320,33 +5169,106 @@
           </p:nvPr>
         </p:nvSpPr>
         <p:spPr/>
+        <p:txBody>
+          <a:bodyPr>
+            <a:normAutofit/>
+          </a:bodyPr>
+          <a:lstStyle/>
+          <a:p>
+            <a:pPr algn="ctr"/>
+            <a:r>
+              <a:rPr lang="en-US" sz="6600" dirty="0"/>
+              <a:t>Final Model</a:t>
+            </a:r>
+          </a:p>
+        </p:txBody>
+      </p:sp>
+      <p:sp>
+        <p:nvSpPr>
+          <p:cNvPr id="4" name="Content Placeholder 3">
+            <a:extLst>
+              <a:ext uri="{FF2B5EF4-FFF2-40B4-BE49-F238E27FC236}">
+                <a16:creationId xmlns:a16="http://schemas.microsoft.com/office/drawing/2014/main" id="{5E9BAA34-F580-4B7C-8044-F9D69C918216}"/>
+              </a:ext>
+            </a:extLst>
+          </p:cNvPr>
+          <p:cNvSpPr>
+            <a:spLocks noGrp="1"/>
+          </p:cNvSpPr>
+          <p:nvPr>
+            <p:ph sz="half" idx="1"/>
+          </p:nvPr>
+        </p:nvSpPr>
+        <p:spPr>
+          <a:xfrm>
+            <a:off x="838200" y="1825625"/>
+            <a:ext cx="5181600" cy="4351338"/>
+          </a:xfrm>
+        </p:spPr>
         <p:txBody>
           <a:bodyPr/>
           <a:lstStyle/>
           <a:p>
-            <a:pPr algn="ctr"/>
-            <a:r>
-              <a:rPr lang="en-US" sz="6600" dirty="0"/>
-              <a:t>Conclusion</a:t>
-            </a:r>
+            <a:r>
+              <a:rPr lang="en-US" dirty="0"/>
+              <a:t>Position Players</a:t>
+            </a:r>
+          </a:p>
+          <a:p>
+            <a:pPr lvl="1"/>
+            <a:r>
+              <a:rPr lang="en-US" dirty="0"/>
+              <a:t>Neural Network</a:t>
+            </a:r>
+          </a:p>
+          <a:p>
+            <a:pPr lvl="2"/>
+            <a:r>
+              <a:rPr lang="en-US" dirty="0"/>
+              <a:t>Min = .08108</a:t>
+            </a:r>
+          </a:p>
+          <a:p>
+            <a:pPr lvl="2"/>
+            <a:r>
+              <a:rPr lang="en-US" dirty="0"/>
+              <a:t>Mean = .17243</a:t>
+            </a:r>
+          </a:p>
+          <a:p>
+            <a:pPr lvl="2"/>
+            <a:r>
+              <a:rPr lang="en-US" dirty="0"/>
+              <a:t>Max = .27027</a:t>
+            </a:r>
+          </a:p>
+          <a:p>
+            <a:pPr lvl="2"/>
+            <a:r>
+              <a:rPr lang="en-US" dirty="0"/>
+              <a:t>Median = .18919</a:t>
+            </a:r>
+          </a:p>
+          <a:p>
+            <a:pPr lvl="2"/>
             <a:endParaRPr lang="en-US" dirty="0"/>
           </a:p>
         </p:txBody>
       </p:sp>
       <p:sp>
         <p:nvSpPr>
-          <p:cNvPr id="3" name="Content Placeholder 2">
-            <a:extLst>
-              <a:ext uri="{FF2B5EF4-FFF2-40B4-BE49-F238E27FC236}">
-                <a16:creationId xmlns:a16="http://schemas.microsoft.com/office/drawing/2014/main" id="{39A0D4BF-623B-41CF-B04A-12D1D35686DF}"/>
-              </a:ext>
-            </a:extLst>
-          </p:cNvPr>
-          <p:cNvSpPr>
-            <a:spLocks noGrp="1"/>
-          </p:cNvSpPr>
-          <p:nvPr>
-            <p:ph idx="1"/>
+          <p:cNvPr id="5" name="Content Placeholder 4">
+            <a:extLst>
+              <a:ext uri="{FF2B5EF4-FFF2-40B4-BE49-F238E27FC236}">
+                <a16:creationId xmlns:a16="http://schemas.microsoft.com/office/drawing/2014/main" id="{768A2EDD-A20F-48A9-8AAA-AE58BB7764C9}"/>
+              </a:ext>
+            </a:extLst>
+          </p:cNvPr>
+          <p:cNvSpPr>
+            <a:spLocks noGrp="1"/>
+          </p:cNvSpPr>
+          <p:nvPr>
+            <p:ph sz="half" idx="2"/>
           </p:nvPr>
         </p:nvSpPr>
         <p:spPr/>
@@ -4356,30 +5278,114 @@
           <a:p>
             <a:r>
               <a:rPr lang="en-US" dirty="0"/>
-              <a:t>Results</a:t>
-            </a:r>
-          </a:p>
-          <a:p>
-            <a:r>
-              <a:rPr lang="en-US" dirty="0"/>
-              <a:t>Statistics </a:t>
-            </a:r>
-          </a:p>
-          <a:p>
-            <a:r>
-              <a:rPr lang="en-US" dirty="0"/>
-              <a:t>Future research</a:t>
-            </a:r>
-          </a:p>
-          <a:p>
+              <a:t>Pitchers</a:t>
+            </a:r>
+          </a:p>
+          <a:p>
+            <a:pPr lvl="1"/>
+            <a:r>
+              <a:rPr lang="en-US" dirty="0"/>
+              <a:t>Random Forests</a:t>
+            </a:r>
+          </a:p>
+          <a:p>
+            <a:pPr lvl="2"/>
+            <a:r>
+              <a:rPr lang="en-US" dirty="0"/>
+              <a:t>Min = .3333</a:t>
+            </a:r>
+          </a:p>
+          <a:p>
+            <a:pPr lvl="2"/>
+            <a:r>
+              <a:rPr lang="en-US" dirty="0"/>
+              <a:t>Mean = .4764</a:t>
+            </a:r>
+          </a:p>
+          <a:p>
+            <a:pPr lvl="2"/>
+            <a:r>
+              <a:rPr lang="en-US" dirty="0"/>
+              <a:t>Max = .6000</a:t>
+            </a:r>
+          </a:p>
+          <a:p>
+            <a:pPr lvl="2"/>
+            <a:r>
+              <a:rPr lang="en-US" dirty="0"/>
+              <a:t>Median = .4667</a:t>
+            </a:r>
+          </a:p>
+          <a:p>
+            <a:pPr lvl="2"/>
             <a:endParaRPr lang="en-US" dirty="0"/>
           </a:p>
         </p:txBody>
       </p:sp>
+      <p:pic>
+        <p:nvPicPr>
+          <p:cNvPr id="7" name="Picture 6">
+            <a:extLst>
+              <a:ext uri="{FF2B5EF4-FFF2-40B4-BE49-F238E27FC236}">
+                <a16:creationId xmlns:a16="http://schemas.microsoft.com/office/drawing/2014/main" id="{6AE94476-7A42-4E53-9BAB-D44CA028A097}"/>
+              </a:ext>
+            </a:extLst>
+          </p:cNvPr>
+          <p:cNvPicPr>
+            <a:picLocks noChangeAspect="1"/>
+          </p:cNvPicPr>
+          <p:nvPr/>
+        </p:nvPicPr>
+        <p:blipFill>
+          <a:blip r:embed="rId2"/>
+          <a:stretch>
+            <a:fillRect/>
+          </a:stretch>
+        </p:blipFill>
+        <p:spPr>
+          <a:xfrm>
+            <a:off x="7696198" y="4154452"/>
+            <a:ext cx="2799348" cy="2722201"/>
+          </a:xfrm>
+          <a:prstGeom prst="rect">
+            <a:avLst/>
+          </a:prstGeom>
+        </p:spPr>
+      </p:pic>
+      <p:pic>
+        <p:nvPicPr>
+          <p:cNvPr id="8" name="Picture 7">
+            <a:extLst>
+              <a:ext uri="{FF2B5EF4-FFF2-40B4-BE49-F238E27FC236}">
+                <a16:creationId xmlns:a16="http://schemas.microsoft.com/office/drawing/2014/main" id="{C6F995B7-A048-467A-B914-14CB5A64BE20}"/>
+              </a:ext>
+            </a:extLst>
+          </p:cNvPr>
+          <p:cNvPicPr>
+            <a:picLocks noChangeAspect="1"/>
+          </p:cNvPicPr>
+          <p:nvPr/>
+        </p:nvPicPr>
+        <p:blipFill>
+          <a:blip r:embed="rId3"/>
+          <a:stretch>
+            <a:fillRect/>
+          </a:stretch>
+        </p:blipFill>
+        <p:spPr>
+          <a:xfrm>
+            <a:off x="1507863" y="4154452"/>
+            <a:ext cx="2319640" cy="2672094"/>
+          </a:xfrm>
+          <a:prstGeom prst="rect">
+            <a:avLst/>
+          </a:prstGeom>
+        </p:spPr>
+      </p:pic>
     </p:spTree>
     <p:extLst>
       <p:ext uri="{BB962C8B-B14F-4D97-AF65-F5344CB8AC3E}">
-        <p14:creationId xmlns:p14="http://schemas.microsoft.com/office/powerpoint/2010/main" val="2901875583"/>
+        <p14:creationId xmlns:p14="http://schemas.microsoft.com/office/powerpoint/2010/main" val="2893915453"/>
       </p:ext>
     </p:extLst>
   </p:cSld>
@@ -4411,7 +5417,7 @@
           <p:cNvPr id="2" name="Title 1">
             <a:extLst>
               <a:ext uri="{FF2B5EF4-FFF2-40B4-BE49-F238E27FC236}">
-                <a16:creationId xmlns:a16="http://schemas.microsoft.com/office/drawing/2014/main" id="{1F6A4B60-FBB0-4E18-BD24-7A9B2A3F2EE7}"/>
+                <a16:creationId xmlns:a16="http://schemas.microsoft.com/office/drawing/2014/main" id="{892BF008-1E83-4026-A7B8-A780C26351EB}"/>
               </a:ext>
             </a:extLst>
           </p:cNvPr>
@@ -4430,7 +5436,7 @@
             <a:pPr algn="ctr"/>
             <a:r>
               <a:rPr lang="en-US" sz="6600" dirty="0"/>
-              <a:t>Sources</a:t>
+              <a:t>Conclusion</a:t>
             </a:r>
             <a:endParaRPr lang="en-US" dirty="0"/>
           </a:p>
@@ -4441,7 +5447,7 @@
           <p:cNvPr id="3" name="Content Placeholder 2">
             <a:extLst>
               <a:ext uri="{FF2B5EF4-FFF2-40B4-BE49-F238E27FC236}">
-                <a16:creationId xmlns:a16="http://schemas.microsoft.com/office/drawing/2014/main" id="{EAF88B16-12DB-492A-9CA6-1F623AC95B38}"/>
+                <a16:creationId xmlns:a16="http://schemas.microsoft.com/office/drawing/2014/main" id="{39A0D4BF-623B-41CF-B04A-12D1D35686DF}"/>
               </a:ext>
             </a:extLst>
           </p:cNvPr>
@@ -4454,23 +5460,210 @@
         </p:nvSpPr>
         <p:spPr/>
         <p:txBody>
-          <a:bodyPr/>
+          <a:bodyPr>
+            <a:normAutofit lnSpcReduction="10000"/>
+          </a:bodyPr>
           <a:lstStyle/>
           <a:p>
-            <a:endParaRPr lang="en-US"/>
+            <a:r>
+              <a:rPr lang="en-US" sz="4000" dirty="0"/>
+              <a:t>Which predictive model is better?</a:t>
+            </a:r>
+          </a:p>
+          <a:p>
+            <a:pPr lvl="1"/>
+            <a:r>
+              <a:rPr lang="en-US" sz="3600" dirty="0"/>
+              <a:t>Neural Network</a:t>
+            </a:r>
+            <a:endParaRPr lang="en-US" sz="3200" dirty="0"/>
+          </a:p>
+          <a:p>
+            <a:pPr lvl="1"/>
+            <a:r>
+              <a:rPr lang="en-US" sz="3600" dirty="0"/>
+              <a:t>Random Forests</a:t>
+            </a:r>
+          </a:p>
+          <a:p>
+            <a:pPr marL="457200" lvl="1" indent="0">
+              <a:buNone/>
+            </a:pPr>
+            <a:endParaRPr lang="en-US" dirty="0"/>
+          </a:p>
+          <a:p>
+            <a:r>
+              <a:rPr lang="en-US" sz="4000" dirty="0"/>
+              <a:t>Can we accurately predict the outcome of the arbitration process in the MLB?</a:t>
+            </a:r>
+          </a:p>
+          <a:p>
+            <a:pPr lvl="1"/>
+            <a:r>
+              <a:rPr lang="en-US" sz="3600" dirty="0"/>
+              <a:t>Yes for position players</a:t>
+            </a:r>
+          </a:p>
+          <a:p>
+            <a:pPr lvl="1"/>
+            <a:r>
+              <a:rPr lang="en-US" sz="3600" dirty="0"/>
+              <a:t>No for pitchers</a:t>
+            </a:r>
           </a:p>
         </p:txBody>
       </p:sp>
     </p:spTree>
     <p:extLst>
       <p:ext uri="{BB962C8B-B14F-4D97-AF65-F5344CB8AC3E}">
-        <p14:creationId xmlns:p14="http://schemas.microsoft.com/office/powerpoint/2010/main" val="3816798035"/>
+        <p14:creationId xmlns:p14="http://schemas.microsoft.com/office/powerpoint/2010/main" val="2901875583"/>
       </p:ext>
     </p:extLst>
   </p:cSld>
   <p:clrMapOvr>
     <a:masterClrMapping/>
   </p:clrMapOvr>
+  <p:timing>
+    <p:tnLst>
+      <p:par>
+        <p:cTn id="1" dur="indefinite" restart="never" nodeType="tmRoot">
+          <p:childTnLst>
+            <p:seq concurrent="1" nextAc="seek">
+              <p:cTn id="2" dur="indefinite" nodeType="mainSeq">
+                <p:childTnLst>
+                  <p:par>
+                    <p:cTn id="3" fill="hold">
+                      <p:stCondLst>
+                        <p:cond delay="indefinite"/>
+                      </p:stCondLst>
+                      <p:childTnLst>
+                        <p:par>
+                          <p:cTn id="4" fill="hold">
+                            <p:stCondLst>
+                              <p:cond delay="0"/>
+                            </p:stCondLst>
+                            <p:childTnLst>
+                              <p:par>
+                                <p:cTn id="5" presetID="1" presetClass="entr" presetSubtype="0" fill="hold" nodeType="clickEffect">
+                                  <p:stCondLst>
+                                    <p:cond delay="0"/>
+                                  </p:stCondLst>
+                                  <p:childTnLst>
+                                    <p:set>
+                                      <p:cBhvr>
+                                        <p:cTn id="6" dur="1" fill="hold">
+                                          <p:stCondLst>
+                                            <p:cond delay="0"/>
+                                          </p:stCondLst>
+                                        </p:cTn>
+                                        <p:tgtEl>
+                                          <p:spTgt spid="3">
+                                            <p:txEl>
+                                              <p:pRg st="4" end="4"/>
+                                            </p:txEl>
+                                          </p:spTgt>
+                                        </p:tgtEl>
+                                        <p:attrNameLst>
+                                          <p:attrName>style.visibility</p:attrName>
+                                        </p:attrNameLst>
+                                      </p:cBhvr>
+                                      <p:to>
+                                        <p:strVal val="visible"/>
+                                      </p:to>
+                                    </p:set>
+                                  </p:childTnLst>
+                                </p:cTn>
+                              </p:par>
+                              <p:par>
+                                <p:cTn id="7" presetID="1" presetClass="entr" presetSubtype="0" fill="hold" nodeType="withEffect">
+                                  <p:stCondLst>
+                                    <p:cond delay="0"/>
+                                  </p:stCondLst>
+                                  <p:childTnLst>
+                                    <p:set>
+                                      <p:cBhvr>
+                                        <p:cTn id="8" dur="1" fill="hold">
+                                          <p:stCondLst>
+                                            <p:cond delay="0"/>
+                                          </p:stCondLst>
+                                        </p:cTn>
+                                        <p:tgtEl>
+                                          <p:spTgt spid="3">
+                                            <p:txEl>
+                                              <p:pRg st="5" end="5"/>
+                                            </p:txEl>
+                                          </p:spTgt>
+                                        </p:tgtEl>
+                                        <p:attrNameLst>
+                                          <p:attrName>style.visibility</p:attrName>
+                                        </p:attrNameLst>
+                                      </p:cBhvr>
+                                      <p:to>
+                                        <p:strVal val="visible"/>
+                                      </p:to>
+                                    </p:set>
+                                  </p:childTnLst>
+                                </p:cTn>
+                              </p:par>
+                              <p:par>
+                                <p:cTn id="9" presetID="1" presetClass="entr" presetSubtype="0" fill="hold" nodeType="withEffect">
+                                  <p:stCondLst>
+                                    <p:cond delay="0"/>
+                                  </p:stCondLst>
+                                  <p:childTnLst>
+                                    <p:set>
+                                      <p:cBhvr>
+                                        <p:cTn id="10" dur="1" fill="hold">
+                                          <p:stCondLst>
+                                            <p:cond delay="0"/>
+                                          </p:stCondLst>
+                                        </p:cTn>
+                                        <p:tgtEl>
+                                          <p:spTgt spid="3">
+                                            <p:txEl>
+                                              <p:pRg st="6" end="6"/>
+                                            </p:txEl>
+                                          </p:spTgt>
+                                        </p:tgtEl>
+                                        <p:attrNameLst>
+                                          <p:attrName>style.visibility</p:attrName>
+                                        </p:attrNameLst>
+                                      </p:cBhvr>
+                                      <p:to>
+                                        <p:strVal val="visible"/>
+                                      </p:to>
+                                    </p:set>
+                                  </p:childTnLst>
+                                </p:cTn>
+                              </p:par>
+                            </p:childTnLst>
+                          </p:cTn>
+                        </p:par>
+                      </p:childTnLst>
+                    </p:cTn>
+                  </p:par>
+                </p:childTnLst>
+              </p:cTn>
+              <p:prevCondLst>
+                <p:cond evt="onPrev" delay="0">
+                  <p:tgtEl>
+                    <p:sldTgt/>
+                  </p:tgtEl>
+                </p:cond>
+              </p:prevCondLst>
+              <p:nextCondLst>
+                <p:cond evt="onNext" delay="0">
+                  <p:tgtEl>
+                    <p:sldTgt/>
+                  </p:tgtEl>
+                </p:cond>
+              </p:nextCondLst>
+            </p:seq>
+          </p:childTnLst>
+        </p:cTn>
+      </p:par>
+    </p:tnLst>
+  </p:timing>
 </p:sld>
 </file>
 
@@ -4496,7 +5689,7 @@
           <p:cNvPr id="2" name="Title 1">
             <a:extLst>
               <a:ext uri="{FF2B5EF4-FFF2-40B4-BE49-F238E27FC236}">
-                <a16:creationId xmlns:a16="http://schemas.microsoft.com/office/drawing/2014/main" id="{76AD28CA-89FE-4209-BAA6-EE15B56356B5}"/>
+                <a16:creationId xmlns:a16="http://schemas.microsoft.com/office/drawing/2014/main" id="{084B8FF4-5557-49AD-9B42-53D49AC7BE46}"/>
               </a:ext>
             </a:extLst>
           </p:cNvPr>
@@ -4507,12 +5700,7 @@
             <p:ph type="title"/>
           </p:nvPr>
         </p:nvSpPr>
-        <p:spPr>
-          <a:xfrm>
-            <a:off x="757989" y="2611020"/>
-            <a:ext cx="10515600" cy="1325563"/>
-          </a:xfrm>
-        </p:spPr>
+        <p:spPr/>
         <p:txBody>
           <a:bodyPr>
             <a:normAutofit/>
@@ -4521,8 +5709,65 @@
           <a:p>
             <a:pPr algn="ctr"/>
             <a:r>
-              <a:rPr lang="en-US" sz="8000" dirty="0"/>
-              <a:t>Questions?</a:t>
+              <a:rPr lang="en-US" sz="6600" dirty="0"/>
+              <a:t>Future Research</a:t>
+            </a:r>
+          </a:p>
+        </p:txBody>
+      </p:sp>
+      <p:sp>
+        <p:nvSpPr>
+          <p:cNvPr id="3" name="Content Placeholder 2">
+            <a:extLst>
+              <a:ext uri="{FF2B5EF4-FFF2-40B4-BE49-F238E27FC236}">
+                <a16:creationId xmlns:a16="http://schemas.microsoft.com/office/drawing/2014/main" id="{EC19BD7B-68F9-40C6-AA82-DC4D65F2A84B}"/>
+              </a:ext>
+            </a:extLst>
+          </p:cNvPr>
+          <p:cNvSpPr>
+            <a:spLocks noGrp="1"/>
+          </p:cNvSpPr>
+          <p:nvPr>
+            <p:ph idx="1"/>
+          </p:nvPr>
+        </p:nvSpPr>
+        <p:spPr/>
+        <p:txBody>
+          <a:bodyPr>
+            <a:normAutofit fontScale="92500" lnSpcReduction="10000"/>
+          </a:bodyPr>
+          <a:lstStyle/>
+          <a:p>
+            <a:r>
+              <a:rPr lang="en-US" sz="3200" dirty="0"/>
+              <a:t>Predict actual settled amount for arbitration</a:t>
+            </a:r>
+          </a:p>
+          <a:p>
+            <a:endParaRPr lang="en-US" sz="3200" dirty="0"/>
+          </a:p>
+          <a:p>
+            <a:r>
+              <a:rPr lang="en-US" sz="3200" dirty="0"/>
+              <a:t>Expand into predicting free agent salaries and amount of years</a:t>
+            </a:r>
+          </a:p>
+          <a:p>
+            <a:endParaRPr lang="en-US" sz="3200" dirty="0"/>
+          </a:p>
+          <a:p>
+            <a:r>
+              <a:rPr lang="en-US" sz="3200" dirty="0"/>
+              <a:t>Make a prediction model to see which statistics are important to winning a MVP or Cy Young award</a:t>
+            </a:r>
+          </a:p>
+          <a:p>
+            <a:endParaRPr lang="en-US" sz="3200" dirty="0"/>
+          </a:p>
+          <a:p>
+            <a:r>
+              <a:rPr lang="en-US" sz="3200" dirty="0"/>
+              <a:t>Investigate whether a player performs better going through arbitration each year or does better signing long term</a:t>
             </a:r>
           </a:p>
         </p:txBody>
@@ -4530,7 +5775,7 @@
     </p:spTree>
     <p:extLst>
       <p:ext uri="{BB962C8B-B14F-4D97-AF65-F5344CB8AC3E}">
-        <p14:creationId xmlns:p14="http://schemas.microsoft.com/office/powerpoint/2010/main" val="2045859911"/>
+        <p14:creationId xmlns:p14="http://schemas.microsoft.com/office/powerpoint/2010/main" val="3043201299"/>
       </p:ext>
     </p:extLst>
   </p:cSld>
@@ -4562,7 +5807,7 @@
           <p:cNvPr id="2" name="Title 1">
             <a:extLst>
               <a:ext uri="{FF2B5EF4-FFF2-40B4-BE49-F238E27FC236}">
-                <a16:creationId xmlns:a16="http://schemas.microsoft.com/office/drawing/2014/main" id="{3A5FCDFB-553B-4D89-BE8D-97ACBEB19037}"/>
+                <a16:creationId xmlns:a16="http://schemas.microsoft.com/office/drawing/2014/main" id="{B7E4576F-B00A-485E-9B63-54AD3553D7ED}"/>
               </a:ext>
             </a:extLst>
           </p:cNvPr>
@@ -4574,6 +5819,670 @@
           </p:nvPr>
         </p:nvSpPr>
         <p:spPr/>
+        <p:txBody>
+          <a:bodyPr/>
+          <a:lstStyle/>
+          <a:p>
+            <a:pPr algn="ctr"/>
+            <a:r>
+              <a:rPr lang="en-US" sz="6600" dirty="0"/>
+              <a:t>CBA</a:t>
+            </a:r>
+            <a:r>
+              <a:rPr lang="en-US" dirty="0"/>
+              <a:t>	</a:t>
+            </a:r>
+          </a:p>
+        </p:txBody>
+      </p:sp>
+      <p:sp>
+        <p:nvSpPr>
+          <p:cNvPr id="3" name="Content Placeholder 2">
+            <a:extLst>
+              <a:ext uri="{FF2B5EF4-FFF2-40B4-BE49-F238E27FC236}">
+                <a16:creationId xmlns:a16="http://schemas.microsoft.com/office/drawing/2014/main" id="{37F306BE-3806-4C1B-84AA-84612B06103D}"/>
+              </a:ext>
+            </a:extLst>
+          </p:cNvPr>
+          <p:cNvSpPr>
+            <a:spLocks noGrp="1"/>
+          </p:cNvSpPr>
+          <p:nvPr>
+            <p:ph idx="1"/>
+          </p:nvPr>
+        </p:nvSpPr>
+        <p:spPr/>
+        <p:txBody>
+          <a:bodyPr>
+            <a:normAutofit fontScale="92500" lnSpcReduction="20000"/>
+          </a:bodyPr>
+          <a:lstStyle/>
+          <a:p>
+            <a:r>
+              <a:rPr lang="en-US" sz="3600" dirty="0"/>
+              <a:t>What is CBA?</a:t>
+            </a:r>
+          </a:p>
+          <a:p>
+            <a:pPr lvl="1"/>
+            <a:r>
+              <a:rPr lang="en-US" sz="3200" dirty="0"/>
+              <a:t>Collective Bargaining Agreement</a:t>
+            </a:r>
+          </a:p>
+          <a:p>
+            <a:pPr lvl="1"/>
+            <a:r>
+              <a:rPr lang="en-US" sz="3200" dirty="0"/>
+              <a:t>Between Player’s Union and The MLB</a:t>
+            </a:r>
+          </a:p>
+          <a:p>
+            <a:r>
+              <a:rPr lang="en-US" sz="3600" dirty="0"/>
+              <a:t>Contains</a:t>
+            </a:r>
+          </a:p>
+          <a:p>
+            <a:pPr lvl="1"/>
+            <a:r>
+              <a:rPr lang="en-US" sz="3200" dirty="0"/>
+              <a:t>Season Length</a:t>
+            </a:r>
+          </a:p>
+          <a:p>
+            <a:pPr lvl="1"/>
+            <a:r>
+              <a:rPr lang="en-US" sz="3200" dirty="0"/>
+              <a:t>Minimum Salary</a:t>
+            </a:r>
+          </a:p>
+          <a:p>
+            <a:pPr lvl="1"/>
+            <a:r>
+              <a:rPr lang="en-US" sz="3200" dirty="0"/>
+              <a:t>Revenue-sharing</a:t>
+            </a:r>
+          </a:p>
+          <a:p>
+            <a:pPr lvl="1"/>
+            <a:r>
+              <a:rPr lang="en-US" sz="3200" dirty="0"/>
+              <a:t>Luxury Tax</a:t>
+            </a:r>
+          </a:p>
+          <a:p>
+            <a:pPr lvl="1"/>
+            <a:r>
+              <a:rPr lang="en-US" sz="3200" dirty="0"/>
+              <a:t>Draft picks</a:t>
+            </a:r>
+          </a:p>
+          <a:p>
+            <a:pPr lvl="1"/>
+            <a:r>
+              <a:rPr lang="en-US" sz="3200" dirty="0"/>
+              <a:t>Arbitration</a:t>
+            </a:r>
+          </a:p>
+        </p:txBody>
+      </p:sp>
+    </p:spTree>
+    <p:extLst>
+      <p:ext uri="{BB962C8B-B14F-4D97-AF65-F5344CB8AC3E}">
+        <p14:creationId xmlns:p14="http://schemas.microsoft.com/office/powerpoint/2010/main" val="4139927268"/>
+      </p:ext>
+    </p:extLst>
+  </p:cSld>
+  <p:clrMapOvr>
+    <a:masterClrMapping/>
+  </p:clrMapOvr>
+  <p:timing>
+    <p:tnLst>
+      <p:par>
+        <p:cTn id="1" dur="indefinite" restart="never" nodeType="tmRoot">
+          <p:childTnLst>
+            <p:seq concurrent="1" nextAc="seek">
+              <p:cTn id="2" dur="indefinite" nodeType="mainSeq">
+                <p:childTnLst>
+                  <p:par>
+                    <p:cTn id="3" fill="hold">
+                      <p:stCondLst>
+                        <p:cond delay="indefinite"/>
+                      </p:stCondLst>
+                      <p:childTnLst>
+                        <p:par>
+                          <p:cTn id="4" fill="hold">
+                            <p:stCondLst>
+                              <p:cond delay="0"/>
+                            </p:stCondLst>
+                            <p:childTnLst>
+                              <p:par>
+                                <p:cTn id="5" presetID="1" presetClass="entr" presetSubtype="0" fill="hold" nodeType="clickEffect">
+                                  <p:stCondLst>
+                                    <p:cond delay="0"/>
+                                  </p:stCondLst>
+                                  <p:childTnLst>
+                                    <p:set>
+                                      <p:cBhvr>
+                                        <p:cTn id="6" dur="1" fill="hold">
+                                          <p:stCondLst>
+                                            <p:cond delay="0"/>
+                                          </p:stCondLst>
+                                        </p:cTn>
+                                        <p:tgtEl>
+                                          <p:spTgt spid="3">
+                                            <p:txEl>
+                                              <p:pRg st="3" end="3"/>
+                                            </p:txEl>
+                                          </p:spTgt>
+                                        </p:tgtEl>
+                                        <p:attrNameLst>
+                                          <p:attrName>style.visibility</p:attrName>
+                                        </p:attrNameLst>
+                                      </p:cBhvr>
+                                      <p:to>
+                                        <p:strVal val="visible"/>
+                                      </p:to>
+                                    </p:set>
+                                  </p:childTnLst>
+                                </p:cTn>
+                              </p:par>
+                              <p:par>
+                                <p:cTn id="7" presetID="1" presetClass="entr" presetSubtype="0" fill="hold" nodeType="withEffect">
+                                  <p:stCondLst>
+                                    <p:cond delay="0"/>
+                                  </p:stCondLst>
+                                  <p:childTnLst>
+                                    <p:set>
+                                      <p:cBhvr>
+                                        <p:cTn id="8" dur="1" fill="hold">
+                                          <p:stCondLst>
+                                            <p:cond delay="0"/>
+                                          </p:stCondLst>
+                                        </p:cTn>
+                                        <p:tgtEl>
+                                          <p:spTgt spid="3">
+                                            <p:txEl>
+                                              <p:pRg st="4" end="4"/>
+                                            </p:txEl>
+                                          </p:spTgt>
+                                        </p:tgtEl>
+                                        <p:attrNameLst>
+                                          <p:attrName>style.visibility</p:attrName>
+                                        </p:attrNameLst>
+                                      </p:cBhvr>
+                                      <p:to>
+                                        <p:strVal val="visible"/>
+                                      </p:to>
+                                    </p:set>
+                                  </p:childTnLst>
+                                </p:cTn>
+                              </p:par>
+                              <p:par>
+                                <p:cTn id="9" presetID="1" presetClass="entr" presetSubtype="0" fill="hold" nodeType="withEffect">
+                                  <p:stCondLst>
+                                    <p:cond delay="0"/>
+                                  </p:stCondLst>
+                                  <p:childTnLst>
+                                    <p:set>
+                                      <p:cBhvr>
+                                        <p:cTn id="10" dur="1" fill="hold">
+                                          <p:stCondLst>
+                                            <p:cond delay="0"/>
+                                          </p:stCondLst>
+                                        </p:cTn>
+                                        <p:tgtEl>
+                                          <p:spTgt spid="3">
+                                            <p:txEl>
+                                              <p:pRg st="5" end="5"/>
+                                            </p:txEl>
+                                          </p:spTgt>
+                                        </p:tgtEl>
+                                        <p:attrNameLst>
+                                          <p:attrName>style.visibility</p:attrName>
+                                        </p:attrNameLst>
+                                      </p:cBhvr>
+                                      <p:to>
+                                        <p:strVal val="visible"/>
+                                      </p:to>
+                                    </p:set>
+                                  </p:childTnLst>
+                                </p:cTn>
+                              </p:par>
+                              <p:par>
+                                <p:cTn id="11" presetID="1" presetClass="entr" presetSubtype="0" fill="hold" nodeType="withEffect">
+                                  <p:stCondLst>
+                                    <p:cond delay="0"/>
+                                  </p:stCondLst>
+                                  <p:childTnLst>
+                                    <p:set>
+                                      <p:cBhvr>
+                                        <p:cTn id="12" dur="1" fill="hold">
+                                          <p:stCondLst>
+                                            <p:cond delay="0"/>
+                                          </p:stCondLst>
+                                        </p:cTn>
+                                        <p:tgtEl>
+                                          <p:spTgt spid="3">
+                                            <p:txEl>
+                                              <p:pRg st="6" end="6"/>
+                                            </p:txEl>
+                                          </p:spTgt>
+                                        </p:tgtEl>
+                                        <p:attrNameLst>
+                                          <p:attrName>style.visibility</p:attrName>
+                                        </p:attrNameLst>
+                                      </p:cBhvr>
+                                      <p:to>
+                                        <p:strVal val="visible"/>
+                                      </p:to>
+                                    </p:set>
+                                  </p:childTnLst>
+                                </p:cTn>
+                              </p:par>
+                              <p:par>
+                                <p:cTn id="13" presetID="1" presetClass="entr" presetSubtype="0" fill="hold" nodeType="withEffect">
+                                  <p:stCondLst>
+                                    <p:cond delay="0"/>
+                                  </p:stCondLst>
+                                  <p:childTnLst>
+                                    <p:set>
+                                      <p:cBhvr>
+                                        <p:cTn id="14" dur="1" fill="hold">
+                                          <p:stCondLst>
+                                            <p:cond delay="0"/>
+                                          </p:stCondLst>
+                                        </p:cTn>
+                                        <p:tgtEl>
+                                          <p:spTgt spid="3">
+                                            <p:txEl>
+                                              <p:pRg st="7" end="7"/>
+                                            </p:txEl>
+                                          </p:spTgt>
+                                        </p:tgtEl>
+                                        <p:attrNameLst>
+                                          <p:attrName>style.visibility</p:attrName>
+                                        </p:attrNameLst>
+                                      </p:cBhvr>
+                                      <p:to>
+                                        <p:strVal val="visible"/>
+                                      </p:to>
+                                    </p:set>
+                                  </p:childTnLst>
+                                </p:cTn>
+                              </p:par>
+                              <p:par>
+                                <p:cTn id="15" presetID="1" presetClass="entr" presetSubtype="0" fill="hold" nodeType="withEffect">
+                                  <p:stCondLst>
+                                    <p:cond delay="0"/>
+                                  </p:stCondLst>
+                                  <p:childTnLst>
+                                    <p:set>
+                                      <p:cBhvr>
+                                        <p:cTn id="16" dur="1" fill="hold">
+                                          <p:stCondLst>
+                                            <p:cond delay="0"/>
+                                          </p:stCondLst>
+                                        </p:cTn>
+                                        <p:tgtEl>
+                                          <p:spTgt spid="3">
+                                            <p:txEl>
+                                              <p:pRg st="8" end="8"/>
+                                            </p:txEl>
+                                          </p:spTgt>
+                                        </p:tgtEl>
+                                        <p:attrNameLst>
+                                          <p:attrName>style.visibility</p:attrName>
+                                        </p:attrNameLst>
+                                      </p:cBhvr>
+                                      <p:to>
+                                        <p:strVal val="visible"/>
+                                      </p:to>
+                                    </p:set>
+                                  </p:childTnLst>
+                                </p:cTn>
+                              </p:par>
+                              <p:par>
+                                <p:cTn id="17" presetID="1" presetClass="entr" presetSubtype="0" fill="hold" nodeType="withEffect">
+                                  <p:stCondLst>
+                                    <p:cond delay="0"/>
+                                  </p:stCondLst>
+                                  <p:childTnLst>
+                                    <p:set>
+                                      <p:cBhvr>
+                                        <p:cTn id="18" dur="1" fill="hold">
+                                          <p:stCondLst>
+                                            <p:cond delay="0"/>
+                                          </p:stCondLst>
+                                        </p:cTn>
+                                        <p:tgtEl>
+                                          <p:spTgt spid="3">
+                                            <p:txEl>
+                                              <p:pRg st="9" end="9"/>
+                                            </p:txEl>
+                                          </p:spTgt>
+                                        </p:tgtEl>
+                                        <p:attrNameLst>
+                                          <p:attrName>style.visibility</p:attrName>
+                                        </p:attrNameLst>
+                                      </p:cBhvr>
+                                      <p:to>
+                                        <p:strVal val="visible"/>
+                                      </p:to>
+                                    </p:set>
+                                  </p:childTnLst>
+                                </p:cTn>
+                              </p:par>
+                            </p:childTnLst>
+                          </p:cTn>
+                        </p:par>
+                      </p:childTnLst>
+                    </p:cTn>
+                  </p:par>
+                </p:childTnLst>
+              </p:cTn>
+              <p:prevCondLst>
+                <p:cond evt="onPrev" delay="0">
+                  <p:tgtEl>
+                    <p:sldTgt/>
+                  </p:tgtEl>
+                </p:cond>
+              </p:prevCondLst>
+              <p:nextCondLst>
+                <p:cond evt="onNext" delay="0">
+                  <p:tgtEl>
+                    <p:sldTgt/>
+                  </p:tgtEl>
+                </p:cond>
+              </p:nextCondLst>
+            </p:seq>
+          </p:childTnLst>
+        </p:cTn>
+      </p:par>
+    </p:tnLst>
+  </p:timing>
+</p:sld>
+</file>
+
+<file path=ppt/slides/slide20.xml><?xml version="1.0" encoding="utf-8"?>
+<p:sld xmlns:a="http://schemas.openxmlformats.org/drawingml/2006/main" xmlns:r="http://schemas.openxmlformats.org/officeDocument/2006/relationships" xmlns:p="http://schemas.openxmlformats.org/presentationml/2006/main">
+  <p:cSld>
+    <p:spTree>
+      <p:nvGrpSpPr>
+        <p:cNvPr id="1" name=""/>
+        <p:cNvGrpSpPr/>
+        <p:nvPr/>
+      </p:nvGrpSpPr>
+      <p:grpSpPr>
+        <a:xfrm>
+          <a:off x="0" y="0"/>
+          <a:ext cx="0" cy="0"/>
+          <a:chOff x="0" y="0"/>
+          <a:chExt cx="0" cy="0"/>
+        </a:xfrm>
+      </p:grpSpPr>
+      <p:sp>
+        <p:nvSpPr>
+          <p:cNvPr id="2" name="Title 1">
+            <a:extLst>
+              <a:ext uri="{FF2B5EF4-FFF2-40B4-BE49-F238E27FC236}">
+                <a16:creationId xmlns:a16="http://schemas.microsoft.com/office/drawing/2014/main" id="{1F6A4B60-FBB0-4E18-BD24-7A9B2A3F2EE7}"/>
+              </a:ext>
+            </a:extLst>
+          </p:cNvPr>
+          <p:cNvSpPr>
+            <a:spLocks noGrp="1"/>
+          </p:cNvSpPr>
+          <p:nvPr>
+            <p:ph type="title"/>
+          </p:nvPr>
+        </p:nvSpPr>
+        <p:spPr/>
+        <p:txBody>
+          <a:bodyPr/>
+          <a:lstStyle/>
+          <a:p>
+            <a:pPr algn="ctr"/>
+            <a:r>
+              <a:rPr lang="en-US" sz="6600" dirty="0"/>
+              <a:t>Sources</a:t>
+            </a:r>
+            <a:endParaRPr lang="en-US" dirty="0"/>
+          </a:p>
+        </p:txBody>
+      </p:sp>
+      <p:sp>
+        <p:nvSpPr>
+          <p:cNvPr id="3" name="Content Placeholder 2">
+            <a:extLst>
+              <a:ext uri="{FF2B5EF4-FFF2-40B4-BE49-F238E27FC236}">
+                <a16:creationId xmlns:a16="http://schemas.microsoft.com/office/drawing/2014/main" id="{EAF88B16-12DB-492A-9CA6-1F623AC95B38}"/>
+              </a:ext>
+            </a:extLst>
+          </p:cNvPr>
+          <p:cNvSpPr>
+            <a:spLocks noGrp="1"/>
+          </p:cNvSpPr>
+          <p:nvPr>
+            <p:ph idx="1"/>
+          </p:nvPr>
+        </p:nvSpPr>
+        <p:spPr/>
+        <p:txBody>
+          <a:bodyPr>
+            <a:normAutofit fontScale="77500" lnSpcReduction="20000"/>
+          </a:bodyPr>
+          <a:lstStyle/>
+          <a:p>
+            <a:r>
+              <a:rPr lang="en-US" dirty="0" err="1"/>
+              <a:t>Monhait</a:t>
+            </a:r>
+            <a:r>
+              <a:rPr lang="en-US" dirty="0"/>
+              <a:t>, Jeff. “Baseball Arbitration: An ADR Success.” 2013.</a:t>
+            </a:r>
+          </a:p>
+          <a:p>
+            <a:r>
+              <a:rPr lang="en-US" dirty="0"/>
+              <a:t>Dr. Brant </a:t>
+            </a:r>
+            <a:r>
+              <a:rPr lang="en-US" dirty="0" err="1"/>
+              <a:t>Deppa</a:t>
+            </a:r>
+            <a:r>
+              <a:rPr lang="en-US" dirty="0"/>
+              <a:t> DSCI 425 Handouts</a:t>
+            </a:r>
+          </a:p>
+          <a:p>
+            <a:r>
+              <a:rPr lang="en-US" dirty="0" err="1"/>
+              <a:t>Slowinski</a:t>
+            </a:r>
+            <a:r>
+              <a:rPr lang="en-US" dirty="0"/>
+              <a:t>, Steve. “FIP.” </a:t>
+            </a:r>
+            <a:r>
+              <a:rPr lang="en-US" i="1" dirty="0"/>
+              <a:t>FIP | Sabermetrics Library</a:t>
+            </a:r>
+            <a:r>
+              <a:rPr lang="en-US" dirty="0"/>
+              <a:t>, 2010, library.fangraphs.com/pitching/</a:t>
+            </a:r>
+            <a:r>
+              <a:rPr lang="en-US" dirty="0" err="1"/>
+              <a:t>fip</a:t>
+            </a:r>
+            <a:r>
+              <a:rPr lang="en-US" dirty="0"/>
+              <a:t>/.</a:t>
+            </a:r>
+          </a:p>
+          <a:p>
+            <a:r>
+              <a:rPr lang="en-US" dirty="0" err="1"/>
+              <a:t>Slowinski</a:t>
+            </a:r>
+            <a:r>
+              <a:rPr lang="en-US" dirty="0"/>
+              <a:t>, Steve. “What Is WAR?” </a:t>
+            </a:r>
+            <a:r>
+              <a:rPr lang="en-US" i="1" dirty="0"/>
+              <a:t>What Is WAR? | Sabermetrics Library</a:t>
+            </a:r>
+            <a:r>
+              <a:rPr lang="en-US" dirty="0"/>
+              <a:t>, 2010, library.fangraphs.com/</a:t>
+            </a:r>
+            <a:r>
+              <a:rPr lang="en-US" dirty="0" err="1"/>
+              <a:t>misc</a:t>
+            </a:r>
+            <a:r>
+              <a:rPr lang="en-US" dirty="0"/>
+              <a:t>/war/.</a:t>
+            </a:r>
+          </a:p>
+          <a:p>
+            <a:r>
+              <a:rPr lang="en-US" dirty="0" err="1"/>
+              <a:t>Slowinski</a:t>
+            </a:r>
+            <a:r>
+              <a:rPr lang="en-US" dirty="0"/>
+              <a:t>, Steve. “WAR for Position Players.” </a:t>
+            </a:r>
+            <a:r>
+              <a:rPr lang="en-US" i="1" dirty="0"/>
+              <a:t>WAR for Position Players | Sabermetrics Library</a:t>
+            </a:r>
+            <a:r>
+              <a:rPr lang="en-US" dirty="0"/>
+              <a:t>, 2012, library.fangraphs.com/war/war-position-players/.</a:t>
+            </a:r>
+          </a:p>
+          <a:p>
+            <a:r>
+              <a:rPr lang="en-US" dirty="0" err="1"/>
+              <a:t>Slowinski</a:t>
+            </a:r>
+            <a:r>
+              <a:rPr lang="en-US" dirty="0"/>
+              <a:t>, Steve. “WAR for Pitchers.” </a:t>
+            </a:r>
+            <a:r>
+              <a:rPr lang="en-US" i="1" dirty="0"/>
+              <a:t>WAR for Pitchers | Sabermetrics Library</a:t>
+            </a:r>
+            <a:r>
+              <a:rPr lang="en-US" dirty="0"/>
+              <a:t>, 2012, library.fangraphs.com/war/calculating-war-pitchers/.</a:t>
+            </a:r>
+          </a:p>
+          <a:p>
+            <a:r>
+              <a:rPr lang="en-US" dirty="0"/>
+              <a:t>“Batting Stats Glossary.” </a:t>
+            </a:r>
+            <a:r>
+              <a:rPr lang="en-US" i="1" dirty="0"/>
+              <a:t>Baseball</a:t>
+            </a:r>
+            <a:r>
+              <a:rPr lang="en-US" dirty="0"/>
+              <a:t>, www.baseball-reference.com/about/bat_glossary.shtml.</a:t>
+            </a:r>
+          </a:p>
+          <a:p>
+            <a:r>
+              <a:rPr lang="en-US" dirty="0" err="1"/>
+              <a:t>Slowinski</a:t>
+            </a:r>
+            <a:r>
+              <a:rPr lang="en-US" dirty="0"/>
+              <a:t>, Steve. “DRS.” </a:t>
+            </a:r>
+            <a:r>
+              <a:rPr lang="en-US" i="1" dirty="0"/>
+              <a:t>DRS | Sabermetrics Library</a:t>
+            </a:r>
+            <a:r>
+              <a:rPr lang="en-US" dirty="0"/>
+              <a:t>, 2010, library.fangraphs.com/defense/</a:t>
+            </a:r>
+            <a:r>
+              <a:rPr lang="en-US" dirty="0" err="1"/>
+              <a:t>drs</a:t>
+            </a:r>
+            <a:r>
+              <a:rPr lang="en-US" dirty="0"/>
+              <a:t>/.</a:t>
+            </a:r>
+          </a:p>
+          <a:p>
+            <a:endParaRPr lang="en-US" dirty="0"/>
+          </a:p>
+        </p:txBody>
+      </p:sp>
+    </p:spTree>
+    <p:extLst>
+      <p:ext uri="{BB962C8B-B14F-4D97-AF65-F5344CB8AC3E}">
+        <p14:creationId xmlns:p14="http://schemas.microsoft.com/office/powerpoint/2010/main" val="3816798035"/>
+      </p:ext>
+    </p:extLst>
+  </p:cSld>
+  <p:clrMapOvr>
+    <a:masterClrMapping/>
+  </p:clrMapOvr>
+</p:sld>
+</file>
+
+<file path=ppt/slides/slide21.xml><?xml version="1.0" encoding="utf-8"?>
+<p:sld xmlns:a="http://schemas.openxmlformats.org/drawingml/2006/main" xmlns:r="http://schemas.openxmlformats.org/officeDocument/2006/relationships" xmlns:p="http://schemas.openxmlformats.org/presentationml/2006/main">
+  <p:cSld>
+    <p:spTree>
+      <p:nvGrpSpPr>
+        <p:cNvPr id="1" name=""/>
+        <p:cNvGrpSpPr/>
+        <p:nvPr/>
+      </p:nvGrpSpPr>
+      <p:grpSpPr>
+        <a:xfrm>
+          <a:off x="0" y="0"/>
+          <a:ext cx="0" cy="0"/>
+          <a:chOff x="0" y="0"/>
+          <a:chExt cx="0" cy="0"/>
+        </a:xfrm>
+      </p:grpSpPr>
+      <p:sp>
+        <p:nvSpPr>
+          <p:cNvPr id="2" name="Title 1">
+            <a:extLst>
+              <a:ext uri="{FF2B5EF4-FFF2-40B4-BE49-F238E27FC236}">
+                <a16:creationId xmlns:a16="http://schemas.microsoft.com/office/drawing/2014/main" id="{76AD28CA-89FE-4209-BAA6-EE15B56356B5}"/>
+              </a:ext>
+            </a:extLst>
+          </p:cNvPr>
+          <p:cNvSpPr>
+            <a:spLocks noGrp="1"/>
+          </p:cNvSpPr>
+          <p:nvPr>
+            <p:ph type="title"/>
+          </p:nvPr>
+        </p:nvSpPr>
+        <p:spPr>
+          <a:xfrm>
+            <a:off x="757989" y="2611020"/>
+            <a:ext cx="10515600" cy="1325563"/>
+          </a:xfrm>
+        </p:spPr>
         <p:txBody>
           <a:bodyPr>
             <a:normAutofit/>
@@ -4582,81 +6491,16 @@
           <a:p>
             <a:pPr algn="ctr"/>
             <a:r>
-              <a:rPr lang="en-US" sz="6600" dirty="0"/>
-              <a:t>Results</a:t>
-            </a:r>
-          </a:p>
-        </p:txBody>
-      </p:sp>
-      <p:sp>
-        <p:nvSpPr>
-          <p:cNvPr id="3" name="Content Placeholder 2">
-            <a:extLst>
-              <a:ext uri="{FF2B5EF4-FFF2-40B4-BE49-F238E27FC236}">
-                <a16:creationId xmlns:a16="http://schemas.microsoft.com/office/drawing/2014/main" id="{2D8B5863-CFA2-4139-B3DC-FFE4738F97D2}"/>
-              </a:ext>
-            </a:extLst>
-          </p:cNvPr>
-          <p:cNvSpPr>
-            <a:spLocks noGrp="1"/>
-          </p:cNvSpPr>
-          <p:nvPr>
-            <p:ph idx="1"/>
-          </p:nvPr>
-        </p:nvSpPr>
-        <p:spPr/>
-        <p:txBody>
-          <a:bodyPr>
-            <a:normAutofit/>
-          </a:bodyPr>
-          <a:lstStyle/>
-          <a:p>
-            <a:r>
-              <a:rPr lang="en-US" sz="4000" dirty="0"/>
-              <a:t>Best Result</a:t>
-            </a:r>
-          </a:p>
-          <a:p>
-            <a:pPr lvl="1"/>
-            <a:endParaRPr lang="en-US" sz="3600" dirty="0"/>
-          </a:p>
-          <a:p>
-            <a:r>
-              <a:rPr lang="en-US" sz="4000" dirty="0"/>
-              <a:t>Statistics</a:t>
-            </a:r>
-          </a:p>
-          <a:p>
-            <a:pPr lvl="1"/>
-            <a:r>
-              <a:rPr lang="en-US" sz="3600" dirty="0"/>
-              <a:t>WAR</a:t>
-            </a:r>
-          </a:p>
-          <a:p>
-            <a:pPr lvl="1"/>
-            <a:r>
-              <a:rPr lang="en-US" sz="3600" dirty="0"/>
-              <a:t>FIP</a:t>
-            </a:r>
-          </a:p>
-          <a:p>
-            <a:pPr lvl="1"/>
-            <a:r>
-              <a:rPr lang="en-US" sz="3600" dirty="0"/>
-              <a:t>OPS+</a:t>
-            </a:r>
-          </a:p>
-          <a:p>
-            <a:pPr lvl="1"/>
-            <a:endParaRPr lang="en-US" sz="3600" dirty="0"/>
+              <a:rPr lang="en-US" sz="8000" dirty="0"/>
+              <a:t>Questions?</a:t>
+            </a:r>
           </a:p>
         </p:txBody>
       </p:sp>
     </p:spTree>
     <p:extLst>
       <p:ext uri="{BB962C8B-B14F-4D97-AF65-F5344CB8AC3E}">
-        <p14:creationId xmlns:p14="http://schemas.microsoft.com/office/powerpoint/2010/main" val="3753098078"/>
+        <p14:creationId xmlns:p14="http://schemas.microsoft.com/office/powerpoint/2010/main" val="2045859911"/>
       </p:ext>
     </p:extLst>
   </p:cSld>
@@ -4688,7 +6532,7 @@
           <p:cNvPr id="2" name="Title 1">
             <a:extLst>
               <a:ext uri="{FF2B5EF4-FFF2-40B4-BE49-F238E27FC236}">
-                <a16:creationId xmlns:a16="http://schemas.microsoft.com/office/drawing/2014/main" id="{B7E4576F-B00A-485E-9B63-54AD3553D7ED}"/>
+                <a16:creationId xmlns:a16="http://schemas.microsoft.com/office/drawing/2014/main" id="{03E4DDB6-1E63-4ED2-AE05-60FC9398525B}"/>
               </a:ext>
             </a:extLst>
           </p:cNvPr>
@@ -4701,17 +6545,15 @@
         </p:nvSpPr>
         <p:spPr/>
         <p:txBody>
-          <a:bodyPr/>
+          <a:bodyPr>
+            <a:normAutofit/>
+          </a:bodyPr>
           <a:lstStyle/>
           <a:p>
             <a:pPr algn="ctr"/>
             <a:r>
               <a:rPr lang="en-US" sz="6600" dirty="0"/>
-              <a:t>CBA</a:t>
-            </a:r>
-            <a:r>
-              <a:rPr lang="en-US" dirty="0"/>
-              <a:t>	</a:t>
+              <a:t>Arbitration</a:t>
             </a:r>
           </a:p>
         </p:txBody>
@@ -4721,7 +6563,7 @@
           <p:cNvPr id="3" name="Content Placeholder 2">
             <a:extLst>
               <a:ext uri="{FF2B5EF4-FFF2-40B4-BE49-F238E27FC236}">
-                <a16:creationId xmlns:a16="http://schemas.microsoft.com/office/drawing/2014/main" id="{37F306BE-3806-4C1B-84AA-84612B06103D}"/>
+                <a16:creationId xmlns:a16="http://schemas.microsoft.com/office/drawing/2014/main" id="{60EDFDAF-7E14-447F-B6A3-A764526C9679}"/>
               </a:ext>
             </a:extLst>
           </p:cNvPr>
@@ -4741,77 +6583,371 @@
           <a:p>
             <a:r>
               <a:rPr lang="en-US" sz="3600" dirty="0"/>
-              <a:t>What is CBA?</a:t>
+              <a:t>Started in 1973</a:t>
+            </a:r>
+          </a:p>
+          <a:p>
+            <a:r>
+              <a:rPr lang="en-US" sz="3600" dirty="0"/>
+              <a:t>Reasons why it exists </a:t>
             </a:r>
           </a:p>
           <a:p>
             <a:pPr lvl="1"/>
             <a:r>
               <a:rPr lang="en-US" sz="3200" dirty="0"/>
-              <a:t>Collective Bargain Agreement</a:t>
+              <a:t>Reserve rule in 1879</a:t>
+            </a:r>
+          </a:p>
+          <a:p>
+            <a:pPr lvl="2"/>
+            <a:r>
+              <a:rPr lang="en-US" sz="2800" dirty="0"/>
+              <a:t>3 Supreme Court cases</a:t>
+            </a:r>
+          </a:p>
+          <a:p>
+            <a:pPr lvl="1"/>
+            <a:r>
+              <a:rPr lang="en-US" sz="3200" dirty="0"/>
+              <a:t>To prevent prolonged disputes</a:t>
+            </a:r>
+          </a:p>
+          <a:p>
+            <a:pPr lvl="1"/>
+            <a:r>
+              <a:rPr lang="en-US" sz="3200" dirty="0"/>
+              <a:t>Avoids holdouts</a:t>
             </a:r>
           </a:p>
           <a:p>
             <a:r>
               <a:rPr lang="en-US" sz="3600" dirty="0"/>
-              <a:t>Contains</a:t>
-            </a:r>
-          </a:p>
-          <a:p>
-            <a:pPr lvl="1"/>
-            <a:r>
-              <a:rPr lang="en-US" sz="3200" dirty="0"/>
-              <a:t>Season Length</a:t>
-            </a:r>
-          </a:p>
-          <a:p>
-            <a:pPr lvl="1"/>
-            <a:r>
-              <a:rPr lang="en-US" sz="3200" dirty="0"/>
-              <a:t>Minimum Salary</a:t>
-            </a:r>
-          </a:p>
-          <a:p>
-            <a:pPr lvl="1"/>
-            <a:r>
-              <a:rPr lang="en-US" sz="3200" dirty="0"/>
-              <a:t>Revenue-sharing</a:t>
-            </a:r>
-          </a:p>
-          <a:p>
-            <a:pPr lvl="1"/>
-            <a:r>
-              <a:rPr lang="en-US" sz="3200" dirty="0"/>
-              <a:t>Luxury Tax</a:t>
-            </a:r>
-          </a:p>
-          <a:p>
-            <a:pPr lvl="1"/>
-            <a:r>
-              <a:rPr lang="en-US" sz="3200" dirty="0"/>
-              <a:t>Draft picks</a:t>
-            </a:r>
-          </a:p>
-          <a:p>
-            <a:pPr lvl="1"/>
-            <a:r>
-              <a:rPr lang="en-US" sz="3200" dirty="0" err="1"/>
-              <a:t>Abritration</a:t>
-            </a:r>
-            <a:endParaRPr lang="en-US" sz="3200" dirty="0"/>
+              <a:t>Players and Teams can settle on their own</a:t>
+            </a:r>
+          </a:p>
+          <a:p>
+            <a:r>
+              <a:rPr lang="en-US" sz="3600" dirty="0"/>
+              <a:t>Settlement only last one year</a:t>
+            </a:r>
+          </a:p>
+          <a:p>
+            <a:endParaRPr lang="en-US" sz="3600" dirty="0"/>
           </a:p>
         </p:txBody>
       </p:sp>
     </p:spTree>
     <p:extLst>
       <p:ext uri="{BB962C8B-B14F-4D97-AF65-F5344CB8AC3E}">
-        <p14:creationId xmlns:p14="http://schemas.microsoft.com/office/powerpoint/2010/main" val="4139927268"/>
+        <p14:creationId xmlns:p14="http://schemas.microsoft.com/office/powerpoint/2010/main" val="2203623678"/>
       </p:ext>
     </p:extLst>
   </p:cSld>
   <p:clrMapOvr>
     <a:masterClrMapping/>
   </p:clrMapOvr>
+  <p:timing>
+    <p:tnLst>
+      <p:par>
+        <p:cTn id="1" dur="indefinite" restart="never" nodeType="tmRoot">
+          <p:childTnLst>
+            <p:seq concurrent="1" nextAc="seek">
+              <p:cTn id="2" dur="indefinite" nodeType="mainSeq">
+                <p:childTnLst>
+                  <p:par>
+                    <p:cTn id="3" fill="hold">
+                      <p:stCondLst>
+                        <p:cond delay="indefinite"/>
+                      </p:stCondLst>
+                      <p:childTnLst>
+                        <p:par>
+                          <p:cTn id="4" fill="hold">
+                            <p:stCondLst>
+                              <p:cond delay="0"/>
+                            </p:stCondLst>
+                            <p:childTnLst>
+                              <p:par>
+                                <p:cTn id="5" presetID="1" presetClass="entr" presetSubtype="0" fill="hold" nodeType="clickEffect">
+                                  <p:stCondLst>
+                                    <p:cond delay="0"/>
+                                  </p:stCondLst>
+                                  <p:childTnLst>
+                                    <p:set>
+                                      <p:cBhvr>
+                                        <p:cTn id="6" dur="1" fill="hold">
+                                          <p:stCondLst>
+                                            <p:cond delay="0"/>
+                                          </p:stCondLst>
+                                        </p:cTn>
+                                        <p:tgtEl>
+                                          <p:spTgt spid="3">
+                                            <p:txEl>
+                                              <p:pRg st="1" end="1"/>
+                                            </p:txEl>
+                                          </p:spTgt>
+                                        </p:tgtEl>
+                                        <p:attrNameLst>
+                                          <p:attrName>style.visibility</p:attrName>
+                                        </p:attrNameLst>
+                                      </p:cBhvr>
+                                      <p:to>
+                                        <p:strVal val="visible"/>
+                                      </p:to>
+                                    </p:set>
+                                  </p:childTnLst>
+                                </p:cTn>
+                              </p:par>
+                              <p:par>
+                                <p:cTn id="7" presetID="1" presetClass="entr" presetSubtype="0" fill="hold" nodeType="withEffect">
+                                  <p:stCondLst>
+                                    <p:cond delay="0"/>
+                                  </p:stCondLst>
+                                  <p:childTnLst>
+                                    <p:set>
+                                      <p:cBhvr>
+                                        <p:cTn id="8" dur="1" fill="hold">
+                                          <p:stCondLst>
+                                            <p:cond delay="0"/>
+                                          </p:stCondLst>
+                                        </p:cTn>
+                                        <p:tgtEl>
+                                          <p:spTgt spid="3">
+                                            <p:txEl>
+                                              <p:pRg st="2" end="2"/>
+                                            </p:txEl>
+                                          </p:spTgt>
+                                        </p:tgtEl>
+                                        <p:attrNameLst>
+                                          <p:attrName>style.visibility</p:attrName>
+                                        </p:attrNameLst>
+                                      </p:cBhvr>
+                                      <p:to>
+                                        <p:strVal val="visible"/>
+                                      </p:to>
+                                    </p:set>
+                                  </p:childTnLst>
+                                </p:cTn>
+                              </p:par>
+                              <p:par>
+                                <p:cTn id="9" presetID="1" presetClass="entr" presetSubtype="0" fill="hold" nodeType="withEffect">
+                                  <p:stCondLst>
+                                    <p:cond delay="0"/>
+                                  </p:stCondLst>
+                                  <p:childTnLst>
+                                    <p:set>
+                                      <p:cBhvr>
+                                        <p:cTn id="10" dur="1" fill="hold">
+                                          <p:stCondLst>
+                                            <p:cond delay="0"/>
+                                          </p:stCondLst>
+                                        </p:cTn>
+                                        <p:tgtEl>
+                                          <p:spTgt spid="3">
+                                            <p:txEl>
+                                              <p:pRg st="3" end="3"/>
+                                            </p:txEl>
+                                          </p:spTgt>
+                                        </p:tgtEl>
+                                        <p:attrNameLst>
+                                          <p:attrName>style.visibility</p:attrName>
+                                        </p:attrNameLst>
+                                      </p:cBhvr>
+                                      <p:to>
+                                        <p:strVal val="visible"/>
+                                      </p:to>
+                                    </p:set>
+                                  </p:childTnLst>
+                                </p:cTn>
+                              </p:par>
+                              <p:par>
+                                <p:cTn id="11" presetID="1" presetClass="entr" presetSubtype="0" fill="hold" nodeType="withEffect">
+                                  <p:stCondLst>
+                                    <p:cond delay="0"/>
+                                  </p:stCondLst>
+                                  <p:childTnLst>
+                                    <p:set>
+                                      <p:cBhvr>
+                                        <p:cTn id="12" dur="1" fill="hold">
+                                          <p:stCondLst>
+                                            <p:cond delay="0"/>
+                                          </p:stCondLst>
+                                        </p:cTn>
+                                        <p:tgtEl>
+                                          <p:spTgt spid="3">
+                                            <p:txEl>
+                                              <p:pRg st="4" end="4"/>
+                                            </p:txEl>
+                                          </p:spTgt>
+                                        </p:tgtEl>
+                                        <p:attrNameLst>
+                                          <p:attrName>style.visibility</p:attrName>
+                                        </p:attrNameLst>
+                                      </p:cBhvr>
+                                      <p:to>
+                                        <p:strVal val="visible"/>
+                                      </p:to>
+                                    </p:set>
+                                  </p:childTnLst>
+                                </p:cTn>
+                              </p:par>
+                              <p:par>
+                                <p:cTn id="13" presetID="1" presetClass="entr" presetSubtype="0" fill="hold" nodeType="withEffect">
+                                  <p:stCondLst>
+                                    <p:cond delay="0"/>
+                                  </p:stCondLst>
+                                  <p:childTnLst>
+                                    <p:set>
+                                      <p:cBhvr>
+                                        <p:cTn id="14" dur="1" fill="hold">
+                                          <p:stCondLst>
+                                            <p:cond delay="0"/>
+                                          </p:stCondLst>
+                                        </p:cTn>
+                                        <p:tgtEl>
+                                          <p:spTgt spid="3">
+                                            <p:txEl>
+                                              <p:pRg st="5" end="5"/>
+                                            </p:txEl>
+                                          </p:spTgt>
+                                        </p:tgtEl>
+                                        <p:attrNameLst>
+                                          <p:attrName>style.visibility</p:attrName>
+                                        </p:attrNameLst>
+                                      </p:cBhvr>
+                                      <p:to>
+                                        <p:strVal val="visible"/>
+                                      </p:to>
+                                    </p:set>
+                                  </p:childTnLst>
+                                </p:cTn>
+                              </p:par>
+                            </p:childTnLst>
+                          </p:cTn>
+                        </p:par>
+                      </p:childTnLst>
+                    </p:cTn>
+                  </p:par>
+                  <p:par>
+                    <p:cTn id="15" fill="hold">
+                      <p:stCondLst>
+                        <p:cond delay="indefinite"/>
+                      </p:stCondLst>
+                      <p:childTnLst>
+                        <p:par>
+                          <p:cTn id="16" fill="hold">
+                            <p:stCondLst>
+                              <p:cond delay="0"/>
+                            </p:stCondLst>
+                            <p:childTnLst>
+                              <p:par>
+                                <p:cTn id="17" presetID="1" presetClass="entr" presetSubtype="0" fill="hold" nodeType="clickEffect">
+                                  <p:stCondLst>
+                                    <p:cond delay="0"/>
+                                  </p:stCondLst>
+                                  <p:childTnLst>
+                                    <p:set>
+                                      <p:cBhvr>
+                                        <p:cTn id="18" dur="1" fill="hold">
+                                          <p:stCondLst>
+                                            <p:cond delay="0"/>
+                                          </p:stCondLst>
+                                        </p:cTn>
+                                        <p:tgtEl>
+                                          <p:spTgt spid="3">
+                                            <p:txEl>
+                                              <p:pRg st="6" end="6"/>
+                                            </p:txEl>
+                                          </p:spTgt>
+                                        </p:tgtEl>
+                                        <p:attrNameLst>
+                                          <p:attrName>style.visibility</p:attrName>
+                                        </p:attrNameLst>
+                                      </p:cBhvr>
+                                      <p:to>
+                                        <p:strVal val="visible"/>
+                                      </p:to>
+                                    </p:set>
+                                  </p:childTnLst>
+                                </p:cTn>
+                              </p:par>
+                            </p:childTnLst>
+                          </p:cTn>
+                        </p:par>
+                      </p:childTnLst>
+                    </p:cTn>
+                  </p:par>
+                  <p:par>
+                    <p:cTn id="19" fill="hold">
+                      <p:stCondLst>
+                        <p:cond delay="indefinite"/>
+                      </p:stCondLst>
+                      <p:childTnLst>
+                        <p:par>
+                          <p:cTn id="20" fill="hold">
+                            <p:stCondLst>
+                              <p:cond delay="0"/>
+                            </p:stCondLst>
+                            <p:childTnLst>
+                              <p:par>
+                                <p:cTn id="21" presetID="1" presetClass="entr" presetSubtype="0" fill="hold" nodeType="clickEffect">
+                                  <p:stCondLst>
+                                    <p:cond delay="0"/>
+                                  </p:stCondLst>
+                                  <p:childTnLst>
+                                    <p:set>
+                                      <p:cBhvr>
+                                        <p:cTn id="22" dur="1" fill="hold">
+                                          <p:stCondLst>
+                                            <p:cond delay="0"/>
+                                          </p:stCondLst>
+                                        </p:cTn>
+                                        <p:tgtEl>
+                                          <p:spTgt spid="3">
+                                            <p:txEl>
+                                              <p:pRg st="7" end="7"/>
+                                            </p:txEl>
+                                          </p:spTgt>
+                                        </p:tgtEl>
+                                        <p:attrNameLst>
+                                          <p:attrName>style.visibility</p:attrName>
+                                        </p:attrNameLst>
+                                      </p:cBhvr>
+                                      <p:to>
+                                        <p:strVal val="visible"/>
+                                      </p:to>
+                                    </p:set>
+                                  </p:childTnLst>
+                                </p:cTn>
+                              </p:par>
+                            </p:childTnLst>
+                          </p:cTn>
+                        </p:par>
+                      </p:childTnLst>
+                    </p:cTn>
+                  </p:par>
+                </p:childTnLst>
+              </p:cTn>
+              <p:prevCondLst>
+                <p:cond evt="onPrev" delay="0">
+                  <p:tgtEl>
+                    <p:sldTgt/>
+                  </p:tgtEl>
+                </p:cond>
+              </p:prevCondLst>
+              <p:nextCondLst>
+                <p:cond evt="onNext" delay="0">
+                  <p:tgtEl>
+                    <p:sldTgt/>
+                  </p:tgtEl>
+                </p:cond>
+              </p:nextCondLst>
+            </p:seq>
+          </p:childTnLst>
+        </p:cTn>
+      </p:par>
+    </p:tnLst>
+  </p:timing>
 </p:sld>
 </file>
 
@@ -4837,7 +6973,7 @@
           <p:cNvPr id="2" name="Title 1">
             <a:extLst>
               <a:ext uri="{FF2B5EF4-FFF2-40B4-BE49-F238E27FC236}">
-                <a16:creationId xmlns:a16="http://schemas.microsoft.com/office/drawing/2014/main" id="{03E4DDB6-1E63-4ED2-AE05-60FC9398525B}"/>
+                <a16:creationId xmlns:a16="http://schemas.microsoft.com/office/drawing/2014/main" id="{A9E5355F-E4BB-4DF2-8370-3B9F608E1029}"/>
               </a:ext>
             </a:extLst>
           </p:cNvPr>
@@ -4858,7 +6994,7 @@
             <a:pPr algn="ctr"/>
             <a:r>
               <a:rPr lang="en-US" sz="6600" dirty="0"/>
-              <a:t>Arbitration</a:t>
+              <a:t>Example of Arbitration</a:t>
             </a:r>
           </a:p>
         </p:txBody>
@@ -4868,7 +7004,7 @@
           <p:cNvPr id="3" name="Content Placeholder 2">
             <a:extLst>
               <a:ext uri="{FF2B5EF4-FFF2-40B4-BE49-F238E27FC236}">
-                <a16:creationId xmlns:a16="http://schemas.microsoft.com/office/drawing/2014/main" id="{60EDFDAF-7E14-447F-B6A3-A764526C9679}"/>
+                <a16:creationId xmlns:a16="http://schemas.microsoft.com/office/drawing/2014/main" id="{22ED59A5-D49E-4F41-970D-37DB5CEE064A}"/>
               </a:ext>
             </a:extLst>
           </p:cNvPr>
@@ -4882,216 +7018,83 @@
         <p:spPr/>
         <p:txBody>
           <a:bodyPr>
-            <a:normAutofit lnSpcReduction="10000"/>
+            <a:normAutofit fontScale="92500" lnSpcReduction="10000"/>
           </a:bodyPr>
           <a:lstStyle/>
           <a:p>
             <a:r>
-              <a:rPr lang="en-US" sz="3600" dirty="0"/>
-              <a:t>Started in 1973</a:t>
-            </a:r>
-          </a:p>
-          <a:p>
-            <a:r>
-              <a:rPr lang="en-US" sz="3600" dirty="0"/>
-              <a:t>Reasons why it exists </a:t>
+              <a:rPr lang="en-US" dirty="0"/>
+              <a:t>Player</a:t>
             </a:r>
           </a:p>
           <a:p>
             <a:pPr lvl="1"/>
             <a:r>
-              <a:rPr lang="en-US" sz="3200" dirty="0"/>
-              <a:t>Reserve rule in 1879</a:t>
-            </a:r>
-          </a:p>
-          <a:p>
-            <a:pPr lvl="2"/>
-            <a:r>
-              <a:rPr lang="en-US" sz="2800" dirty="0"/>
-              <a:t>3 Supreme Court</a:t>
+              <a:rPr lang="en-US" dirty="0"/>
+              <a:t>Bob Ross</a:t>
             </a:r>
           </a:p>
           <a:p>
             <a:pPr lvl="1"/>
             <a:r>
-              <a:rPr lang="en-US" sz="3200" dirty="0"/>
-              <a:t>To prevent prolonged disputes</a:t>
+              <a:rPr lang="en-US" dirty="0"/>
+              <a:t>Position in pitcher</a:t>
+            </a:r>
+          </a:p>
+          <a:p>
+            <a:r>
+              <a:rPr lang="en-US" dirty="0"/>
+              <a:t>Player Amount</a:t>
             </a:r>
           </a:p>
           <a:p>
             <a:pPr lvl="1"/>
             <a:r>
-              <a:rPr lang="en-US" sz="3200" dirty="0"/>
-              <a:t>Avoids holdouts</a:t>
-            </a:r>
-          </a:p>
-          <a:p>
-            <a:r>
-              <a:rPr lang="en-US" sz="3600" dirty="0"/>
-              <a:t>Players and Teams can settle on their own</a:t>
-            </a:r>
-          </a:p>
-          <a:p>
-            <a:r>
-              <a:rPr lang="en-US" sz="3600" dirty="0"/>
-              <a:t>Settlement only last one year</a:t>
-            </a:r>
-          </a:p>
-          <a:p>
-            <a:endParaRPr lang="en-US" sz="3600" dirty="0"/>
-          </a:p>
-        </p:txBody>
-      </p:sp>
-    </p:spTree>
-    <p:extLst>
-      <p:ext uri="{BB962C8B-B14F-4D97-AF65-F5344CB8AC3E}">
-        <p14:creationId xmlns:p14="http://schemas.microsoft.com/office/powerpoint/2010/main" val="2203623678"/>
-      </p:ext>
-    </p:extLst>
-  </p:cSld>
-  <p:clrMapOvr>
-    <a:masterClrMapping/>
-  </p:clrMapOvr>
-</p:sld>
-</file>
-
-<file path=ppt/slides/slide5.xml><?xml version="1.0" encoding="utf-8"?>
-<p:sld xmlns:a="http://schemas.openxmlformats.org/drawingml/2006/main" xmlns:r="http://schemas.openxmlformats.org/officeDocument/2006/relationships" xmlns:p="http://schemas.openxmlformats.org/presentationml/2006/main">
-  <p:cSld>
-    <p:spTree>
-      <p:nvGrpSpPr>
-        <p:cNvPr id="1" name=""/>
-        <p:cNvGrpSpPr/>
-        <p:nvPr/>
-      </p:nvGrpSpPr>
-      <p:grpSpPr>
-        <a:xfrm>
-          <a:off x="0" y="0"/>
-          <a:ext cx="0" cy="0"/>
-          <a:chOff x="0" y="0"/>
-          <a:chExt cx="0" cy="0"/>
-        </a:xfrm>
-      </p:grpSpPr>
-      <p:sp>
-        <p:nvSpPr>
-          <p:cNvPr id="2" name="Title 1">
-            <a:extLst>
-              <a:ext uri="{FF2B5EF4-FFF2-40B4-BE49-F238E27FC236}">
-                <a16:creationId xmlns:a16="http://schemas.microsoft.com/office/drawing/2014/main" id="{A9E5355F-E4BB-4DF2-8370-3B9F608E1029}"/>
-              </a:ext>
-            </a:extLst>
-          </p:cNvPr>
-          <p:cNvSpPr>
-            <a:spLocks noGrp="1"/>
-          </p:cNvSpPr>
-          <p:nvPr>
-            <p:ph type="title"/>
-          </p:nvPr>
-        </p:nvSpPr>
-        <p:spPr/>
-        <p:txBody>
-          <a:bodyPr>
-            <a:normAutofit/>
-          </a:bodyPr>
-          <a:lstStyle/>
-          <a:p>
-            <a:pPr algn="ctr"/>
-            <a:r>
-              <a:rPr lang="en-US" sz="6600" dirty="0"/>
-              <a:t>Example of Arbitration</a:t>
-            </a:r>
-          </a:p>
-        </p:txBody>
-      </p:sp>
-      <p:sp>
-        <p:nvSpPr>
-          <p:cNvPr id="3" name="Content Placeholder 2">
-            <a:extLst>
-              <a:ext uri="{FF2B5EF4-FFF2-40B4-BE49-F238E27FC236}">
-                <a16:creationId xmlns:a16="http://schemas.microsoft.com/office/drawing/2014/main" id="{22ED59A5-D49E-4F41-970D-37DB5CEE064A}"/>
-              </a:ext>
-            </a:extLst>
-          </p:cNvPr>
-          <p:cNvSpPr>
-            <a:spLocks noGrp="1"/>
-          </p:cNvSpPr>
-          <p:nvPr>
-            <p:ph idx="1"/>
-          </p:nvPr>
-        </p:nvSpPr>
-        <p:spPr/>
-        <p:txBody>
-          <a:bodyPr>
-            <a:normAutofit lnSpcReduction="10000"/>
-          </a:bodyPr>
-          <a:lstStyle/>
-          <a:p>
-            <a:r>
-              <a:rPr lang="en-US" dirty="0"/>
-              <a:t>Player</a:t>
+              <a:rPr lang="en-US" dirty="0"/>
+              <a:t>$5 Million</a:t>
+            </a:r>
+          </a:p>
+          <a:p>
+            <a:r>
+              <a:rPr lang="en-US" dirty="0"/>
+              <a:t>Team Amount</a:t>
             </a:r>
           </a:p>
           <a:p>
             <a:pPr lvl="1"/>
             <a:r>
               <a:rPr lang="en-US" dirty="0"/>
-              <a:t>Bob Ross</a:t>
-            </a:r>
-          </a:p>
-          <a:p>
-            <a:r>
-              <a:rPr lang="en-US" dirty="0"/>
-              <a:t>Player Amount</a:t>
+              <a:t>$3 Million</a:t>
+            </a:r>
+          </a:p>
+          <a:p>
+            <a:r>
+              <a:rPr lang="en-US" dirty="0"/>
+              <a:t>Midpoint</a:t>
             </a:r>
           </a:p>
           <a:p>
             <a:pPr lvl="1"/>
             <a:r>
               <a:rPr lang="en-US" dirty="0"/>
-              <a:t>$5 Million</a:t>
-            </a:r>
-          </a:p>
-          <a:p>
-            <a:r>
-              <a:rPr lang="en-US" dirty="0"/>
-              <a:t>Team Amount</a:t>
+              <a:t>$4 Million</a:t>
+            </a:r>
+          </a:p>
+          <a:p>
+            <a:r>
+              <a:rPr lang="en-US" dirty="0"/>
+              <a:t>Settled Amount</a:t>
             </a:r>
           </a:p>
           <a:p>
             <a:pPr lvl="1"/>
             <a:r>
               <a:rPr lang="en-US" dirty="0"/>
-              <a:t>$3 Million</a:t>
-            </a:r>
-          </a:p>
-          <a:p>
-            <a:r>
-              <a:rPr lang="en-US" dirty="0"/>
-              <a:t>Midpoint</a:t>
-            </a:r>
-          </a:p>
-          <a:p>
-            <a:pPr lvl="1"/>
-            <a:r>
-              <a:rPr lang="en-US" dirty="0"/>
-              <a:t>$4 Million</a:t>
-            </a:r>
-          </a:p>
-          <a:p>
-            <a:r>
-              <a:rPr lang="en-US" dirty="0"/>
-              <a:t>Settled Amount</a:t>
-            </a:r>
-          </a:p>
-          <a:p>
-            <a:pPr lvl="1"/>
-            <a:r>
-              <a:rPr lang="en-US" dirty="0"/>
               <a:t>$4.25 Million</a:t>
             </a:r>
           </a:p>
           <a:p>
-            <a:pPr marL="457200" lvl="1" indent="0">
+            <a:pPr marL="0" indent="0">
               <a:buNone/>
             </a:pPr>
             <a:endParaRPr lang="en-US" dirty="0"/>
@@ -5155,6 +7158,821 @@
   <p:clrMapOvr>
     <a:masterClrMapping/>
   </p:clrMapOvr>
+  <mc:AlternateContent xmlns:mc="http://schemas.openxmlformats.org/markup-compatibility/2006" xmlns:p14="http://schemas.microsoft.com/office/powerpoint/2010/main">
+    <mc:Choice Requires="p14">
+      <p:transition p14:dur="10"/>
+    </mc:Choice>
+    <mc:Fallback xmlns="">
+      <p:transition/>
+    </mc:Fallback>
+  </mc:AlternateContent>
+  <p:timing>
+    <p:tnLst>
+      <p:par>
+        <p:cTn id="1" dur="indefinite" restart="never" nodeType="tmRoot">
+          <p:childTnLst>
+            <p:seq concurrent="1" nextAc="seek">
+              <p:cTn id="2" dur="indefinite" nodeType="mainSeq">
+                <p:childTnLst>
+                  <p:par>
+                    <p:cTn id="3" fill="hold">
+                      <p:stCondLst>
+                        <p:cond delay="indefinite"/>
+                      </p:stCondLst>
+                      <p:childTnLst>
+                        <p:par>
+                          <p:cTn id="4" fill="hold">
+                            <p:stCondLst>
+                              <p:cond delay="0"/>
+                            </p:stCondLst>
+                            <p:childTnLst>
+                              <p:par>
+                                <p:cTn id="5" presetID="1" presetClass="entr" presetSubtype="0" fill="hold" grpId="0" nodeType="clickEffect">
+                                  <p:stCondLst>
+                                    <p:cond delay="0"/>
+                                  </p:stCondLst>
+                                  <p:childTnLst>
+                                    <p:set>
+                                      <p:cBhvr>
+                                        <p:cTn id="6" dur="1" fill="hold">
+                                          <p:stCondLst>
+                                            <p:cond delay="0"/>
+                                          </p:stCondLst>
+                                        </p:cTn>
+                                        <p:tgtEl>
+                                          <p:spTgt spid="3">
+                                            <p:txEl>
+                                              <p:pRg st="0" end="0"/>
+                                            </p:txEl>
+                                          </p:spTgt>
+                                        </p:tgtEl>
+                                        <p:attrNameLst>
+                                          <p:attrName>style.visibility</p:attrName>
+                                        </p:attrNameLst>
+                                      </p:cBhvr>
+                                      <p:to>
+                                        <p:strVal val="visible"/>
+                                      </p:to>
+                                    </p:set>
+                                  </p:childTnLst>
+                                </p:cTn>
+                              </p:par>
+                              <p:par>
+                                <p:cTn id="7" presetID="1" presetClass="entr" presetSubtype="0" fill="hold" grpId="0" nodeType="withEffect">
+                                  <p:stCondLst>
+                                    <p:cond delay="0"/>
+                                  </p:stCondLst>
+                                  <p:childTnLst>
+                                    <p:set>
+                                      <p:cBhvr>
+                                        <p:cTn id="8" dur="1" fill="hold">
+                                          <p:stCondLst>
+                                            <p:cond delay="0"/>
+                                          </p:stCondLst>
+                                        </p:cTn>
+                                        <p:tgtEl>
+                                          <p:spTgt spid="3">
+                                            <p:txEl>
+                                              <p:pRg st="1" end="1"/>
+                                            </p:txEl>
+                                          </p:spTgt>
+                                        </p:tgtEl>
+                                        <p:attrNameLst>
+                                          <p:attrName>style.visibility</p:attrName>
+                                        </p:attrNameLst>
+                                      </p:cBhvr>
+                                      <p:to>
+                                        <p:strVal val="visible"/>
+                                      </p:to>
+                                    </p:set>
+                                  </p:childTnLst>
+                                </p:cTn>
+                              </p:par>
+                              <p:par>
+                                <p:cTn id="9" presetID="1" presetClass="entr" presetSubtype="0" fill="hold" grpId="0" nodeType="withEffect">
+                                  <p:stCondLst>
+                                    <p:cond delay="0"/>
+                                  </p:stCondLst>
+                                  <p:childTnLst>
+                                    <p:set>
+                                      <p:cBhvr>
+                                        <p:cTn id="10" dur="1" fill="hold">
+                                          <p:stCondLst>
+                                            <p:cond delay="0"/>
+                                          </p:stCondLst>
+                                        </p:cTn>
+                                        <p:tgtEl>
+                                          <p:spTgt spid="3">
+                                            <p:txEl>
+                                              <p:pRg st="2" end="2"/>
+                                            </p:txEl>
+                                          </p:spTgt>
+                                        </p:tgtEl>
+                                        <p:attrNameLst>
+                                          <p:attrName>style.visibility</p:attrName>
+                                        </p:attrNameLst>
+                                      </p:cBhvr>
+                                      <p:to>
+                                        <p:strVal val="visible"/>
+                                      </p:to>
+                                    </p:set>
+                                  </p:childTnLst>
+                                </p:cTn>
+                              </p:par>
+                              <p:par>
+                                <p:cTn id="11" presetID="1" presetClass="entr" presetSubtype="0" fill="hold" nodeType="withEffect">
+                                  <p:stCondLst>
+                                    <p:cond delay="0"/>
+                                  </p:stCondLst>
+                                  <p:childTnLst>
+                                    <p:set>
+                                      <p:cBhvr>
+                                        <p:cTn id="12" dur="1" fill="hold">
+                                          <p:stCondLst>
+                                            <p:cond delay="0"/>
+                                          </p:stCondLst>
+                                        </p:cTn>
+                                        <p:tgtEl>
+                                          <p:spTgt spid="1026"/>
+                                        </p:tgtEl>
+                                        <p:attrNameLst>
+                                          <p:attrName>style.visibility</p:attrName>
+                                        </p:attrNameLst>
+                                      </p:cBhvr>
+                                      <p:to>
+                                        <p:strVal val="visible"/>
+                                      </p:to>
+                                    </p:set>
+                                  </p:childTnLst>
+                                </p:cTn>
+                              </p:par>
+                            </p:childTnLst>
+                          </p:cTn>
+                        </p:par>
+                      </p:childTnLst>
+                    </p:cTn>
+                  </p:par>
+                  <p:par>
+                    <p:cTn id="13" fill="hold">
+                      <p:stCondLst>
+                        <p:cond delay="indefinite"/>
+                      </p:stCondLst>
+                      <p:childTnLst>
+                        <p:par>
+                          <p:cTn id="14" fill="hold">
+                            <p:stCondLst>
+                              <p:cond delay="0"/>
+                            </p:stCondLst>
+                            <p:childTnLst>
+                              <p:par>
+                                <p:cTn id="15" presetID="1" presetClass="entr" presetSubtype="0" fill="hold" grpId="0" nodeType="clickEffect">
+                                  <p:stCondLst>
+                                    <p:cond delay="0"/>
+                                  </p:stCondLst>
+                                  <p:childTnLst>
+                                    <p:set>
+                                      <p:cBhvr>
+                                        <p:cTn id="16" dur="1" fill="hold">
+                                          <p:stCondLst>
+                                            <p:cond delay="0"/>
+                                          </p:stCondLst>
+                                        </p:cTn>
+                                        <p:tgtEl>
+                                          <p:spTgt spid="3">
+                                            <p:txEl>
+                                              <p:pRg st="3" end="3"/>
+                                            </p:txEl>
+                                          </p:spTgt>
+                                        </p:tgtEl>
+                                        <p:attrNameLst>
+                                          <p:attrName>style.visibility</p:attrName>
+                                        </p:attrNameLst>
+                                      </p:cBhvr>
+                                      <p:to>
+                                        <p:strVal val="visible"/>
+                                      </p:to>
+                                    </p:set>
+                                  </p:childTnLst>
+                                </p:cTn>
+                              </p:par>
+                              <p:par>
+                                <p:cTn id="17" presetID="1" presetClass="entr" presetSubtype="0" fill="hold" grpId="0" nodeType="withEffect">
+                                  <p:stCondLst>
+                                    <p:cond delay="0"/>
+                                  </p:stCondLst>
+                                  <p:childTnLst>
+                                    <p:set>
+                                      <p:cBhvr>
+                                        <p:cTn id="18" dur="1" fill="hold">
+                                          <p:stCondLst>
+                                            <p:cond delay="0"/>
+                                          </p:stCondLst>
+                                        </p:cTn>
+                                        <p:tgtEl>
+                                          <p:spTgt spid="3">
+                                            <p:txEl>
+                                              <p:pRg st="4" end="4"/>
+                                            </p:txEl>
+                                          </p:spTgt>
+                                        </p:tgtEl>
+                                        <p:attrNameLst>
+                                          <p:attrName>style.visibility</p:attrName>
+                                        </p:attrNameLst>
+                                      </p:cBhvr>
+                                      <p:to>
+                                        <p:strVal val="visible"/>
+                                      </p:to>
+                                    </p:set>
+                                  </p:childTnLst>
+                                </p:cTn>
+                              </p:par>
+                            </p:childTnLst>
+                          </p:cTn>
+                        </p:par>
+                      </p:childTnLst>
+                    </p:cTn>
+                  </p:par>
+                  <p:par>
+                    <p:cTn id="19" fill="hold">
+                      <p:stCondLst>
+                        <p:cond delay="indefinite"/>
+                      </p:stCondLst>
+                      <p:childTnLst>
+                        <p:par>
+                          <p:cTn id="20" fill="hold">
+                            <p:stCondLst>
+                              <p:cond delay="0"/>
+                            </p:stCondLst>
+                            <p:childTnLst>
+                              <p:par>
+                                <p:cTn id="21" presetID="1" presetClass="entr" presetSubtype="0" fill="hold" grpId="0" nodeType="clickEffect">
+                                  <p:stCondLst>
+                                    <p:cond delay="0"/>
+                                  </p:stCondLst>
+                                  <p:childTnLst>
+                                    <p:set>
+                                      <p:cBhvr>
+                                        <p:cTn id="22" dur="1" fill="hold">
+                                          <p:stCondLst>
+                                            <p:cond delay="0"/>
+                                          </p:stCondLst>
+                                        </p:cTn>
+                                        <p:tgtEl>
+                                          <p:spTgt spid="3">
+                                            <p:txEl>
+                                              <p:pRg st="5" end="5"/>
+                                            </p:txEl>
+                                          </p:spTgt>
+                                        </p:tgtEl>
+                                        <p:attrNameLst>
+                                          <p:attrName>style.visibility</p:attrName>
+                                        </p:attrNameLst>
+                                      </p:cBhvr>
+                                      <p:to>
+                                        <p:strVal val="visible"/>
+                                      </p:to>
+                                    </p:set>
+                                  </p:childTnLst>
+                                </p:cTn>
+                              </p:par>
+                              <p:par>
+                                <p:cTn id="23" presetID="1" presetClass="entr" presetSubtype="0" fill="hold" grpId="0" nodeType="withEffect">
+                                  <p:stCondLst>
+                                    <p:cond delay="0"/>
+                                  </p:stCondLst>
+                                  <p:childTnLst>
+                                    <p:set>
+                                      <p:cBhvr>
+                                        <p:cTn id="24" dur="1" fill="hold">
+                                          <p:stCondLst>
+                                            <p:cond delay="0"/>
+                                          </p:stCondLst>
+                                        </p:cTn>
+                                        <p:tgtEl>
+                                          <p:spTgt spid="3">
+                                            <p:txEl>
+                                              <p:pRg st="6" end="6"/>
+                                            </p:txEl>
+                                          </p:spTgt>
+                                        </p:tgtEl>
+                                        <p:attrNameLst>
+                                          <p:attrName>style.visibility</p:attrName>
+                                        </p:attrNameLst>
+                                      </p:cBhvr>
+                                      <p:to>
+                                        <p:strVal val="visible"/>
+                                      </p:to>
+                                    </p:set>
+                                  </p:childTnLst>
+                                </p:cTn>
+                              </p:par>
+                            </p:childTnLst>
+                          </p:cTn>
+                        </p:par>
+                      </p:childTnLst>
+                    </p:cTn>
+                  </p:par>
+                  <p:par>
+                    <p:cTn id="25" fill="hold">
+                      <p:stCondLst>
+                        <p:cond delay="indefinite"/>
+                      </p:stCondLst>
+                      <p:childTnLst>
+                        <p:par>
+                          <p:cTn id="26" fill="hold">
+                            <p:stCondLst>
+                              <p:cond delay="0"/>
+                            </p:stCondLst>
+                            <p:childTnLst>
+                              <p:par>
+                                <p:cTn id="27" presetID="1" presetClass="entr" presetSubtype="0" fill="hold" grpId="0" nodeType="clickEffect">
+                                  <p:stCondLst>
+                                    <p:cond delay="0"/>
+                                  </p:stCondLst>
+                                  <p:childTnLst>
+                                    <p:set>
+                                      <p:cBhvr>
+                                        <p:cTn id="28" dur="1" fill="hold">
+                                          <p:stCondLst>
+                                            <p:cond delay="0"/>
+                                          </p:stCondLst>
+                                        </p:cTn>
+                                        <p:tgtEl>
+                                          <p:spTgt spid="3">
+                                            <p:txEl>
+                                              <p:pRg st="7" end="7"/>
+                                            </p:txEl>
+                                          </p:spTgt>
+                                        </p:tgtEl>
+                                        <p:attrNameLst>
+                                          <p:attrName>style.visibility</p:attrName>
+                                        </p:attrNameLst>
+                                      </p:cBhvr>
+                                      <p:to>
+                                        <p:strVal val="visible"/>
+                                      </p:to>
+                                    </p:set>
+                                  </p:childTnLst>
+                                </p:cTn>
+                              </p:par>
+                              <p:par>
+                                <p:cTn id="29" presetID="1" presetClass="entr" presetSubtype="0" fill="hold" grpId="0" nodeType="withEffect">
+                                  <p:stCondLst>
+                                    <p:cond delay="0"/>
+                                  </p:stCondLst>
+                                  <p:childTnLst>
+                                    <p:set>
+                                      <p:cBhvr>
+                                        <p:cTn id="30" dur="1" fill="hold">
+                                          <p:stCondLst>
+                                            <p:cond delay="0"/>
+                                          </p:stCondLst>
+                                        </p:cTn>
+                                        <p:tgtEl>
+                                          <p:spTgt spid="3">
+                                            <p:txEl>
+                                              <p:pRg st="8" end="8"/>
+                                            </p:txEl>
+                                          </p:spTgt>
+                                        </p:tgtEl>
+                                        <p:attrNameLst>
+                                          <p:attrName>style.visibility</p:attrName>
+                                        </p:attrNameLst>
+                                      </p:cBhvr>
+                                      <p:to>
+                                        <p:strVal val="visible"/>
+                                      </p:to>
+                                    </p:set>
+                                  </p:childTnLst>
+                                </p:cTn>
+                              </p:par>
+                            </p:childTnLst>
+                          </p:cTn>
+                        </p:par>
+                      </p:childTnLst>
+                    </p:cTn>
+                  </p:par>
+                  <p:par>
+                    <p:cTn id="31" fill="hold">
+                      <p:stCondLst>
+                        <p:cond delay="indefinite"/>
+                      </p:stCondLst>
+                      <p:childTnLst>
+                        <p:par>
+                          <p:cTn id="32" fill="hold">
+                            <p:stCondLst>
+                              <p:cond delay="0"/>
+                            </p:stCondLst>
+                            <p:childTnLst>
+                              <p:par>
+                                <p:cTn id="33" presetID="1" presetClass="entr" presetSubtype="0" fill="hold" grpId="0" nodeType="clickEffect">
+                                  <p:stCondLst>
+                                    <p:cond delay="0"/>
+                                  </p:stCondLst>
+                                  <p:childTnLst>
+                                    <p:set>
+                                      <p:cBhvr>
+                                        <p:cTn id="34" dur="1" fill="hold">
+                                          <p:stCondLst>
+                                            <p:cond delay="0"/>
+                                          </p:stCondLst>
+                                        </p:cTn>
+                                        <p:tgtEl>
+                                          <p:spTgt spid="3">
+                                            <p:txEl>
+                                              <p:pRg st="9" end="9"/>
+                                            </p:txEl>
+                                          </p:spTgt>
+                                        </p:tgtEl>
+                                        <p:attrNameLst>
+                                          <p:attrName>style.visibility</p:attrName>
+                                        </p:attrNameLst>
+                                      </p:cBhvr>
+                                      <p:to>
+                                        <p:strVal val="visible"/>
+                                      </p:to>
+                                    </p:set>
+                                  </p:childTnLst>
+                                </p:cTn>
+                              </p:par>
+                              <p:par>
+                                <p:cTn id="35" presetID="1" presetClass="entr" presetSubtype="0" fill="hold" grpId="0" nodeType="withEffect">
+                                  <p:stCondLst>
+                                    <p:cond delay="0"/>
+                                  </p:stCondLst>
+                                  <p:childTnLst>
+                                    <p:set>
+                                      <p:cBhvr>
+                                        <p:cTn id="36" dur="1" fill="hold">
+                                          <p:stCondLst>
+                                            <p:cond delay="0"/>
+                                          </p:stCondLst>
+                                        </p:cTn>
+                                        <p:tgtEl>
+                                          <p:spTgt spid="3">
+                                            <p:txEl>
+                                              <p:pRg st="10" end="10"/>
+                                            </p:txEl>
+                                          </p:spTgt>
+                                        </p:tgtEl>
+                                        <p:attrNameLst>
+                                          <p:attrName>style.visibility</p:attrName>
+                                        </p:attrNameLst>
+                                      </p:cBhvr>
+                                      <p:to>
+                                        <p:strVal val="visible"/>
+                                      </p:to>
+                                    </p:set>
+                                  </p:childTnLst>
+                                </p:cTn>
+                              </p:par>
+                            </p:childTnLst>
+                          </p:cTn>
+                        </p:par>
+                      </p:childTnLst>
+                    </p:cTn>
+                  </p:par>
+                </p:childTnLst>
+              </p:cTn>
+              <p:prevCondLst>
+                <p:cond evt="onPrev" delay="0">
+                  <p:tgtEl>
+                    <p:sldTgt/>
+                  </p:tgtEl>
+                </p:cond>
+              </p:prevCondLst>
+              <p:nextCondLst>
+                <p:cond evt="onNext" delay="0">
+                  <p:tgtEl>
+                    <p:sldTgt/>
+                  </p:tgtEl>
+                </p:cond>
+              </p:nextCondLst>
+            </p:seq>
+          </p:childTnLst>
+        </p:cTn>
+      </p:par>
+    </p:tnLst>
+    <p:bldLst>
+      <p:bldP spid="3" grpId="0" uiExpand="1" build="p"/>
+    </p:bldLst>
+  </p:timing>
+</p:sld>
+</file>
+
+<file path=ppt/slides/slide5.xml><?xml version="1.0" encoding="utf-8"?>
+<p:sld xmlns:a="http://schemas.openxmlformats.org/drawingml/2006/main" xmlns:r="http://schemas.openxmlformats.org/officeDocument/2006/relationships" xmlns:p="http://schemas.openxmlformats.org/presentationml/2006/main">
+  <p:cSld>
+    <p:spTree>
+      <p:nvGrpSpPr>
+        <p:cNvPr id="1" name=""/>
+        <p:cNvGrpSpPr/>
+        <p:nvPr/>
+      </p:nvGrpSpPr>
+      <p:grpSpPr>
+        <a:xfrm>
+          <a:off x="0" y="0"/>
+          <a:ext cx="0" cy="0"/>
+          <a:chOff x="0" y="0"/>
+          <a:chExt cx="0" cy="0"/>
+        </a:xfrm>
+      </p:grpSpPr>
+      <p:sp>
+        <p:nvSpPr>
+          <p:cNvPr id="2" name="Title 1">
+            <a:extLst>
+              <a:ext uri="{FF2B5EF4-FFF2-40B4-BE49-F238E27FC236}">
+                <a16:creationId xmlns:a16="http://schemas.microsoft.com/office/drawing/2014/main" id="{3A5FCDFB-553B-4D89-BE8D-97ACBEB19037}"/>
+              </a:ext>
+            </a:extLst>
+          </p:cNvPr>
+          <p:cNvSpPr>
+            <a:spLocks noGrp="1"/>
+          </p:cNvSpPr>
+          <p:nvPr>
+            <p:ph type="title"/>
+          </p:nvPr>
+        </p:nvSpPr>
+        <p:spPr/>
+        <p:txBody>
+          <a:bodyPr>
+            <a:normAutofit/>
+          </a:bodyPr>
+          <a:lstStyle/>
+          <a:p>
+            <a:pPr algn="ctr"/>
+            <a:r>
+              <a:rPr lang="en-US" sz="6600" dirty="0"/>
+              <a:t>Research Question</a:t>
+            </a:r>
+          </a:p>
+        </p:txBody>
+      </p:sp>
+      <p:sp>
+        <p:nvSpPr>
+          <p:cNvPr id="3" name="Content Placeholder 2">
+            <a:extLst>
+              <a:ext uri="{FF2B5EF4-FFF2-40B4-BE49-F238E27FC236}">
+                <a16:creationId xmlns:a16="http://schemas.microsoft.com/office/drawing/2014/main" id="{2D8B5863-CFA2-4139-B3DC-FFE4738F97D2}"/>
+              </a:ext>
+            </a:extLst>
+          </p:cNvPr>
+          <p:cNvSpPr>
+            <a:spLocks noGrp="1"/>
+          </p:cNvSpPr>
+          <p:nvPr>
+            <p:ph idx="1"/>
+          </p:nvPr>
+        </p:nvSpPr>
+        <p:spPr/>
+        <p:txBody>
+          <a:bodyPr>
+            <a:noAutofit/>
+          </a:bodyPr>
+          <a:lstStyle/>
+          <a:p>
+            <a:r>
+              <a:rPr lang="en-US" sz="3600" dirty="0"/>
+              <a:t>Can we accurately predict the outcome of the arbitration process in the MLB?</a:t>
+            </a:r>
+          </a:p>
+          <a:p>
+            <a:endParaRPr lang="en-US" sz="1400" dirty="0"/>
+          </a:p>
+          <a:p>
+            <a:r>
+              <a:rPr lang="en-US" sz="3600" dirty="0"/>
+              <a:t>Which predictive model is better?</a:t>
+            </a:r>
+          </a:p>
+          <a:p>
+            <a:pPr lvl="1"/>
+            <a:r>
+              <a:rPr lang="en-US" sz="3600" dirty="0"/>
+              <a:t>Neural Network</a:t>
+            </a:r>
+          </a:p>
+          <a:p>
+            <a:pPr lvl="1"/>
+            <a:r>
+              <a:rPr lang="en-US" sz="3600" dirty="0"/>
+              <a:t>Random Forests</a:t>
+            </a:r>
+          </a:p>
+          <a:p>
+            <a:pPr marL="457200" lvl="1" indent="0">
+              <a:buNone/>
+            </a:pPr>
+            <a:endParaRPr lang="en-US" sz="700" dirty="0"/>
+          </a:p>
+          <a:p>
+            <a:r>
+              <a:rPr lang="en-US" sz="3600" dirty="0"/>
+              <a:t>Will fit separate models for pitchers and position players</a:t>
+            </a:r>
+          </a:p>
+        </p:txBody>
+      </p:sp>
+    </p:spTree>
+    <p:extLst>
+      <p:ext uri="{BB962C8B-B14F-4D97-AF65-F5344CB8AC3E}">
+        <p14:creationId xmlns:p14="http://schemas.microsoft.com/office/powerpoint/2010/main" val="3753098078"/>
+      </p:ext>
+    </p:extLst>
+  </p:cSld>
+  <p:clrMapOvr>
+    <a:masterClrMapping/>
+  </p:clrMapOvr>
+  <p:timing>
+    <p:tnLst>
+      <p:par>
+        <p:cTn id="1" dur="indefinite" restart="never" nodeType="tmRoot">
+          <p:childTnLst>
+            <p:seq concurrent="1" nextAc="seek">
+              <p:cTn id="2" dur="indefinite" nodeType="mainSeq">
+                <p:childTnLst>
+                  <p:par>
+                    <p:cTn id="3" fill="hold">
+                      <p:stCondLst>
+                        <p:cond delay="indefinite"/>
+                      </p:stCondLst>
+                      <p:childTnLst>
+                        <p:par>
+                          <p:cTn id="4" fill="hold">
+                            <p:stCondLst>
+                              <p:cond delay="0"/>
+                            </p:stCondLst>
+                            <p:childTnLst>
+                              <p:par>
+                                <p:cTn id="5" presetID="1" presetClass="entr" presetSubtype="0" fill="hold" nodeType="clickEffect">
+                                  <p:stCondLst>
+                                    <p:cond delay="0"/>
+                                  </p:stCondLst>
+                                  <p:childTnLst>
+                                    <p:set>
+                                      <p:cBhvr>
+                                        <p:cTn id="6" dur="1" fill="hold">
+                                          <p:stCondLst>
+                                            <p:cond delay="0"/>
+                                          </p:stCondLst>
+                                        </p:cTn>
+                                        <p:tgtEl>
+                                          <p:spTgt spid="3">
+                                            <p:txEl>
+                                              <p:pRg st="2" end="2"/>
+                                            </p:txEl>
+                                          </p:spTgt>
+                                        </p:tgtEl>
+                                        <p:attrNameLst>
+                                          <p:attrName>style.visibility</p:attrName>
+                                        </p:attrNameLst>
+                                      </p:cBhvr>
+                                      <p:to>
+                                        <p:strVal val="visible"/>
+                                      </p:to>
+                                    </p:set>
+                                  </p:childTnLst>
+                                </p:cTn>
+                              </p:par>
+                              <p:par>
+                                <p:cTn id="7" presetID="1" presetClass="entr" presetSubtype="0" fill="hold" nodeType="withEffect">
+                                  <p:stCondLst>
+                                    <p:cond delay="0"/>
+                                  </p:stCondLst>
+                                  <p:childTnLst>
+                                    <p:set>
+                                      <p:cBhvr>
+                                        <p:cTn id="8" dur="1" fill="hold">
+                                          <p:stCondLst>
+                                            <p:cond delay="0"/>
+                                          </p:stCondLst>
+                                        </p:cTn>
+                                        <p:tgtEl>
+                                          <p:spTgt spid="3">
+                                            <p:txEl>
+                                              <p:pRg st="3" end="3"/>
+                                            </p:txEl>
+                                          </p:spTgt>
+                                        </p:tgtEl>
+                                        <p:attrNameLst>
+                                          <p:attrName>style.visibility</p:attrName>
+                                        </p:attrNameLst>
+                                      </p:cBhvr>
+                                      <p:to>
+                                        <p:strVal val="visible"/>
+                                      </p:to>
+                                    </p:set>
+                                  </p:childTnLst>
+                                </p:cTn>
+                              </p:par>
+                              <p:par>
+                                <p:cTn id="9" presetID="1" presetClass="entr" presetSubtype="0" fill="hold" nodeType="withEffect">
+                                  <p:stCondLst>
+                                    <p:cond delay="0"/>
+                                  </p:stCondLst>
+                                  <p:childTnLst>
+                                    <p:set>
+                                      <p:cBhvr>
+                                        <p:cTn id="10" dur="1" fill="hold">
+                                          <p:stCondLst>
+                                            <p:cond delay="0"/>
+                                          </p:stCondLst>
+                                        </p:cTn>
+                                        <p:tgtEl>
+                                          <p:spTgt spid="3">
+                                            <p:txEl>
+                                              <p:pRg st="4" end="4"/>
+                                            </p:txEl>
+                                          </p:spTgt>
+                                        </p:tgtEl>
+                                        <p:attrNameLst>
+                                          <p:attrName>style.visibility</p:attrName>
+                                        </p:attrNameLst>
+                                      </p:cBhvr>
+                                      <p:to>
+                                        <p:strVal val="visible"/>
+                                      </p:to>
+                                    </p:set>
+                                  </p:childTnLst>
+                                </p:cTn>
+                              </p:par>
+                            </p:childTnLst>
+                          </p:cTn>
+                        </p:par>
+                      </p:childTnLst>
+                    </p:cTn>
+                  </p:par>
+                  <p:par>
+                    <p:cTn id="11" fill="hold">
+                      <p:stCondLst>
+                        <p:cond delay="indefinite"/>
+                      </p:stCondLst>
+                      <p:childTnLst>
+                        <p:par>
+                          <p:cTn id="12" fill="hold">
+                            <p:stCondLst>
+                              <p:cond delay="0"/>
+                            </p:stCondLst>
+                            <p:childTnLst>
+                              <p:par>
+                                <p:cTn id="13" presetID="1" presetClass="entr" presetSubtype="0" fill="hold" nodeType="clickEffect">
+                                  <p:stCondLst>
+                                    <p:cond delay="0"/>
+                                  </p:stCondLst>
+                                  <p:childTnLst>
+                                    <p:set>
+                                      <p:cBhvr>
+                                        <p:cTn id="14" dur="1" fill="hold">
+                                          <p:stCondLst>
+                                            <p:cond delay="0"/>
+                                          </p:stCondLst>
+                                        </p:cTn>
+                                        <p:tgtEl>
+                                          <p:spTgt spid="3">
+                                            <p:txEl>
+                                              <p:pRg st="6" end="6"/>
+                                            </p:txEl>
+                                          </p:spTgt>
+                                        </p:tgtEl>
+                                        <p:attrNameLst>
+                                          <p:attrName>style.visibility</p:attrName>
+                                        </p:attrNameLst>
+                                      </p:cBhvr>
+                                      <p:to>
+                                        <p:strVal val="visible"/>
+                                      </p:to>
+                                    </p:set>
+                                  </p:childTnLst>
+                                </p:cTn>
+                              </p:par>
+                            </p:childTnLst>
+                          </p:cTn>
+                        </p:par>
+                      </p:childTnLst>
+                    </p:cTn>
+                  </p:par>
+                </p:childTnLst>
+              </p:cTn>
+              <p:prevCondLst>
+                <p:cond evt="onPrev" delay="0">
+                  <p:tgtEl>
+                    <p:sldTgt/>
+                  </p:tgtEl>
+                </p:cond>
+              </p:prevCondLst>
+              <p:nextCondLst>
+                <p:cond evt="onNext" delay="0">
+                  <p:tgtEl>
+                    <p:sldTgt/>
+                  </p:tgtEl>
+                </p:cond>
+              </p:nextCondLst>
+            </p:seq>
+          </p:childTnLst>
+        </p:cTn>
+      </p:par>
+    </p:tnLst>
+  </p:timing>
 </p:sld>
 </file>
 
@@ -5334,7 +8152,7 @@
             <a:pPr algn="ctr"/>
             <a:r>
               <a:rPr lang="en-US" sz="6600" dirty="0"/>
-              <a:t>Statistics</a:t>
+              <a:t>Predictors</a:t>
             </a:r>
             <a:endParaRPr lang="en-US" dirty="0"/>
           </a:p>
@@ -5404,7 +8222,7 @@
             <a:pPr lvl="2"/>
             <a:r>
               <a:rPr lang="en-US" dirty="0"/>
-              <a:t>Take in to account league average and ball park factors</a:t>
+              <a:t>Takes in to account league average and ball park factors</a:t>
             </a:r>
           </a:p>
           <a:p>
@@ -5446,7 +8264,7 @@
             <a:pPr lvl="2"/>
             <a:r>
               <a:rPr lang="en-US" dirty="0"/>
-              <a:t>The amount of runs created to hits, walks, stolen bases, and others stats</a:t>
+              <a:t>The amount of runs created using hits, walks, stolen bases, and other stats</a:t>
             </a:r>
           </a:p>
         </p:txBody>
@@ -5505,7 +8323,7 @@
             <a:pPr algn="ctr"/>
             <a:r>
               <a:rPr lang="en-US" sz="6600" dirty="0"/>
-              <a:t>Statistics</a:t>
+              <a:t>Predictors</a:t>
             </a:r>
             <a:endParaRPr lang="en-US" dirty="0"/>
           </a:p>
@@ -5569,7 +8387,7 @@
             <a:pPr lvl="2"/>
             <a:r>
               <a:rPr lang="en-US" dirty="0"/>
-              <a:t>Uses ERA but take out balls that are hit into play</a:t>
+              <a:t>Uses ERA but takes out balls that are hit into play</a:t>
             </a:r>
           </a:p>
           <a:p>
@@ -5585,6 +8403,12 @@
               <a:rPr lang="en-US" dirty="0"/>
               <a:t>Walks Hits per Innings Pitched</a:t>
             </a:r>
+          </a:p>
+          <a:p>
+            <a:pPr marL="457200" lvl="1" indent="0">
+              <a:buNone/>
+            </a:pPr>
+            <a:endParaRPr lang="en-US" dirty="0"/>
           </a:p>
           <a:p>
             <a:pPr marL="457200" lvl="1" indent="0">
@@ -5629,7 +8453,7 @@
           <p:cNvPr id="2" name="Title 1">
             <a:extLst>
               <a:ext uri="{FF2B5EF4-FFF2-40B4-BE49-F238E27FC236}">
-                <a16:creationId xmlns:a16="http://schemas.microsoft.com/office/drawing/2014/main" id="{FBC7A92A-B76B-4B8C-AD0D-9DE976111F38}"/>
+                <a16:creationId xmlns:a16="http://schemas.microsoft.com/office/drawing/2014/main" id="{B8A5E178-560E-4B7B-A25D-58E7A6E9AA38}"/>
               </a:ext>
             </a:extLst>
           </p:cNvPr>
@@ -5648,23 +8472,7 @@
             <a:pPr algn="ctr"/>
             <a:r>
               <a:rPr lang="en-US" sz="6600" dirty="0"/>
-              <a:t>Packages</a:t>
-            </a:r>
-            <a:r>
-              <a:rPr lang="en-US" dirty="0"/>
-              <a:t> </a:t>
-            </a:r>
-            <a:r>
-              <a:rPr lang="en-US" sz="6600" dirty="0"/>
-              <a:t>and</a:t>
-            </a:r>
-            <a:r>
-              <a:rPr lang="en-US" dirty="0"/>
-              <a:t> </a:t>
-            </a:r>
-            <a:r>
-              <a:rPr lang="en-US" sz="6600" dirty="0"/>
-              <a:t>Functions</a:t>
+              <a:t>Response</a:t>
             </a:r>
             <a:endParaRPr lang="en-US" dirty="0"/>
           </a:p>
@@ -5675,168 +8483,738 @@
           <p:cNvPr id="3" name="Content Placeholder 2">
             <a:extLst>
               <a:ext uri="{FF2B5EF4-FFF2-40B4-BE49-F238E27FC236}">
-                <a16:creationId xmlns:a16="http://schemas.microsoft.com/office/drawing/2014/main" id="{8777420B-E199-441F-BFB6-BAA96246E271}"/>
-              </a:ext>
-            </a:extLst>
-          </p:cNvPr>
-          <p:cNvSpPr>
-            <a:spLocks noGrp="1"/>
-          </p:cNvSpPr>
-          <p:nvPr>
-            <p:ph sz="half" idx="1"/>
-          </p:nvPr>
-        </p:nvSpPr>
-        <p:spPr/>
+                <a16:creationId xmlns:a16="http://schemas.microsoft.com/office/drawing/2014/main" id="{CFB16018-CE81-452C-B990-F60E80EBFCBC}"/>
+              </a:ext>
+            </a:extLst>
+          </p:cNvPr>
+          <p:cNvSpPr>
+            <a:spLocks noGrp="1"/>
+          </p:cNvSpPr>
+          <p:nvPr>
+            <p:ph idx="1"/>
+          </p:nvPr>
+        </p:nvSpPr>
+        <p:spPr>
+          <a:xfrm>
+            <a:off x="838200" y="1825625"/>
+            <a:ext cx="10515600" cy="4616206"/>
+          </a:xfrm>
+        </p:spPr>
         <p:txBody>
           <a:bodyPr>
-            <a:normAutofit/>
+            <a:normAutofit fontScale="85000" lnSpcReduction="20000"/>
           </a:bodyPr>
           <a:lstStyle/>
           <a:p>
             <a:r>
               <a:rPr lang="en-US" dirty="0"/>
-              <a:t>Packages </a:t>
+              <a:t>Outcome of arbitration was coded as 1, 2, or 3</a:t>
             </a:r>
           </a:p>
           <a:p>
             <a:pPr lvl="1"/>
             <a:r>
-              <a:rPr lang="en-US" dirty="0" err="1"/>
-              <a:t>dplyr</a:t>
-            </a:r>
-            <a:endParaRPr lang="en-US" dirty="0"/>
+              <a:rPr lang="en-US" dirty="0"/>
+              <a:t>Player side</a:t>
+            </a:r>
           </a:p>
           <a:p>
             <a:pPr lvl="2"/>
             <a:r>
               <a:rPr lang="en-US" dirty="0"/>
-              <a:t>Joining of different data tables</a:t>
+              <a:t>Player Amount = $1.550M  </a:t>
             </a:r>
           </a:p>
           <a:p>
             <a:pPr lvl="2"/>
             <a:r>
               <a:rPr lang="en-US" dirty="0"/>
-              <a:t>Select and editing data that is needed</a:t>
+              <a:t>Team Amount = $1.150M</a:t>
+            </a:r>
+          </a:p>
+          <a:p>
+            <a:pPr lvl="2"/>
+            <a:r>
+              <a:rPr lang="en-US" dirty="0"/>
+              <a:t>Midpoint = $1.350M</a:t>
+            </a:r>
+          </a:p>
+          <a:p>
+            <a:pPr lvl="2"/>
+            <a:r>
+              <a:rPr lang="en-US" dirty="0"/>
+              <a:t> Settled Amount = $1.40M</a:t>
+            </a:r>
+          </a:p>
+          <a:p>
+            <a:pPr lvl="2"/>
+            <a:r>
+              <a:rPr lang="en-US" dirty="0"/>
+              <a:t>Outcome = 1</a:t>
             </a:r>
           </a:p>
           <a:p>
             <a:pPr lvl="1"/>
             <a:r>
               <a:rPr lang="en-US" dirty="0"/>
-              <a:t>Stack</a:t>
+              <a:t>Midpoint</a:t>
             </a:r>
           </a:p>
           <a:p>
             <a:pPr lvl="2"/>
             <a:r>
               <a:rPr lang="en-US" dirty="0"/>
-              <a:t>Stacks data sets</a:t>
+              <a:t>Midpoint = $4.300M</a:t>
+            </a:r>
+          </a:p>
+          <a:p>
+            <a:pPr lvl="2"/>
+            <a:r>
+              <a:rPr lang="en-US" dirty="0"/>
+              <a:t>Settled Amount = $4.300M</a:t>
+            </a:r>
+          </a:p>
+          <a:p>
+            <a:pPr lvl="2"/>
+            <a:r>
+              <a:rPr lang="en-US" dirty="0"/>
+              <a:t>Outcome = 2</a:t>
             </a:r>
           </a:p>
           <a:p>
             <a:pPr lvl="1"/>
             <a:r>
               <a:rPr lang="en-US" dirty="0"/>
-              <a:t>caret</a:t>
+              <a:t>Team side</a:t>
             </a:r>
           </a:p>
           <a:p>
             <a:pPr lvl="2"/>
             <a:r>
               <a:rPr lang="en-US" dirty="0"/>
-              <a:t>Found transformation using </a:t>
-            </a:r>
-            <a:r>
-              <a:rPr lang="en-US" dirty="0" err="1"/>
-              <a:t>BoxCox</a:t>
-            </a:r>
-            <a:r>
-              <a:rPr lang="en-US" dirty="0"/>
-              <a:t> </a:t>
-            </a:r>
-          </a:p>
-          <a:p>
-            <a:pPr lvl="1"/>
-            <a:r>
-              <a:rPr lang="en-US" dirty="0" err="1"/>
-              <a:t>nnet</a:t>
-            </a:r>
-            <a:endParaRPr lang="en-US" dirty="0"/>
+              <a:t>Player Amount = $4.875M</a:t>
+            </a:r>
           </a:p>
           <a:p>
             <a:pPr lvl="2"/>
             <a:r>
               <a:rPr lang="en-US" dirty="0"/>
-              <a:t>Needed to run Neural Network</a:t>
-            </a:r>
-          </a:p>
-        </p:txBody>
-      </p:sp>
-      <p:sp>
-        <p:nvSpPr>
-          <p:cNvPr id="4" name="Content Placeholder 3">
-            <a:extLst>
-              <a:ext uri="{FF2B5EF4-FFF2-40B4-BE49-F238E27FC236}">
-                <a16:creationId xmlns:a16="http://schemas.microsoft.com/office/drawing/2014/main" id="{C7749AFC-1276-400F-9DE9-0F5412EC7A42}"/>
-              </a:ext>
-            </a:extLst>
-          </p:cNvPr>
-          <p:cNvSpPr>
-            <a:spLocks noGrp="1"/>
-          </p:cNvSpPr>
-          <p:nvPr>
-            <p:ph sz="half" idx="2"/>
-          </p:nvPr>
-        </p:nvSpPr>
-        <p:spPr/>
-        <p:txBody>
-          <a:bodyPr>
-            <a:normAutofit/>
-          </a:bodyPr>
-          <a:lstStyle/>
-          <a:p>
-            <a:r>
-              <a:rPr lang="en-US" dirty="0"/>
-              <a:t>Functions</a:t>
-            </a:r>
-          </a:p>
-          <a:p>
-            <a:pPr lvl="1"/>
-            <a:r>
-              <a:rPr lang="en-US" dirty="0"/>
-              <a:t>Clean</a:t>
+              <a:t>Team Amount = $3.500M</a:t>
             </a:r>
           </a:p>
           <a:p>
             <a:pPr lvl="2"/>
             <a:r>
               <a:rPr lang="en-US" dirty="0"/>
-              <a:t>Used to clean the arbitration </a:t>
+              <a:t>Settled Amount = $4.000M</a:t>
             </a:r>
           </a:p>
           <a:p>
             <a:pPr lvl="2"/>
             <a:r>
               <a:rPr lang="en-US" dirty="0"/>
-              <a:t>Need to uses encoding UTF-8</a:t>
-            </a:r>
-          </a:p>
-          <a:p>
-            <a:endParaRPr lang="en-US" dirty="0"/>
+              <a:t>Midpoint = $4.188M</a:t>
+            </a:r>
+          </a:p>
+          <a:p>
+            <a:pPr lvl="2"/>
+            <a:r>
+              <a:rPr lang="en-US" dirty="0"/>
+              <a:t>Outcome = 3</a:t>
+            </a:r>
           </a:p>
         </p:txBody>
       </p:sp>
     </p:spTree>
     <p:extLst>
       <p:ext uri="{BB962C8B-B14F-4D97-AF65-F5344CB8AC3E}">
-        <p14:creationId xmlns:p14="http://schemas.microsoft.com/office/powerpoint/2010/main" val="4015746130"/>
+        <p14:creationId xmlns:p14="http://schemas.microsoft.com/office/powerpoint/2010/main" val="2976282693"/>
       </p:ext>
     </p:extLst>
   </p:cSld>
   <p:clrMapOvr>
     <a:masterClrMapping/>
   </p:clrMapOvr>
+  <p:timing>
+    <p:tnLst>
+      <p:par>
+        <p:cTn id="1" dur="indefinite" restart="never" nodeType="tmRoot">
+          <p:childTnLst>
+            <p:seq concurrent="1" nextAc="seek">
+              <p:cTn id="2" dur="indefinite" nodeType="mainSeq">
+                <p:childTnLst>
+                  <p:par>
+                    <p:cTn id="3" fill="hold">
+                      <p:stCondLst>
+                        <p:cond delay="indefinite"/>
+                      </p:stCondLst>
+                      <p:childTnLst>
+                        <p:par>
+                          <p:cTn id="4" fill="hold">
+                            <p:stCondLst>
+                              <p:cond delay="0"/>
+                            </p:stCondLst>
+                            <p:childTnLst>
+                              <p:par>
+                                <p:cTn id="5" presetID="1" presetClass="entr" presetSubtype="0" fill="hold" nodeType="clickEffect">
+                                  <p:stCondLst>
+                                    <p:cond delay="0"/>
+                                  </p:stCondLst>
+                                  <p:childTnLst>
+                                    <p:set>
+                                      <p:cBhvr>
+                                        <p:cTn id="6" dur="1" fill="hold">
+                                          <p:stCondLst>
+                                            <p:cond delay="0"/>
+                                          </p:stCondLst>
+                                        </p:cTn>
+                                        <p:tgtEl>
+                                          <p:spTgt spid="3">
+                                            <p:txEl>
+                                              <p:pRg st="1" end="1"/>
+                                            </p:txEl>
+                                          </p:spTgt>
+                                        </p:tgtEl>
+                                        <p:attrNameLst>
+                                          <p:attrName>style.visibility</p:attrName>
+                                        </p:attrNameLst>
+                                      </p:cBhvr>
+                                      <p:to>
+                                        <p:strVal val="visible"/>
+                                      </p:to>
+                                    </p:set>
+                                  </p:childTnLst>
+                                </p:cTn>
+                              </p:par>
+                              <p:par>
+                                <p:cTn id="7" presetID="1" presetClass="entr" presetSubtype="0" fill="hold" nodeType="withEffect">
+                                  <p:stCondLst>
+                                    <p:cond delay="0"/>
+                                  </p:stCondLst>
+                                  <p:childTnLst>
+                                    <p:set>
+                                      <p:cBhvr>
+                                        <p:cTn id="8" dur="1" fill="hold">
+                                          <p:stCondLst>
+                                            <p:cond delay="0"/>
+                                          </p:stCondLst>
+                                        </p:cTn>
+                                        <p:tgtEl>
+                                          <p:spTgt spid="3">
+                                            <p:txEl>
+                                              <p:pRg st="2" end="2"/>
+                                            </p:txEl>
+                                          </p:spTgt>
+                                        </p:tgtEl>
+                                        <p:attrNameLst>
+                                          <p:attrName>style.visibility</p:attrName>
+                                        </p:attrNameLst>
+                                      </p:cBhvr>
+                                      <p:to>
+                                        <p:strVal val="visible"/>
+                                      </p:to>
+                                    </p:set>
+                                  </p:childTnLst>
+                                </p:cTn>
+                              </p:par>
+                              <p:par>
+                                <p:cTn id="9" presetID="1" presetClass="entr" presetSubtype="0" fill="hold" nodeType="withEffect">
+                                  <p:stCondLst>
+                                    <p:cond delay="0"/>
+                                  </p:stCondLst>
+                                  <p:childTnLst>
+                                    <p:set>
+                                      <p:cBhvr>
+                                        <p:cTn id="10" dur="1" fill="hold">
+                                          <p:stCondLst>
+                                            <p:cond delay="0"/>
+                                          </p:stCondLst>
+                                        </p:cTn>
+                                        <p:tgtEl>
+                                          <p:spTgt spid="3">
+                                            <p:txEl>
+                                              <p:pRg st="3" end="3"/>
+                                            </p:txEl>
+                                          </p:spTgt>
+                                        </p:tgtEl>
+                                        <p:attrNameLst>
+                                          <p:attrName>style.visibility</p:attrName>
+                                        </p:attrNameLst>
+                                      </p:cBhvr>
+                                      <p:to>
+                                        <p:strVal val="visible"/>
+                                      </p:to>
+                                    </p:set>
+                                  </p:childTnLst>
+                                </p:cTn>
+                              </p:par>
+                              <p:par>
+                                <p:cTn id="11" presetID="1" presetClass="entr" presetSubtype="0" fill="hold" nodeType="withEffect">
+                                  <p:stCondLst>
+                                    <p:cond delay="0"/>
+                                  </p:stCondLst>
+                                  <p:childTnLst>
+                                    <p:set>
+                                      <p:cBhvr>
+                                        <p:cTn id="12" dur="1" fill="hold">
+                                          <p:stCondLst>
+                                            <p:cond delay="0"/>
+                                          </p:stCondLst>
+                                        </p:cTn>
+                                        <p:tgtEl>
+                                          <p:spTgt spid="3">
+                                            <p:txEl>
+                                              <p:pRg st="4" end="4"/>
+                                            </p:txEl>
+                                          </p:spTgt>
+                                        </p:tgtEl>
+                                        <p:attrNameLst>
+                                          <p:attrName>style.visibility</p:attrName>
+                                        </p:attrNameLst>
+                                      </p:cBhvr>
+                                      <p:to>
+                                        <p:strVal val="visible"/>
+                                      </p:to>
+                                    </p:set>
+                                  </p:childTnLst>
+                                </p:cTn>
+                              </p:par>
+                              <p:par>
+                                <p:cTn id="13" presetID="1" presetClass="entr" presetSubtype="0" fill="hold" nodeType="withEffect">
+                                  <p:stCondLst>
+                                    <p:cond delay="0"/>
+                                  </p:stCondLst>
+                                  <p:childTnLst>
+                                    <p:set>
+                                      <p:cBhvr>
+                                        <p:cTn id="14" dur="1" fill="hold">
+                                          <p:stCondLst>
+                                            <p:cond delay="0"/>
+                                          </p:stCondLst>
+                                        </p:cTn>
+                                        <p:tgtEl>
+                                          <p:spTgt spid="3">
+                                            <p:txEl>
+                                              <p:pRg st="5" end="5"/>
+                                            </p:txEl>
+                                          </p:spTgt>
+                                        </p:tgtEl>
+                                        <p:attrNameLst>
+                                          <p:attrName>style.visibility</p:attrName>
+                                        </p:attrNameLst>
+                                      </p:cBhvr>
+                                      <p:to>
+                                        <p:strVal val="visible"/>
+                                      </p:to>
+                                    </p:set>
+                                  </p:childTnLst>
+                                </p:cTn>
+                              </p:par>
+                              <p:par>
+                                <p:cTn id="15" presetID="1" presetClass="entr" presetSubtype="0" fill="hold" nodeType="withEffect">
+                                  <p:stCondLst>
+                                    <p:cond delay="0"/>
+                                  </p:stCondLst>
+                                  <p:childTnLst>
+                                    <p:set>
+                                      <p:cBhvr>
+                                        <p:cTn id="16" dur="1" fill="hold">
+                                          <p:stCondLst>
+                                            <p:cond delay="0"/>
+                                          </p:stCondLst>
+                                        </p:cTn>
+                                        <p:tgtEl>
+                                          <p:spTgt spid="3">
+                                            <p:txEl>
+                                              <p:pRg st="6" end="6"/>
+                                            </p:txEl>
+                                          </p:spTgt>
+                                        </p:tgtEl>
+                                        <p:attrNameLst>
+                                          <p:attrName>style.visibility</p:attrName>
+                                        </p:attrNameLst>
+                                      </p:cBhvr>
+                                      <p:to>
+                                        <p:strVal val="visible"/>
+                                      </p:to>
+                                    </p:set>
+                                  </p:childTnLst>
+                                </p:cTn>
+                              </p:par>
+                            </p:childTnLst>
+                          </p:cTn>
+                        </p:par>
+                      </p:childTnLst>
+                    </p:cTn>
+                  </p:par>
+                  <p:par>
+                    <p:cTn id="17" fill="hold">
+                      <p:stCondLst>
+                        <p:cond delay="indefinite"/>
+                      </p:stCondLst>
+                      <p:childTnLst>
+                        <p:par>
+                          <p:cTn id="18" fill="hold">
+                            <p:stCondLst>
+                              <p:cond delay="0"/>
+                            </p:stCondLst>
+                            <p:childTnLst>
+                              <p:par>
+                                <p:cTn id="19" presetID="1" presetClass="entr" presetSubtype="0" fill="hold" nodeType="clickEffect">
+                                  <p:stCondLst>
+                                    <p:cond delay="0"/>
+                                  </p:stCondLst>
+                                  <p:childTnLst>
+                                    <p:set>
+                                      <p:cBhvr>
+                                        <p:cTn id="20" dur="1" fill="hold">
+                                          <p:stCondLst>
+                                            <p:cond delay="0"/>
+                                          </p:stCondLst>
+                                        </p:cTn>
+                                        <p:tgtEl>
+                                          <p:spTgt spid="3">
+                                            <p:txEl>
+                                              <p:pRg st="7" end="7"/>
+                                            </p:txEl>
+                                          </p:spTgt>
+                                        </p:tgtEl>
+                                        <p:attrNameLst>
+                                          <p:attrName>style.visibility</p:attrName>
+                                        </p:attrNameLst>
+                                      </p:cBhvr>
+                                      <p:to>
+                                        <p:strVal val="visible"/>
+                                      </p:to>
+                                    </p:set>
+                                  </p:childTnLst>
+                                </p:cTn>
+                              </p:par>
+                              <p:par>
+                                <p:cTn id="21" presetID="1" presetClass="entr" presetSubtype="0" fill="hold" nodeType="withEffect">
+                                  <p:stCondLst>
+                                    <p:cond delay="0"/>
+                                  </p:stCondLst>
+                                  <p:childTnLst>
+                                    <p:set>
+                                      <p:cBhvr>
+                                        <p:cTn id="22" dur="1" fill="hold">
+                                          <p:stCondLst>
+                                            <p:cond delay="0"/>
+                                          </p:stCondLst>
+                                        </p:cTn>
+                                        <p:tgtEl>
+                                          <p:spTgt spid="3">
+                                            <p:txEl>
+                                              <p:pRg st="8" end="8"/>
+                                            </p:txEl>
+                                          </p:spTgt>
+                                        </p:tgtEl>
+                                        <p:attrNameLst>
+                                          <p:attrName>style.visibility</p:attrName>
+                                        </p:attrNameLst>
+                                      </p:cBhvr>
+                                      <p:to>
+                                        <p:strVal val="visible"/>
+                                      </p:to>
+                                    </p:set>
+                                  </p:childTnLst>
+                                </p:cTn>
+                              </p:par>
+                              <p:par>
+                                <p:cTn id="23" presetID="1" presetClass="entr" presetSubtype="0" fill="hold" nodeType="withEffect">
+                                  <p:stCondLst>
+                                    <p:cond delay="0"/>
+                                  </p:stCondLst>
+                                  <p:childTnLst>
+                                    <p:set>
+                                      <p:cBhvr>
+                                        <p:cTn id="24" dur="1" fill="hold">
+                                          <p:stCondLst>
+                                            <p:cond delay="0"/>
+                                          </p:stCondLst>
+                                        </p:cTn>
+                                        <p:tgtEl>
+                                          <p:spTgt spid="3">
+                                            <p:txEl>
+                                              <p:pRg st="9" end="9"/>
+                                            </p:txEl>
+                                          </p:spTgt>
+                                        </p:tgtEl>
+                                        <p:attrNameLst>
+                                          <p:attrName>style.visibility</p:attrName>
+                                        </p:attrNameLst>
+                                      </p:cBhvr>
+                                      <p:to>
+                                        <p:strVal val="visible"/>
+                                      </p:to>
+                                    </p:set>
+                                  </p:childTnLst>
+                                </p:cTn>
+                              </p:par>
+                              <p:par>
+                                <p:cTn id="25" presetID="1" presetClass="entr" presetSubtype="0" fill="hold" nodeType="withEffect">
+                                  <p:stCondLst>
+                                    <p:cond delay="0"/>
+                                  </p:stCondLst>
+                                  <p:childTnLst>
+                                    <p:set>
+                                      <p:cBhvr>
+                                        <p:cTn id="26" dur="1" fill="hold">
+                                          <p:stCondLst>
+                                            <p:cond delay="0"/>
+                                          </p:stCondLst>
+                                        </p:cTn>
+                                        <p:tgtEl>
+                                          <p:spTgt spid="3">
+                                            <p:txEl>
+                                              <p:pRg st="10" end="10"/>
+                                            </p:txEl>
+                                          </p:spTgt>
+                                        </p:tgtEl>
+                                        <p:attrNameLst>
+                                          <p:attrName>style.visibility</p:attrName>
+                                        </p:attrNameLst>
+                                      </p:cBhvr>
+                                      <p:to>
+                                        <p:strVal val="visible"/>
+                                      </p:to>
+                                    </p:set>
+                                  </p:childTnLst>
+                                </p:cTn>
+                              </p:par>
+                            </p:childTnLst>
+                          </p:cTn>
+                        </p:par>
+                      </p:childTnLst>
+                    </p:cTn>
+                  </p:par>
+                  <p:par>
+                    <p:cTn id="27" fill="hold">
+                      <p:stCondLst>
+                        <p:cond delay="indefinite"/>
+                      </p:stCondLst>
+                      <p:childTnLst>
+                        <p:par>
+                          <p:cTn id="28" fill="hold">
+                            <p:stCondLst>
+                              <p:cond delay="0"/>
+                            </p:stCondLst>
+                            <p:childTnLst>
+                              <p:par>
+                                <p:cTn id="29" presetID="1" presetClass="entr" presetSubtype="0" fill="hold" nodeType="clickEffect">
+                                  <p:stCondLst>
+                                    <p:cond delay="0"/>
+                                  </p:stCondLst>
+                                  <p:childTnLst>
+                                    <p:set>
+                                      <p:cBhvr>
+                                        <p:cTn id="30" dur="1" fill="hold">
+                                          <p:stCondLst>
+                                            <p:cond delay="0"/>
+                                          </p:stCondLst>
+                                        </p:cTn>
+                                        <p:tgtEl>
+                                          <p:spTgt spid="3">
+                                            <p:txEl>
+                                              <p:pRg st="11" end="11"/>
+                                            </p:txEl>
+                                          </p:spTgt>
+                                        </p:tgtEl>
+                                        <p:attrNameLst>
+                                          <p:attrName>style.visibility</p:attrName>
+                                        </p:attrNameLst>
+                                      </p:cBhvr>
+                                      <p:to>
+                                        <p:strVal val="visible"/>
+                                      </p:to>
+                                    </p:set>
+                                  </p:childTnLst>
+                                </p:cTn>
+                              </p:par>
+                              <p:par>
+                                <p:cTn id="31" presetID="1" presetClass="entr" presetSubtype="0" fill="hold" nodeType="withEffect">
+                                  <p:stCondLst>
+                                    <p:cond delay="0"/>
+                                  </p:stCondLst>
+                                  <p:childTnLst>
+                                    <p:set>
+                                      <p:cBhvr>
+                                        <p:cTn id="32" dur="1" fill="hold">
+                                          <p:stCondLst>
+                                            <p:cond delay="0"/>
+                                          </p:stCondLst>
+                                        </p:cTn>
+                                        <p:tgtEl>
+                                          <p:spTgt spid="3">
+                                            <p:txEl>
+                                              <p:pRg st="12" end="12"/>
+                                            </p:txEl>
+                                          </p:spTgt>
+                                        </p:tgtEl>
+                                        <p:attrNameLst>
+                                          <p:attrName>style.visibility</p:attrName>
+                                        </p:attrNameLst>
+                                      </p:cBhvr>
+                                      <p:to>
+                                        <p:strVal val="visible"/>
+                                      </p:to>
+                                    </p:set>
+                                  </p:childTnLst>
+                                </p:cTn>
+                              </p:par>
+                              <p:par>
+                                <p:cTn id="33" presetID="1" presetClass="entr" presetSubtype="0" fill="hold" nodeType="withEffect">
+                                  <p:stCondLst>
+                                    <p:cond delay="0"/>
+                                  </p:stCondLst>
+                                  <p:childTnLst>
+                                    <p:set>
+                                      <p:cBhvr>
+                                        <p:cTn id="34" dur="1" fill="hold">
+                                          <p:stCondLst>
+                                            <p:cond delay="0"/>
+                                          </p:stCondLst>
+                                        </p:cTn>
+                                        <p:tgtEl>
+                                          <p:spTgt spid="3">
+                                            <p:txEl>
+                                              <p:pRg st="13" end="13"/>
+                                            </p:txEl>
+                                          </p:spTgt>
+                                        </p:tgtEl>
+                                        <p:attrNameLst>
+                                          <p:attrName>style.visibility</p:attrName>
+                                        </p:attrNameLst>
+                                      </p:cBhvr>
+                                      <p:to>
+                                        <p:strVal val="visible"/>
+                                      </p:to>
+                                    </p:set>
+                                  </p:childTnLst>
+                                </p:cTn>
+                              </p:par>
+                              <p:par>
+                                <p:cTn id="35" presetID="1" presetClass="entr" presetSubtype="0" fill="hold" nodeType="withEffect">
+                                  <p:stCondLst>
+                                    <p:cond delay="0"/>
+                                  </p:stCondLst>
+                                  <p:childTnLst>
+                                    <p:set>
+                                      <p:cBhvr>
+                                        <p:cTn id="36" dur="1" fill="hold">
+                                          <p:stCondLst>
+                                            <p:cond delay="0"/>
+                                          </p:stCondLst>
+                                        </p:cTn>
+                                        <p:tgtEl>
+                                          <p:spTgt spid="3">
+                                            <p:txEl>
+                                              <p:pRg st="14" end="14"/>
+                                            </p:txEl>
+                                          </p:spTgt>
+                                        </p:tgtEl>
+                                        <p:attrNameLst>
+                                          <p:attrName>style.visibility</p:attrName>
+                                        </p:attrNameLst>
+                                      </p:cBhvr>
+                                      <p:to>
+                                        <p:strVal val="visible"/>
+                                      </p:to>
+                                    </p:set>
+                                  </p:childTnLst>
+                                </p:cTn>
+                              </p:par>
+                              <p:par>
+                                <p:cTn id="37" presetID="1" presetClass="entr" presetSubtype="0" fill="hold" nodeType="withEffect">
+                                  <p:stCondLst>
+                                    <p:cond delay="0"/>
+                                  </p:stCondLst>
+                                  <p:childTnLst>
+                                    <p:set>
+                                      <p:cBhvr>
+                                        <p:cTn id="38" dur="1" fill="hold">
+                                          <p:stCondLst>
+                                            <p:cond delay="0"/>
+                                          </p:stCondLst>
+                                        </p:cTn>
+                                        <p:tgtEl>
+                                          <p:spTgt spid="3">
+                                            <p:txEl>
+                                              <p:pRg st="15" end="15"/>
+                                            </p:txEl>
+                                          </p:spTgt>
+                                        </p:tgtEl>
+                                        <p:attrNameLst>
+                                          <p:attrName>style.visibility</p:attrName>
+                                        </p:attrNameLst>
+                                      </p:cBhvr>
+                                      <p:to>
+                                        <p:strVal val="visible"/>
+                                      </p:to>
+                                    </p:set>
+                                  </p:childTnLst>
+                                </p:cTn>
+                              </p:par>
+                              <p:par>
+                                <p:cTn id="39" presetID="1" presetClass="entr" presetSubtype="0" fill="hold" nodeType="withEffect">
+                                  <p:stCondLst>
+                                    <p:cond delay="0"/>
+                                  </p:stCondLst>
+                                  <p:childTnLst>
+                                    <p:set>
+                                      <p:cBhvr>
+                                        <p:cTn id="40" dur="1" fill="hold">
+                                          <p:stCondLst>
+                                            <p:cond delay="0"/>
+                                          </p:stCondLst>
+                                        </p:cTn>
+                                        <p:tgtEl>
+                                          <p:spTgt spid="3">
+                                            <p:txEl>
+                                              <p:pRg st="16" end="16"/>
+                                            </p:txEl>
+                                          </p:spTgt>
+                                        </p:tgtEl>
+                                        <p:attrNameLst>
+                                          <p:attrName>style.visibility</p:attrName>
+                                        </p:attrNameLst>
+                                      </p:cBhvr>
+                                      <p:to>
+                                        <p:strVal val="visible"/>
+                                      </p:to>
+                                    </p:set>
+                                  </p:childTnLst>
+                                </p:cTn>
+                              </p:par>
+                            </p:childTnLst>
+                          </p:cTn>
+                        </p:par>
+                      </p:childTnLst>
+                    </p:cTn>
+                  </p:par>
+                </p:childTnLst>
+              </p:cTn>
+              <p:prevCondLst>
+                <p:cond evt="onPrev" delay="0">
+                  <p:tgtEl>
+                    <p:sldTgt/>
+                  </p:tgtEl>
+                </p:cond>
+              </p:prevCondLst>
+              <p:nextCondLst>
+                <p:cond evt="onNext" delay="0">
+                  <p:tgtEl>
+                    <p:sldTgt/>
+                  </p:tgtEl>
+                </p:cond>
+              </p:nextCondLst>
+            </p:seq>
+          </p:childTnLst>
+        </p:cTn>
+      </p:par>
+    </p:tnLst>
+  </p:timing>
 </p:sld>
 </file>
 

--- a/CapstonePresentation.pptx
+++ b/CapstonePresentation.pptx
@@ -4201,11 +4201,10 @@
             </a:r>
           </a:p>
           <a:p>
-            <a:pPr lvl="1"/>
-            <a:r>
-              <a:rPr lang="en-US" dirty="0"/>
-              <a:t>Decay = .01</a:t>
-            </a:r>
+            <a:pPr marL="457200" lvl="1" indent="0">
+              <a:buNone/>
+            </a:pPr>
+            <a:endParaRPr lang="en-US" dirty="0"/>
           </a:p>
           <a:p>
             <a:pPr marL="0" indent="0">
@@ -4345,11 +4344,10 @@
             </a:r>
           </a:p>
           <a:p>
-            <a:pPr lvl="1"/>
-            <a:r>
-              <a:rPr lang="en-US" dirty="0"/>
-              <a:t>Decay = .001</a:t>
-            </a:r>
+            <a:pPr marL="457200" lvl="1" indent="0">
+              <a:buNone/>
+            </a:pPr>
+            <a:endParaRPr lang="en-US" dirty="0"/>
           </a:p>
           <a:p>
             <a:pPr marL="0" indent="0">
